--- a/doc/Brandstetter_MVC_02.pptx
+++ b/doc/Brandstetter_MVC_02.pptx
@@ -114,6 +114,11 @@
       </a:defRPr>
     </a:lvl9pPr>
   </p:defaultTextStyle>
+  <p:extLst>
+    <p:ext uri="{EFAFB233-063F-42B5-8137-9DF3F51BA10A}">
+      <p15:sldGuideLst xmlns:p15="http://schemas.microsoft.com/office/powerpoint/2012/main"/>
+    </p:ext>
+  </p:extLst>
 </p:presentation>
 </file>
 
@@ -266,7 +271,7 @@
           <a:p>
             <a:fld id="{5BB77033-F688-4B3A-A60F-50BC8AA82E49}" type="datetimeFigureOut">
               <a:rPr lang="de-AT" smtClean="0"/>
-              <a:t>23.02.2019</a:t>
+              <a:t>25.02.2019</a:t>
             </a:fld>
             <a:endParaRPr lang="de-AT"/>
           </a:p>
@@ -466,7 +471,7 @@
           <a:p>
             <a:fld id="{5BB77033-F688-4B3A-A60F-50BC8AA82E49}" type="datetimeFigureOut">
               <a:rPr lang="de-AT" smtClean="0"/>
-              <a:t>23.02.2019</a:t>
+              <a:t>25.02.2019</a:t>
             </a:fld>
             <a:endParaRPr lang="de-AT"/>
           </a:p>
@@ -676,7 +681,7 @@
           <a:p>
             <a:fld id="{5BB77033-F688-4B3A-A60F-50BC8AA82E49}" type="datetimeFigureOut">
               <a:rPr lang="de-AT" smtClean="0"/>
-              <a:t>23.02.2019</a:t>
+              <a:t>25.02.2019</a:t>
             </a:fld>
             <a:endParaRPr lang="de-AT"/>
           </a:p>
@@ -876,7 +881,7 @@
           <a:p>
             <a:fld id="{5BB77033-F688-4B3A-A60F-50BC8AA82E49}" type="datetimeFigureOut">
               <a:rPr lang="de-AT" smtClean="0"/>
-              <a:t>23.02.2019</a:t>
+              <a:t>25.02.2019</a:t>
             </a:fld>
             <a:endParaRPr lang="de-AT"/>
           </a:p>
@@ -1152,7 +1157,7 @@
           <a:p>
             <a:fld id="{5BB77033-F688-4B3A-A60F-50BC8AA82E49}" type="datetimeFigureOut">
               <a:rPr lang="de-AT" smtClean="0"/>
-              <a:t>23.02.2019</a:t>
+              <a:t>25.02.2019</a:t>
             </a:fld>
             <a:endParaRPr lang="de-AT"/>
           </a:p>
@@ -1420,7 +1425,7 @@
           <a:p>
             <a:fld id="{5BB77033-F688-4B3A-A60F-50BC8AA82E49}" type="datetimeFigureOut">
               <a:rPr lang="de-AT" smtClean="0"/>
-              <a:t>23.02.2019</a:t>
+              <a:t>25.02.2019</a:t>
             </a:fld>
             <a:endParaRPr lang="de-AT"/>
           </a:p>
@@ -1835,7 +1840,7 @@
           <a:p>
             <a:fld id="{5BB77033-F688-4B3A-A60F-50BC8AA82E49}" type="datetimeFigureOut">
               <a:rPr lang="de-AT" smtClean="0"/>
-              <a:t>23.02.2019</a:t>
+              <a:t>25.02.2019</a:t>
             </a:fld>
             <a:endParaRPr lang="de-AT"/>
           </a:p>
@@ -1977,7 +1982,7 @@
           <a:p>
             <a:fld id="{5BB77033-F688-4B3A-A60F-50BC8AA82E49}" type="datetimeFigureOut">
               <a:rPr lang="de-AT" smtClean="0"/>
-              <a:t>23.02.2019</a:t>
+              <a:t>25.02.2019</a:t>
             </a:fld>
             <a:endParaRPr lang="de-AT"/>
           </a:p>
@@ -2090,7 +2095,7 @@
           <a:p>
             <a:fld id="{5BB77033-F688-4B3A-A60F-50BC8AA82E49}" type="datetimeFigureOut">
               <a:rPr lang="de-AT" smtClean="0"/>
-              <a:t>23.02.2019</a:t>
+              <a:t>25.02.2019</a:t>
             </a:fld>
             <a:endParaRPr lang="de-AT"/>
           </a:p>
@@ -2403,7 +2408,7 @@
           <a:p>
             <a:fld id="{5BB77033-F688-4B3A-A60F-50BC8AA82E49}" type="datetimeFigureOut">
               <a:rPr lang="de-AT" smtClean="0"/>
-              <a:t>23.02.2019</a:t>
+              <a:t>25.02.2019</a:t>
             </a:fld>
             <a:endParaRPr lang="de-AT"/>
           </a:p>
@@ -2692,7 +2697,7 @@
           <a:p>
             <a:fld id="{5BB77033-F688-4B3A-A60F-50BC8AA82E49}" type="datetimeFigureOut">
               <a:rPr lang="de-AT" smtClean="0"/>
-              <a:t>23.02.2019</a:t>
+              <a:t>25.02.2019</a:t>
             </a:fld>
             <a:endParaRPr lang="de-AT"/>
           </a:p>
@@ -2935,7 +2940,7 @@
           <a:p>
             <a:fld id="{5BB77033-F688-4B3A-A60F-50BC8AA82E49}" type="datetimeFigureOut">
               <a:rPr lang="de-AT" smtClean="0"/>
-              <a:t>23.02.2019</a:t>
+              <a:t>25.02.2019</a:t>
             </a:fld>
             <a:endParaRPr lang="de-AT"/>
           </a:p>
@@ -3408,6 +3413,111 @@
           </a:p>
         </p:txBody>
       </p:sp>
+      <p:sp>
+        <p:nvSpPr>
+          <p:cNvPr id="4" name="TextBox 3">
+            <a:extLst>
+              <a:ext uri="{FF2B5EF4-FFF2-40B4-BE49-F238E27FC236}">
+                <a16:creationId xmlns:a16="http://schemas.microsoft.com/office/drawing/2014/main" id="{9434012A-5604-41DC-8280-574EE2B7D690}"/>
+              </a:ext>
+            </a:extLst>
+          </p:cNvPr>
+          <p:cNvSpPr txBox="1"/>
+          <p:nvPr/>
+        </p:nvSpPr>
+        <p:spPr>
+          <a:xfrm>
+            <a:off x="5265019" y="2502485"/>
+            <a:ext cx="841897" cy="1015663"/>
+          </a:xfrm>
+          <a:prstGeom prst="rect">
+            <a:avLst/>
+          </a:prstGeom>
+          <a:noFill/>
+        </p:spPr>
+        <p:txBody>
+          <a:bodyPr wrap="none" rtlCol="0">
+            <a:spAutoFit/>
+          </a:bodyPr>
+          <a:lstStyle/>
+          <a:p>
+            <a:r>
+              <a:rPr lang="de-AT" sz="6000" dirty="0"/>
+              <a:t>M</a:t>
+            </a:r>
+          </a:p>
+        </p:txBody>
+      </p:sp>
+      <p:sp>
+        <p:nvSpPr>
+          <p:cNvPr id="5" name="TextBox 4">
+            <a:extLst>
+              <a:ext uri="{FF2B5EF4-FFF2-40B4-BE49-F238E27FC236}">
+                <a16:creationId xmlns:a16="http://schemas.microsoft.com/office/drawing/2014/main" id="{12FA957C-57E0-4BBE-A556-F59F739896AF}"/>
+              </a:ext>
+            </a:extLst>
+          </p:cNvPr>
+          <p:cNvSpPr txBox="1"/>
+          <p:nvPr/>
+        </p:nvSpPr>
+        <p:spPr>
+          <a:xfrm>
+            <a:off x="5911555" y="2497009"/>
+            <a:ext cx="620683" cy="1015663"/>
+          </a:xfrm>
+          <a:prstGeom prst="rect">
+            <a:avLst/>
+          </a:prstGeom>
+          <a:noFill/>
+        </p:spPr>
+        <p:txBody>
+          <a:bodyPr wrap="none" rtlCol="0">
+            <a:spAutoFit/>
+          </a:bodyPr>
+          <a:lstStyle/>
+          <a:p>
+            <a:r>
+              <a:rPr lang="de-AT" sz="6000" dirty="0"/>
+              <a:t>V</a:t>
+            </a:r>
+          </a:p>
+        </p:txBody>
+      </p:sp>
+      <p:sp>
+        <p:nvSpPr>
+          <p:cNvPr id="6" name="TextBox 5">
+            <a:extLst>
+              <a:ext uri="{FF2B5EF4-FFF2-40B4-BE49-F238E27FC236}">
+                <a16:creationId xmlns:a16="http://schemas.microsoft.com/office/drawing/2014/main" id="{D0C2E6DA-24BF-40D4-A48C-5A900F99215B}"/>
+              </a:ext>
+            </a:extLst>
+          </p:cNvPr>
+          <p:cNvSpPr txBox="1"/>
+          <p:nvPr/>
+        </p:nvSpPr>
+        <p:spPr>
+          <a:xfrm>
+            <a:off x="6331819" y="2510506"/>
+            <a:ext cx="595035" cy="1015663"/>
+          </a:xfrm>
+          <a:prstGeom prst="rect">
+            <a:avLst/>
+          </a:prstGeom>
+          <a:noFill/>
+        </p:spPr>
+        <p:txBody>
+          <a:bodyPr wrap="none" rtlCol="0">
+            <a:spAutoFit/>
+          </a:bodyPr>
+          <a:lstStyle/>
+          <a:p>
+            <a:r>
+              <a:rPr lang="de-AT" sz="6000" dirty="0"/>
+              <a:t>C</a:t>
+            </a:r>
+          </a:p>
+        </p:txBody>
+      </p:sp>
     </p:spTree>
     <p:extLst>
       <p:ext uri="{BB962C8B-B14F-4D97-AF65-F5344CB8AC3E}">
@@ -3418,6 +3528,18 @@
   <p:clrMapOvr>
     <a:masterClrMapping/>
   </p:clrMapOvr>
+  <mc:AlternateContent xmlns:mc="http://schemas.openxmlformats.org/markup-compatibility/2006">
+    <mc:Choice xmlns:p159="http://schemas.microsoft.com/office/powerpoint/2015/09/main" Requires="p159">
+      <p:transition xmlns:p14="http://schemas.microsoft.com/office/powerpoint/2010/main" spd="slow" p14:dur="2000">
+        <p159:morph option="byObject"/>
+      </p:transition>
+    </mc:Choice>
+    <mc:Fallback>
+      <p:transition spd="slow">
+        <p:fade/>
+      </p:transition>
+    </mc:Fallback>
+  </mc:AlternateContent>
 </p:sld>
 </file>
 
@@ -3522,6 +3644,78 @@
           </a:p>
         </p:txBody>
       </p:sp>
+      <p:pic>
+        <p:nvPicPr>
+          <p:cNvPr id="3" name="Picture 2" descr="A close up of a sign&#10;&#10;Description automatically generated">
+            <a:extLst>
+              <a:ext uri="{FF2B5EF4-FFF2-40B4-BE49-F238E27FC236}">
+                <a16:creationId xmlns:a16="http://schemas.microsoft.com/office/drawing/2014/main" id="{3AA978E6-F860-475F-BD10-EB8419DC744B}"/>
+              </a:ext>
+            </a:extLst>
+          </p:cNvPr>
+          <p:cNvPicPr>
+            <a:picLocks noChangeAspect="1"/>
+          </p:cNvPicPr>
+          <p:nvPr/>
+        </p:nvPicPr>
+        <p:blipFill>
+          <a:blip r:embed="rId2">
+            <a:extLst>
+              <a:ext uri="{28A0092B-C50C-407E-A947-70E740481C1C}">
+                <a14:useLocalDpi xmlns:a14="http://schemas.microsoft.com/office/drawing/2010/main" val="0"/>
+              </a:ext>
+            </a:extLst>
+          </a:blip>
+          <a:stretch>
+            <a:fillRect/>
+          </a:stretch>
+        </p:blipFill>
+        <p:spPr>
+          <a:xfrm>
+            <a:off x="323794" y="5018222"/>
+            <a:ext cx="3460806" cy="1579428"/>
+          </a:xfrm>
+          <a:prstGeom prst="rect">
+            <a:avLst/>
+          </a:prstGeom>
+        </p:spPr>
+      </p:pic>
+      <p:pic>
+        <p:nvPicPr>
+          <p:cNvPr id="7" name="Picture 6" descr="A close up of a logo&#10;&#10;Description automatically generated">
+            <a:extLst>
+              <a:ext uri="{FF2B5EF4-FFF2-40B4-BE49-F238E27FC236}">
+                <a16:creationId xmlns:a16="http://schemas.microsoft.com/office/drawing/2014/main" id="{670DEC55-FAA2-4DA7-8F96-12644B8C413B}"/>
+              </a:ext>
+            </a:extLst>
+          </p:cNvPr>
+          <p:cNvPicPr>
+            <a:picLocks noChangeAspect="1"/>
+          </p:cNvPicPr>
+          <p:nvPr/>
+        </p:nvPicPr>
+        <p:blipFill>
+          <a:blip r:embed="rId3">
+            <a:extLst>
+              <a:ext uri="{28A0092B-C50C-407E-A947-70E740481C1C}">
+                <a14:useLocalDpi xmlns:a14="http://schemas.microsoft.com/office/drawing/2010/main" val="0"/>
+              </a:ext>
+            </a:extLst>
+          </a:blip>
+          <a:stretch>
+            <a:fillRect/>
+          </a:stretch>
+        </p:blipFill>
+        <p:spPr>
+          <a:xfrm>
+            <a:off x="3873500" y="4648200"/>
+            <a:ext cx="3698410" cy="2209800"/>
+          </a:xfrm>
+          <a:prstGeom prst="rect">
+            <a:avLst/>
+          </a:prstGeom>
+        </p:spPr>
+      </p:pic>
     </p:spTree>
     <p:extLst>
       <p:ext uri="{BB962C8B-B14F-4D97-AF65-F5344CB8AC3E}">
@@ -3532,6 +3726,18 @@
   <p:clrMapOvr>
     <a:masterClrMapping/>
   </p:clrMapOvr>
+  <mc:AlternateContent xmlns:mc="http://schemas.openxmlformats.org/markup-compatibility/2006">
+    <mc:Choice xmlns:p159="http://schemas.microsoft.com/office/powerpoint/2015/09/main" Requires="p159">
+      <p:transition xmlns:p14="http://schemas.microsoft.com/office/powerpoint/2010/main" spd="slow" p14:dur="2000">
+        <p159:morph option="byObject"/>
+      </p:transition>
+    </mc:Choice>
+    <mc:Fallback>
+      <p:transition spd="slow">
+        <p:fade/>
+      </p:transition>
+    </mc:Fallback>
+  </mc:AlternateContent>
 </p:sld>
 </file>
 
@@ -3602,6 +3808,18 @@
   <p:clrMapOvr>
     <a:masterClrMapping/>
   </p:clrMapOvr>
+  <mc:AlternateContent xmlns:mc="http://schemas.openxmlformats.org/markup-compatibility/2006">
+    <mc:Choice xmlns:p159="http://schemas.microsoft.com/office/powerpoint/2015/09/main" Requires="p159">
+      <p:transition xmlns:p14="http://schemas.microsoft.com/office/powerpoint/2010/main" spd="slow" p14:dur="2000">
+        <p159:morph option="byObject"/>
+      </p:transition>
+    </mc:Choice>
+    <mc:Fallback>
+      <p:transition spd="slow">
+        <p:fade/>
+      </p:transition>
+    </mc:Fallback>
+  </mc:AlternateContent>
 </p:sld>
 </file>
 
@@ -3731,6 +3949,146 @@
           </a:p>
         </p:txBody>
       </p:sp>
+      <p:sp>
+        <p:nvSpPr>
+          <p:cNvPr id="4" name="TextBox 3">
+            <a:extLst>
+              <a:ext uri="{FF2B5EF4-FFF2-40B4-BE49-F238E27FC236}">
+                <a16:creationId xmlns:a16="http://schemas.microsoft.com/office/drawing/2014/main" id="{54D14F4B-35DC-4F75-B80C-A7014246068A}"/>
+              </a:ext>
+            </a:extLst>
+          </p:cNvPr>
+          <p:cNvSpPr txBox="1"/>
+          <p:nvPr/>
+        </p:nvSpPr>
+        <p:spPr>
+          <a:xfrm>
+            <a:off x="1068404" y="1761423"/>
+            <a:ext cx="492443" cy="523220"/>
+          </a:xfrm>
+          <a:prstGeom prst="rect">
+            <a:avLst/>
+          </a:prstGeom>
+          <a:noFill/>
+        </p:spPr>
+        <p:txBody>
+          <a:bodyPr wrap="none" rtlCol="0">
+            <a:spAutoFit/>
+          </a:bodyPr>
+          <a:lstStyle/>
+          <a:p>
+            <a:r>
+              <a:rPr lang="de-AT" sz="2800" dirty="0"/>
+              <a:t>M</a:t>
+            </a:r>
+          </a:p>
+        </p:txBody>
+      </p:sp>
+      <p:sp>
+        <p:nvSpPr>
+          <p:cNvPr id="5" name="TextBox 4">
+            <a:extLst>
+              <a:ext uri="{FF2B5EF4-FFF2-40B4-BE49-F238E27FC236}">
+                <a16:creationId xmlns:a16="http://schemas.microsoft.com/office/drawing/2014/main" id="{C194B0E8-52D7-48C7-87FC-22E0EC88E0E6}"/>
+              </a:ext>
+            </a:extLst>
+          </p:cNvPr>
+          <p:cNvSpPr txBox="1"/>
+          <p:nvPr/>
+        </p:nvSpPr>
+        <p:spPr>
+          <a:xfrm>
+            <a:off x="2173705" y="1774043"/>
+            <a:ext cx="388248" cy="523220"/>
+          </a:xfrm>
+          <a:prstGeom prst="rect">
+            <a:avLst/>
+          </a:prstGeom>
+          <a:noFill/>
+        </p:spPr>
+        <p:txBody>
+          <a:bodyPr wrap="none" rtlCol="0">
+            <a:spAutoFit/>
+          </a:bodyPr>
+          <a:lstStyle/>
+          <a:p>
+            <a:r>
+              <a:rPr lang="de-AT" sz="2800" dirty="0"/>
+              <a:t>V</a:t>
+            </a:r>
+          </a:p>
+        </p:txBody>
+      </p:sp>
+      <p:sp>
+        <p:nvSpPr>
+          <p:cNvPr id="6" name="TextBox 5">
+            <a:extLst>
+              <a:ext uri="{FF2B5EF4-FFF2-40B4-BE49-F238E27FC236}">
+                <a16:creationId xmlns:a16="http://schemas.microsoft.com/office/drawing/2014/main" id="{746B657B-49F5-4E5D-A261-6123E2D0919F}"/>
+              </a:ext>
+            </a:extLst>
+          </p:cNvPr>
+          <p:cNvSpPr txBox="1"/>
+          <p:nvPr/>
+        </p:nvSpPr>
+        <p:spPr>
+          <a:xfrm>
+            <a:off x="3027078" y="1782144"/>
+            <a:ext cx="375424" cy="523220"/>
+          </a:xfrm>
+          <a:prstGeom prst="rect">
+            <a:avLst/>
+          </a:prstGeom>
+          <a:noFill/>
+        </p:spPr>
+        <p:txBody>
+          <a:bodyPr wrap="none" rtlCol="0">
+            <a:spAutoFit/>
+          </a:bodyPr>
+          <a:lstStyle/>
+          <a:p>
+            <a:r>
+              <a:rPr lang="de-AT" sz="2800" dirty="0"/>
+              <a:t>C</a:t>
+            </a:r>
+          </a:p>
+        </p:txBody>
+      </p:sp>
+      <p:sp>
+        <p:nvSpPr>
+          <p:cNvPr id="7" name="TextBox 6">
+            <a:extLst>
+              <a:ext uri="{FF2B5EF4-FFF2-40B4-BE49-F238E27FC236}">
+                <a16:creationId xmlns:a16="http://schemas.microsoft.com/office/drawing/2014/main" id="{412AFD5E-1521-4E68-A5FB-8DE00A3BD501}"/>
+              </a:ext>
+            </a:extLst>
+          </p:cNvPr>
+          <p:cNvSpPr txBox="1"/>
+          <p:nvPr/>
+        </p:nvSpPr>
+        <p:spPr>
+          <a:xfrm>
+            <a:off x="830981" y="606391"/>
+            <a:ext cx="1284198" cy="769441"/>
+          </a:xfrm>
+          <a:prstGeom prst="rect">
+            <a:avLst/>
+          </a:prstGeom>
+          <a:noFill/>
+        </p:spPr>
+        <p:txBody>
+          <a:bodyPr wrap="none" rtlCol="0">
+            <a:spAutoFit/>
+          </a:bodyPr>
+          <a:lstStyle/>
+          <a:p>
+            <a:r>
+              <a:rPr lang="de-AT" sz="4400" dirty="0"/>
+              <a:t>MVC</a:t>
+            </a:r>
+          </a:p>
+        </p:txBody>
+      </p:sp>
     </p:spTree>
     <p:extLst>
       <p:ext uri="{BB962C8B-B14F-4D97-AF65-F5344CB8AC3E}">
@@ -3741,6 +4099,18 @@
   <p:clrMapOvr>
     <a:masterClrMapping/>
   </p:clrMapOvr>
+  <mc:AlternateContent xmlns:mc="http://schemas.openxmlformats.org/markup-compatibility/2006">
+    <mc:Choice xmlns:p159="http://schemas.microsoft.com/office/powerpoint/2015/09/main" Requires="p159">
+      <p:transition xmlns:p14="http://schemas.microsoft.com/office/powerpoint/2010/main" spd="slow" p14:dur="2000">
+        <p159:morph option="byObject"/>
+      </p:transition>
+    </mc:Choice>
+    <mc:Fallback>
+      <p:transition spd="slow">
+        <p:fade/>
+      </p:transition>
+    </mc:Fallback>
+  </mc:AlternateContent>
 </p:sld>
 </file>
 
@@ -3839,6 +4209,76 @@
           </a:p>
         </p:txBody>
       </p:sp>
+      <p:sp>
+        <p:nvSpPr>
+          <p:cNvPr id="4" name="TextBox 3">
+            <a:extLst>
+              <a:ext uri="{FF2B5EF4-FFF2-40B4-BE49-F238E27FC236}">
+                <a16:creationId xmlns:a16="http://schemas.microsoft.com/office/drawing/2014/main" id="{6371CE2E-4478-4135-AD06-7F6C54FBE74E}"/>
+              </a:ext>
+            </a:extLst>
+          </p:cNvPr>
+          <p:cNvSpPr txBox="1"/>
+          <p:nvPr/>
+        </p:nvSpPr>
+        <p:spPr>
+          <a:xfrm>
+            <a:off x="2955089" y="616695"/>
+            <a:ext cx="1284198" cy="769441"/>
+          </a:xfrm>
+          <a:prstGeom prst="rect">
+            <a:avLst/>
+          </a:prstGeom>
+          <a:noFill/>
+        </p:spPr>
+        <p:txBody>
+          <a:bodyPr wrap="none" rtlCol="0">
+            <a:spAutoFit/>
+          </a:bodyPr>
+          <a:lstStyle/>
+          <a:p>
+            <a:r>
+              <a:rPr lang="de-AT" sz="4400" dirty="0"/>
+              <a:t>MVC</a:t>
+            </a:r>
+          </a:p>
+        </p:txBody>
+      </p:sp>
+      <p:sp>
+        <p:nvSpPr>
+          <p:cNvPr id="5" name="TextBox 4">
+            <a:extLst>
+              <a:ext uri="{FF2B5EF4-FFF2-40B4-BE49-F238E27FC236}">
+                <a16:creationId xmlns:a16="http://schemas.microsoft.com/office/drawing/2014/main" id="{6CF35C1F-F3FC-4FFD-88D7-D7C3A7E8E210}"/>
+              </a:ext>
+            </a:extLst>
+          </p:cNvPr>
+          <p:cNvSpPr txBox="1"/>
+          <p:nvPr/>
+        </p:nvSpPr>
+        <p:spPr>
+          <a:xfrm>
+            <a:off x="5045342" y="3191486"/>
+            <a:ext cx="2254913" cy="523220"/>
+          </a:xfrm>
+          <a:prstGeom prst="rect">
+            <a:avLst/>
+          </a:prstGeom>
+          <a:noFill/>
+        </p:spPr>
+        <p:txBody>
+          <a:bodyPr wrap="none" rtlCol="0">
+            <a:spAutoFit/>
+          </a:bodyPr>
+          <a:lstStyle/>
+          <a:p>
+            <a:r>
+              <a:rPr lang="de-AT" sz="2800" dirty="0"/>
+              <a:t>Komponenten</a:t>
+            </a:r>
+          </a:p>
+        </p:txBody>
+      </p:sp>
     </p:spTree>
     <p:extLst>
       <p:ext uri="{BB962C8B-B14F-4D97-AF65-F5344CB8AC3E}">
@@ -3849,6 +4289,18 @@
   <p:clrMapOvr>
     <a:masterClrMapping/>
   </p:clrMapOvr>
+  <mc:AlternateContent xmlns:mc="http://schemas.openxmlformats.org/markup-compatibility/2006">
+    <mc:Choice xmlns:p159="http://schemas.microsoft.com/office/powerpoint/2015/09/main" Requires="p159">
+      <p:transition xmlns:p14="http://schemas.microsoft.com/office/powerpoint/2010/main" spd="slow" p14:dur="2000">
+        <p159:morph option="byObject"/>
+      </p:transition>
+    </mc:Choice>
+    <mc:Fallback>
+      <p:transition spd="slow">
+        <p:fade/>
+      </p:transition>
+    </mc:Fallback>
+  </mc:AlternateContent>
 </p:sld>
 </file>
 
@@ -3918,7 +4370,98 @@
           <a:bodyPr/>
           <a:lstStyle/>
           <a:p>
-            <a:endParaRPr lang="de-AT"/>
+            <a:r>
+              <a:rPr lang="de-AT" dirty="0"/>
+              <a:t>View</a:t>
+            </a:r>
+          </a:p>
+          <a:p>
+            <a:r>
+              <a:rPr lang="de-AT" dirty="0"/>
+              <a:t>Controller</a:t>
+            </a:r>
+          </a:p>
+          <a:p>
+            <a:r>
+              <a:rPr lang="de-AT" dirty="0"/>
+              <a:t>Model</a:t>
+            </a:r>
+          </a:p>
+        </p:txBody>
+      </p:sp>
+      <p:sp>
+        <p:nvSpPr>
+          <p:cNvPr id="6" name="TextBox 5">
+            <a:extLst>
+              <a:ext uri="{FF2B5EF4-FFF2-40B4-BE49-F238E27FC236}">
+                <a16:creationId xmlns:a16="http://schemas.microsoft.com/office/drawing/2014/main" id="{4905157D-D8A5-4B89-8DA0-3C7FFFDFB3CE}"/>
+              </a:ext>
+            </a:extLst>
+          </p:cNvPr>
+          <p:cNvSpPr txBox="1"/>
+          <p:nvPr/>
+        </p:nvSpPr>
+        <p:spPr>
+          <a:xfrm>
+            <a:off x="810126" y="3566971"/>
+            <a:ext cx="4619726" cy="1015663"/>
+          </a:xfrm>
+          <a:prstGeom prst="rect">
+            <a:avLst/>
+          </a:prstGeom>
+          <a:noFill/>
+        </p:spPr>
+        <p:txBody>
+          <a:bodyPr wrap="none" rtlCol="0">
+            <a:spAutoFit/>
+          </a:bodyPr>
+          <a:lstStyle/>
+          <a:p>
+            <a:r>
+              <a:rPr lang="de-AT" sz="6000" dirty="0"/>
+              <a:t>Komponenten</a:t>
+            </a:r>
+          </a:p>
+        </p:txBody>
+      </p:sp>
+      <p:sp>
+        <p:nvSpPr>
+          <p:cNvPr id="7" name="TextBox 6">
+            <a:extLst>
+              <a:ext uri="{FF2B5EF4-FFF2-40B4-BE49-F238E27FC236}">
+                <a16:creationId xmlns:a16="http://schemas.microsoft.com/office/drawing/2014/main" id="{589B9B66-9897-4237-B26A-C711BC3B0AD0}"/>
+              </a:ext>
+            </a:extLst>
+          </p:cNvPr>
+          <p:cNvSpPr txBox="1"/>
+          <p:nvPr/>
+        </p:nvSpPr>
+        <p:spPr>
+          <a:xfrm>
+            <a:off x="837398" y="4553758"/>
+            <a:ext cx="801951" cy="461665"/>
+          </a:xfrm>
+          <a:prstGeom prst="rect">
+            <a:avLst/>
+          </a:prstGeom>
+          <a:noFill/>
+        </p:spPr>
+        <p:txBody>
+          <a:bodyPr wrap="none" rtlCol="0">
+            <a:spAutoFit/>
+          </a:bodyPr>
+          <a:lstStyle/>
+          <a:p>
+            <a:r>
+              <a:rPr lang="de-AT" sz="2400" dirty="0">
+                <a:solidFill>
+                  <a:schemeClr val="tx1">
+                    <a:tint val="75000"/>
+                  </a:schemeClr>
+                </a:solidFill>
+              </a:rPr>
+              <a:t>View</a:t>
+            </a:r>
           </a:p>
         </p:txBody>
       </p:sp>
@@ -3932,6 +4475,18 @@
   <p:clrMapOvr>
     <a:masterClrMapping/>
   </p:clrMapOvr>
+  <mc:AlternateContent xmlns:mc="http://schemas.openxmlformats.org/markup-compatibility/2006">
+    <mc:Choice xmlns:p159="http://schemas.microsoft.com/office/powerpoint/2015/09/main" Requires="p159">
+      <p:transition xmlns:p14="http://schemas.microsoft.com/office/powerpoint/2010/main" spd="slow" p14:dur="2000">
+        <p159:morph option="byObject"/>
+      </p:transition>
+    </mc:Choice>
+    <mc:Fallback>
+      <p:transition spd="slow">
+        <p:fade/>
+      </p:transition>
+    </mc:Fallback>
+  </mc:AlternateContent>
 </p:sld>
 </file>
 
@@ -3954,6 +4509,45 @@
       </p:grpSpPr>
       <p:sp>
         <p:nvSpPr>
+          <p:cNvPr id="7" name="TextBox 6">
+            <a:extLst>
+              <a:ext uri="{FF2B5EF4-FFF2-40B4-BE49-F238E27FC236}">
+                <a16:creationId xmlns:a16="http://schemas.microsoft.com/office/drawing/2014/main" id="{0FDF70C9-6690-438B-97FD-8A60697FFD3C}"/>
+              </a:ext>
+            </a:extLst>
+          </p:cNvPr>
+          <p:cNvSpPr txBox="1"/>
+          <p:nvPr/>
+        </p:nvSpPr>
+        <p:spPr>
+          <a:xfrm>
+            <a:off x="827774" y="607400"/>
+            <a:ext cx="1316835" cy="769441"/>
+          </a:xfrm>
+          <a:prstGeom prst="rect">
+            <a:avLst/>
+          </a:prstGeom>
+          <a:noFill/>
+        </p:spPr>
+        <p:txBody>
+          <a:bodyPr wrap="none" rtlCol="0">
+            <a:spAutoFit/>
+          </a:bodyPr>
+          <a:lstStyle/>
+          <a:p>
+            <a:r>
+              <a:rPr lang="de-AT" sz="4400" dirty="0">
+                <a:latin typeface="+mj-lt"/>
+                <a:ea typeface="+mj-ea"/>
+                <a:cs typeface="+mj-cs"/>
+              </a:rPr>
+              <a:t>View</a:t>
+            </a:r>
+          </a:p>
+        </p:txBody>
+      </p:sp>
+      <p:sp>
+        <p:nvSpPr>
           <p:cNvPr id="2" name="Title 1">
             <a:extLst>
               <a:ext uri="{FF2B5EF4-FFF2-40B4-BE49-F238E27FC236}">
@@ -3968,9 +4562,16 @@
             <p:ph type="title"/>
           </p:nvPr>
         </p:nvSpPr>
-        <p:spPr/>
-        <p:txBody>
-          <a:bodyPr/>
+        <p:spPr>
+          <a:xfrm>
+            <a:off x="825397" y="362530"/>
+            <a:ext cx="10515600" cy="1325563"/>
+          </a:xfrm>
+        </p:spPr>
+        <p:txBody>
+          <a:bodyPr>
+            <a:normAutofit/>
+          </a:bodyPr>
           <a:lstStyle/>
           <a:p>
             <a:r>
@@ -4024,7 +4625,11 @@
           <a:p>
             <a:r>
               <a:rPr lang="de-AT" dirty="0"/>
-              <a:t>zuständig für die Struktur und Darstellung</a:t>
+              <a:t>zuständig für die </a:t>
+            </a:r>
+            <a:r>
+              <a:rPr lang="de-AT" b="1" dirty="0"/>
+              <a:t>Struktur und Darstellung</a:t>
             </a:r>
           </a:p>
           <a:p>
@@ -4150,6 +4755,18 @@
   <p:clrMapOvr>
     <a:masterClrMapping/>
   </p:clrMapOvr>
+  <mc:AlternateContent xmlns:mc="http://schemas.openxmlformats.org/markup-compatibility/2006">
+    <mc:Choice xmlns:p159="http://schemas.microsoft.com/office/powerpoint/2015/09/main" Requires="p159">
+      <p:transition xmlns:p14="http://schemas.microsoft.com/office/powerpoint/2010/main" spd="slow" p14:dur="2000">
+        <p159:morph option="byObject"/>
+      </p:transition>
+    </mc:Choice>
+    <mc:Fallback>
+      <p:transition spd="slow">
+        <p:fade/>
+      </p:transition>
+    </mc:Fallback>
+  </mc:AlternateContent>
   <p:timing>
     <p:tnLst>
       <p:par>
@@ -4415,7 +5032,7 @@
         </p:blipFill>
         <p:spPr>
           <a:xfrm>
-            <a:off x="7758344" y="0"/>
+            <a:off x="7671717" y="125129"/>
             <a:ext cx="4433656" cy="2401564"/>
           </a:xfrm>
           <a:prstGeom prst="rect">
@@ -4423,6 +5040,41 @@
           </a:prstGeom>
         </p:spPr>
       </p:pic>
+      <p:sp>
+        <p:nvSpPr>
+          <p:cNvPr id="4" name="TextBox 3">
+            <a:extLst>
+              <a:ext uri="{FF2B5EF4-FFF2-40B4-BE49-F238E27FC236}">
+                <a16:creationId xmlns:a16="http://schemas.microsoft.com/office/drawing/2014/main" id="{26DE28FB-97B3-4EF0-9BF5-5938D3656A5D}"/>
+              </a:ext>
+            </a:extLst>
+          </p:cNvPr>
+          <p:cNvSpPr txBox="1"/>
+          <p:nvPr/>
+        </p:nvSpPr>
+        <p:spPr>
+          <a:xfrm>
+            <a:off x="8046720" y="3975233"/>
+            <a:ext cx="1130438" cy="523220"/>
+          </a:xfrm>
+          <a:prstGeom prst="rect">
+            <a:avLst/>
+          </a:prstGeom>
+          <a:noFill/>
+        </p:spPr>
+        <p:txBody>
+          <a:bodyPr wrap="none" rtlCol="0">
+            <a:spAutoFit/>
+          </a:bodyPr>
+          <a:lstStyle/>
+          <a:p>
+            <a:r>
+              <a:rPr lang="de-AT" sz="2800" dirty="0"/>
+              <a:t>Model</a:t>
+            </a:r>
+          </a:p>
+        </p:txBody>
+      </p:sp>
     </p:spTree>
     <p:extLst>
       <p:ext uri="{BB962C8B-B14F-4D97-AF65-F5344CB8AC3E}">
@@ -4433,241 +5085,18 @@
   <p:clrMapOvr>
     <a:masterClrMapping/>
   </p:clrMapOvr>
-</p:sld>
-</file>
-
-<file path=ppt/slides/slide7.xml><?xml version="1.0" encoding="utf-8"?>
-<p:sld xmlns:a="http://schemas.openxmlformats.org/drawingml/2006/main" xmlns:r="http://schemas.openxmlformats.org/officeDocument/2006/relationships" xmlns:p="http://schemas.openxmlformats.org/presentationml/2006/main">
-  <p:cSld>
-    <p:spTree>
-      <p:nvGrpSpPr>
-        <p:cNvPr id="1" name=""/>
-        <p:cNvGrpSpPr/>
-        <p:nvPr/>
-      </p:nvGrpSpPr>
-      <p:grpSpPr>
-        <a:xfrm>
-          <a:off x="0" y="0"/>
-          <a:ext cx="0" cy="0"/>
-          <a:chOff x="0" y="0"/>
-          <a:chExt cx="0" cy="0"/>
-        </a:xfrm>
-      </p:grpSpPr>
-      <p:sp>
-        <p:nvSpPr>
-          <p:cNvPr id="2" name="Title 1">
-            <a:extLst>
-              <a:ext uri="{FF2B5EF4-FFF2-40B4-BE49-F238E27FC236}">
-                <a16:creationId xmlns:a16="http://schemas.microsoft.com/office/drawing/2014/main" id="{551C2C9C-689F-44B0-9DBA-6B2526B6AA9F}"/>
-              </a:ext>
-            </a:extLst>
-          </p:cNvPr>
-          <p:cNvSpPr>
-            <a:spLocks noGrp="1"/>
-          </p:cNvSpPr>
-          <p:nvPr>
-            <p:ph type="title"/>
-          </p:nvPr>
-        </p:nvSpPr>
-        <p:spPr/>
-        <p:txBody>
-          <a:bodyPr/>
-          <a:lstStyle/>
-          <a:p>
-            <a:r>
-              <a:rPr lang="de-AT" dirty="0"/>
-              <a:t>Model</a:t>
-            </a:r>
-          </a:p>
-        </p:txBody>
-      </p:sp>
-      <p:sp>
-        <p:nvSpPr>
-          <p:cNvPr id="3" name="Content Placeholder 2">
-            <a:extLst>
-              <a:ext uri="{FF2B5EF4-FFF2-40B4-BE49-F238E27FC236}">
-                <a16:creationId xmlns:a16="http://schemas.microsoft.com/office/drawing/2014/main" id="{253EE9E5-05EB-4031-850C-B401B49D91CE}"/>
-              </a:ext>
-            </a:extLst>
-          </p:cNvPr>
-          <p:cNvSpPr>
-            <a:spLocks noGrp="1"/>
-          </p:cNvSpPr>
-          <p:nvPr>
-            <p:ph idx="1"/>
-          </p:nvPr>
-        </p:nvSpPr>
-        <p:spPr/>
-        <p:txBody>
-          <a:bodyPr/>
-          <a:lstStyle/>
-          <a:p>
-            <a:r>
-              <a:rPr lang="de-AT" dirty="0"/>
-              <a:t>enthält Business Logik</a:t>
-            </a:r>
-          </a:p>
-          <a:p>
-            <a:pPr lvl="1"/>
-            <a:r>
-              <a:rPr lang="de-AT" dirty="0"/>
-              <a:t>bestimmte Berechnungen</a:t>
-            </a:r>
-          </a:p>
-          <a:p>
-            <a:pPr lvl="1"/>
-            <a:r>
-              <a:rPr lang="de-AT" dirty="0"/>
-              <a:t>kann Data Access Layer enthalten</a:t>
-            </a:r>
-          </a:p>
-          <a:p>
-            <a:pPr lvl="2"/>
-            <a:r>
-              <a:rPr lang="de-AT" dirty="0"/>
-              <a:t>Database, REST API, ...</a:t>
-            </a:r>
-          </a:p>
-          <a:p>
-            <a:r>
-              <a:rPr lang="de-AT" dirty="0"/>
-              <a:t>kennt keinen Controller oder View</a:t>
-            </a:r>
-          </a:p>
-          <a:p>
-            <a:pPr lvl="1"/>
-            <a:r>
-              <a:rPr lang="de-AT" dirty="0"/>
-              <a:t>Benachrichtigungen mittels Events (z.B. </a:t>
-            </a:r>
-            <a:r>
-              <a:rPr lang="de-AT" dirty="0" err="1"/>
-              <a:t>INotifyPropertyChanged</a:t>
-            </a:r>
-            <a:r>
-              <a:rPr lang="de-AT" dirty="0"/>
-              <a:t>, </a:t>
-            </a:r>
-            <a:r>
-              <a:rPr lang="de-AT" dirty="0" err="1"/>
-              <a:t>ObservableCollection</a:t>
-            </a:r>
-            <a:r>
-              <a:rPr lang="de-AT" dirty="0"/>
-              <a:t>)</a:t>
-            </a:r>
-          </a:p>
-          <a:p>
-            <a:endParaRPr lang="de-AT" dirty="0"/>
-          </a:p>
-        </p:txBody>
-      </p:sp>
-    </p:spTree>
-    <p:extLst>
-      <p:ext uri="{BB962C8B-B14F-4D97-AF65-F5344CB8AC3E}">
-        <p14:creationId xmlns:p14="http://schemas.microsoft.com/office/powerpoint/2010/main" val="2506933209"/>
-      </p:ext>
-    </p:extLst>
-  </p:cSld>
-  <p:clrMapOvr>
-    <a:masterClrMapping/>
-  </p:clrMapOvr>
-</p:sld>
-</file>
-
-<file path=ppt/slides/slide8.xml><?xml version="1.0" encoding="utf-8"?>
-<p:sld xmlns:a="http://schemas.openxmlformats.org/drawingml/2006/main" xmlns:r="http://schemas.openxmlformats.org/officeDocument/2006/relationships" xmlns:p="http://schemas.openxmlformats.org/presentationml/2006/main">
-  <p:cSld>
-    <p:spTree>
-      <p:nvGrpSpPr>
-        <p:cNvPr id="1" name=""/>
-        <p:cNvGrpSpPr/>
-        <p:nvPr/>
-      </p:nvGrpSpPr>
-      <p:grpSpPr>
-        <a:xfrm>
-          <a:off x="0" y="0"/>
-          <a:ext cx="0" cy="0"/>
-          <a:chOff x="0" y="0"/>
-          <a:chExt cx="0" cy="0"/>
-        </a:xfrm>
-      </p:grpSpPr>
-      <p:sp>
-        <p:nvSpPr>
-          <p:cNvPr id="2" name="Title 1">
-            <a:extLst>
-              <a:ext uri="{FF2B5EF4-FFF2-40B4-BE49-F238E27FC236}">
-                <a16:creationId xmlns:a16="http://schemas.microsoft.com/office/drawing/2014/main" id="{DC9146E8-1369-41A2-9AD3-703228FD1A38}"/>
-              </a:ext>
-            </a:extLst>
-          </p:cNvPr>
-          <p:cNvSpPr>
-            <a:spLocks noGrp="1"/>
-          </p:cNvSpPr>
-          <p:nvPr>
-            <p:ph type="title"/>
-          </p:nvPr>
-        </p:nvSpPr>
-        <p:spPr/>
-        <p:txBody>
-          <a:bodyPr/>
-          <a:lstStyle/>
-          <a:p>
-            <a:r>
-              <a:rPr lang="de-AT" dirty="0"/>
-              <a:t>Ablauf</a:t>
-            </a:r>
-          </a:p>
-        </p:txBody>
-      </p:sp>
-      <p:pic>
-        <p:nvPicPr>
-          <p:cNvPr id="4" name="Content Placeholder 3" descr="A close up of a logo&#10;&#10;Description automatically generated">
-            <a:extLst>
-              <a:ext uri="{FF2B5EF4-FFF2-40B4-BE49-F238E27FC236}">
-                <a16:creationId xmlns:a16="http://schemas.microsoft.com/office/drawing/2014/main" id="{EA4B26CE-12B3-40CA-803D-B7BBB7F9C5C3}"/>
-              </a:ext>
-            </a:extLst>
-          </p:cNvPr>
-          <p:cNvPicPr>
-            <a:picLocks noGrp="1" noChangeAspect="1"/>
-          </p:cNvPicPr>
-          <p:nvPr>
-            <p:ph idx="1"/>
-          </p:nvPr>
-        </p:nvPicPr>
-        <p:blipFill>
-          <a:blip r:embed="rId2">
-            <a:extLst>
-              <a:ext uri="{28A0092B-C50C-407E-A947-70E740481C1C}">
-                <a14:useLocalDpi xmlns:a14="http://schemas.microsoft.com/office/drawing/2010/main" val="0"/>
-              </a:ext>
-            </a:extLst>
-          </a:blip>
-          <a:stretch>
-            <a:fillRect/>
-          </a:stretch>
-        </p:blipFill>
-        <p:spPr>
-          <a:xfrm>
-            <a:off x="1053565" y="2184602"/>
-            <a:ext cx="6575011" cy="1928670"/>
-          </a:xfrm>
-          <a:prstGeom prst="rect">
-            <a:avLst/>
-          </a:prstGeom>
-        </p:spPr>
-      </p:pic>
-    </p:spTree>
-    <p:extLst>
-      <p:ext uri="{BB962C8B-B14F-4D97-AF65-F5344CB8AC3E}">
-        <p14:creationId xmlns:p14="http://schemas.microsoft.com/office/powerpoint/2010/main" val="4082456557"/>
-      </p:ext>
-    </p:extLst>
-  </p:cSld>
-  <p:clrMapOvr>
-    <a:masterClrMapping/>
-  </p:clrMapOvr>
+  <mc:AlternateContent xmlns:mc="http://schemas.openxmlformats.org/markup-compatibility/2006">
+    <mc:Choice xmlns:p159="http://schemas.microsoft.com/office/powerpoint/2015/09/main" Requires="p159">
+      <p:transition xmlns:p14="http://schemas.microsoft.com/office/powerpoint/2010/main" spd="slow" p14:dur="2000">
+        <p159:morph option="byObject"/>
+      </p:transition>
+    </mc:Choice>
+    <mc:Fallback>
+      <p:transition spd="slow">
+        <p:fade/>
+      </p:transition>
+    </mc:Fallback>
+  </mc:AlternateContent>
   <p:timing>
     <p:tnLst>
       <p:par>
@@ -4702,7 +5131,7 @@
                                           </p:stCondLst>
                                         </p:cTn>
                                         <p:tgtEl>
-                                          <p:spTgt spid="4"/>
+                                          <p:spTgt spid="5"/>
                                         </p:tgtEl>
                                         <p:attrNameLst>
                                           <p:attrName>style.visibility</p:attrName>
@@ -4746,6 +5175,304 @@
 </p:sld>
 </file>
 
+<file path=ppt/slides/slide7.xml><?xml version="1.0" encoding="utf-8"?>
+<p:sld xmlns:a="http://schemas.openxmlformats.org/drawingml/2006/main" xmlns:r="http://schemas.openxmlformats.org/officeDocument/2006/relationships" xmlns:p="http://schemas.openxmlformats.org/presentationml/2006/main">
+  <p:cSld>
+    <p:spTree>
+      <p:nvGrpSpPr>
+        <p:cNvPr id="1" name=""/>
+        <p:cNvGrpSpPr/>
+        <p:nvPr/>
+      </p:nvGrpSpPr>
+      <p:grpSpPr>
+        <a:xfrm>
+          <a:off x="0" y="0"/>
+          <a:ext cx="0" cy="0"/>
+          <a:chOff x="0" y="0"/>
+          <a:chExt cx="0" cy="0"/>
+        </a:xfrm>
+      </p:grpSpPr>
+      <p:sp>
+        <p:nvSpPr>
+          <p:cNvPr id="2" name="Title 1">
+            <a:extLst>
+              <a:ext uri="{FF2B5EF4-FFF2-40B4-BE49-F238E27FC236}">
+                <a16:creationId xmlns:a16="http://schemas.microsoft.com/office/drawing/2014/main" id="{551C2C9C-689F-44B0-9DBA-6B2526B6AA9F}"/>
+              </a:ext>
+            </a:extLst>
+          </p:cNvPr>
+          <p:cNvSpPr>
+            <a:spLocks noGrp="1"/>
+          </p:cNvSpPr>
+          <p:nvPr>
+            <p:ph type="title"/>
+          </p:nvPr>
+        </p:nvSpPr>
+        <p:spPr/>
+        <p:txBody>
+          <a:bodyPr/>
+          <a:lstStyle/>
+          <a:p>
+            <a:r>
+              <a:rPr lang="de-AT" dirty="0"/>
+              <a:t>Model</a:t>
+            </a:r>
+          </a:p>
+        </p:txBody>
+      </p:sp>
+      <p:sp>
+        <p:nvSpPr>
+          <p:cNvPr id="3" name="Content Placeholder 2">
+            <a:extLst>
+              <a:ext uri="{FF2B5EF4-FFF2-40B4-BE49-F238E27FC236}">
+                <a16:creationId xmlns:a16="http://schemas.microsoft.com/office/drawing/2014/main" id="{253EE9E5-05EB-4031-850C-B401B49D91CE}"/>
+              </a:ext>
+            </a:extLst>
+          </p:cNvPr>
+          <p:cNvSpPr>
+            <a:spLocks noGrp="1"/>
+          </p:cNvSpPr>
+          <p:nvPr>
+            <p:ph idx="1"/>
+          </p:nvPr>
+        </p:nvSpPr>
+        <p:spPr/>
+        <p:txBody>
+          <a:bodyPr/>
+          <a:lstStyle/>
+          <a:p>
+            <a:r>
+              <a:rPr lang="de-AT" dirty="0"/>
+              <a:t>enthält Business Logik</a:t>
+            </a:r>
+          </a:p>
+          <a:p>
+            <a:pPr lvl="1"/>
+            <a:r>
+              <a:rPr lang="de-AT" dirty="0"/>
+              <a:t>bestimmte Berechnungen</a:t>
+            </a:r>
+          </a:p>
+          <a:p>
+            <a:pPr lvl="1"/>
+            <a:r>
+              <a:rPr lang="de-AT" dirty="0"/>
+              <a:t>kann Data Access Layer enthalten</a:t>
+            </a:r>
+          </a:p>
+          <a:p>
+            <a:pPr lvl="2"/>
+            <a:r>
+              <a:rPr lang="de-AT" dirty="0"/>
+              <a:t>Database, REST API, ...</a:t>
+            </a:r>
+          </a:p>
+          <a:p>
+            <a:r>
+              <a:rPr lang="de-AT" dirty="0"/>
+              <a:t>kennt keinen Controller oder View</a:t>
+            </a:r>
+          </a:p>
+          <a:p>
+            <a:pPr lvl="1"/>
+            <a:r>
+              <a:rPr lang="de-AT" dirty="0"/>
+              <a:t>Benachrichtigungen mittels Events (z.B. </a:t>
+            </a:r>
+            <a:r>
+              <a:rPr lang="de-AT" dirty="0" err="1"/>
+              <a:t>INotifyPropertyChanged</a:t>
+            </a:r>
+            <a:r>
+              <a:rPr lang="de-AT" dirty="0"/>
+              <a:t>, </a:t>
+            </a:r>
+            <a:r>
+              <a:rPr lang="de-AT" dirty="0" err="1"/>
+              <a:t>ObservableCollection</a:t>
+            </a:r>
+            <a:r>
+              <a:rPr lang="de-AT" dirty="0"/>
+              <a:t>)</a:t>
+            </a:r>
+          </a:p>
+          <a:p>
+            <a:endParaRPr lang="de-AT" dirty="0"/>
+          </a:p>
+        </p:txBody>
+      </p:sp>
+      <p:sp>
+        <p:nvSpPr>
+          <p:cNvPr id="4" name="TextBox 3">
+            <a:extLst>
+              <a:ext uri="{FF2B5EF4-FFF2-40B4-BE49-F238E27FC236}">
+                <a16:creationId xmlns:a16="http://schemas.microsoft.com/office/drawing/2014/main" id="{4A7FB725-52D5-4C03-9E4E-565B80BA6555}"/>
+              </a:ext>
+            </a:extLst>
+          </p:cNvPr>
+          <p:cNvSpPr txBox="1"/>
+          <p:nvPr/>
+        </p:nvSpPr>
+        <p:spPr>
+          <a:xfrm>
+            <a:off x="837398" y="599761"/>
+            <a:ext cx="1653017" cy="769441"/>
+          </a:xfrm>
+          <a:prstGeom prst="rect">
+            <a:avLst/>
+          </a:prstGeom>
+          <a:noFill/>
+        </p:spPr>
+        <p:txBody>
+          <a:bodyPr wrap="none" rtlCol="0">
+            <a:spAutoFit/>
+          </a:bodyPr>
+          <a:lstStyle/>
+          <a:p>
+            <a:r>
+              <a:rPr lang="de-AT" sz="4400" dirty="0">
+                <a:latin typeface="+mj-lt"/>
+                <a:ea typeface="+mj-ea"/>
+                <a:cs typeface="+mj-cs"/>
+              </a:rPr>
+              <a:t>Model</a:t>
+            </a:r>
+          </a:p>
+        </p:txBody>
+      </p:sp>
+    </p:spTree>
+    <p:extLst>
+      <p:ext uri="{BB962C8B-B14F-4D97-AF65-F5344CB8AC3E}">
+        <p14:creationId xmlns:p14="http://schemas.microsoft.com/office/powerpoint/2010/main" val="2506933209"/>
+      </p:ext>
+    </p:extLst>
+  </p:cSld>
+  <p:clrMapOvr>
+    <a:masterClrMapping/>
+  </p:clrMapOvr>
+  <mc:AlternateContent xmlns:mc="http://schemas.openxmlformats.org/markup-compatibility/2006">
+    <mc:Choice xmlns:p159="http://schemas.microsoft.com/office/powerpoint/2015/09/main" Requires="p159">
+      <p:transition xmlns:p14="http://schemas.microsoft.com/office/powerpoint/2010/main" spd="slow" p14:dur="2000">
+        <p159:morph option="byObject"/>
+      </p:transition>
+    </mc:Choice>
+    <mc:Fallback>
+      <p:transition spd="slow">
+        <p:fade/>
+      </p:transition>
+    </mc:Fallback>
+  </mc:AlternateContent>
+</p:sld>
+</file>
+
+<file path=ppt/slides/slide8.xml><?xml version="1.0" encoding="utf-8"?>
+<p:sld xmlns:a="http://schemas.openxmlformats.org/drawingml/2006/main" xmlns:r="http://schemas.openxmlformats.org/officeDocument/2006/relationships" xmlns:p="http://schemas.openxmlformats.org/presentationml/2006/main">
+  <p:cSld>
+    <p:spTree>
+      <p:nvGrpSpPr>
+        <p:cNvPr id="1" name=""/>
+        <p:cNvGrpSpPr/>
+        <p:nvPr/>
+      </p:nvGrpSpPr>
+      <p:grpSpPr>
+        <a:xfrm>
+          <a:off x="0" y="0"/>
+          <a:ext cx="0" cy="0"/>
+          <a:chOff x="0" y="0"/>
+          <a:chExt cx="0" cy="0"/>
+        </a:xfrm>
+      </p:grpSpPr>
+      <p:sp>
+        <p:nvSpPr>
+          <p:cNvPr id="2" name="Title 1">
+            <a:extLst>
+              <a:ext uri="{FF2B5EF4-FFF2-40B4-BE49-F238E27FC236}">
+                <a16:creationId xmlns:a16="http://schemas.microsoft.com/office/drawing/2014/main" id="{DC9146E8-1369-41A2-9AD3-703228FD1A38}"/>
+              </a:ext>
+            </a:extLst>
+          </p:cNvPr>
+          <p:cNvSpPr>
+            <a:spLocks noGrp="1"/>
+          </p:cNvSpPr>
+          <p:nvPr>
+            <p:ph type="title"/>
+          </p:nvPr>
+        </p:nvSpPr>
+        <p:spPr/>
+        <p:txBody>
+          <a:bodyPr/>
+          <a:lstStyle/>
+          <a:p>
+            <a:r>
+              <a:rPr lang="de-AT" dirty="0"/>
+              <a:t>Ablauf</a:t>
+            </a:r>
+          </a:p>
+        </p:txBody>
+      </p:sp>
+      <p:pic>
+        <p:nvPicPr>
+          <p:cNvPr id="4" name="Content Placeholder 3" descr="A close up of a logo&#10;&#10;Description automatically generated">
+            <a:extLst>
+              <a:ext uri="{FF2B5EF4-FFF2-40B4-BE49-F238E27FC236}">
+                <a16:creationId xmlns:a16="http://schemas.microsoft.com/office/drawing/2014/main" id="{EA4B26CE-12B3-40CA-803D-B7BBB7F9C5C3}"/>
+              </a:ext>
+            </a:extLst>
+          </p:cNvPr>
+          <p:cNvPicPr>
+            <a:picLocks noGrp="1" noChangeAspect="1"/>
+          </p:cNvPicPr>
+          <p:nvPr>
+            <p:ph idx="1"/>
+          </p:nvPr>
+        </p:nvPicPr>
+        <p:blipFill>
+          <a:blip r:embed="rId2">
+            <a:extLst>
+              <a:ext uri="{28A0092B-C50C-407E-A947-70E740481C1C}">
+                <a14:useLocalDpi xmlns:a14="http://schemas.microsoft.com/office/drawing/2010/main" val="0"/>
+              </a:ext>
+            </a:extLst>
+          </a:blip>
+          <a:stretch>
+            <a:fillRect/>
+          </a:stretch>
+        </p:blipFill>
+        <p:spPr>
+          <a:xfrm>
+            <a:off x="1053565" y="2184602"/>
+            <a:ext cx="6575011" cy="1928670"/>
+          </a:xfrm>
+          <a:prstGeom prst="rect">
+            <a:avLst/>
+          </a:prstGeom>
+        </p:spPr>
+      </p:pic>
+    </p:spTree>
+    <p:extLst>
+      <p:ext uri="{BB962C8B-B14F-4D97-AF65-F5344CB8AC3E}">
+        <p14:creationId xmlns:p14="http://schemas.microsoft.com/office/powerpoint/2010/main" val="4082456557"/>
+      </p:ext>
+    </p:extLst>
+  </p:cSld>
+  <p:clrMapOvr>
+    <a:masterClrMapping/>
+  </p:clrMapOvr>
+  <mc:AlternateContent xmlns:mc="http://schemas.openxmlformats.org/markup-compatibility/2006">
+    <mc:Choice xmlns:p159="http://schemas.microsoft.com/office/powerpoint/2015/09/main" Requires="p159">
+      <p:transition xmlns:p14="http://schemas.microsoft.com/office/powerpoint/2010/main" spd="slow" p14:dur="2000">
+        <p159:morph option="byObject"/>
+      </p:transition>
+    </mc:Choice>
+    <mc:Fallback>
+      <p:transition spd="slow">
+        <p:fade/>
+      </p:transition>
+    </mc:Fallback>
+  </mc:AlternateContent>
+</p:sld>
+</file>
+
 <file path=ppt/slides/slide9.xml><?xml version="1.0" encoding="utf-8"?>
 <p:sld xmlns:a="http://schemas.openxmlformats.org/drawingml/2006/main" xmlns:r="http://schemas.openxmlformats.org/officeDocument/2006/relationships" xmlns:p="http://schemas.openxmlformats.org/presentationml/2006/main">
   <p:cSld>
@@ -4786,7 +5513,27 @@
           <a:p>
             <a:r>
               <a:rPr lang="de-AT" dirty="0"/>
-              <a:t>	Vorteile					Nachteile</a:t>
+              <a:t>	</a:t>
+            </a:r>
+            <a:r>
+              <a:rPr lang="de-AT" b="1" dirty="0">
+                <a:solidFill>
+                  <a:schemeClr val="accent6"/>
+                </a:solidFill>
+              </a:rPr>
+              <a:t>Vorteile</a:t>
+            </a:r>
+            <a:r>
+              <a:rPr lang="de-AT" dirty="0"/>
+              <a:t>					</a:t>
+            </a:r>
+            <a:r>
+              <a:rPr lang="de-AT" b="1" dirty="0">
+                <a:solidFill>
+                  <a:srgbClr val="FF0000"/>
+                </a:solidFill>
+              </a:rPr>
+              <a:t>Nachteile</a:t>
             </a:r>
           </a:p>
         </p:txBody>
@@ -4875,6 +5622,18 @@
   <p:clrMapOvr>
     <a:masterClrMapping/>
   </p:clrMapOvr>
+  <mc:AlternateContent xmlns:mc="http://schemas.openxmlformats.org/markup-compatibility/2006">
+    <mc:Choice xmlns:p159="http://schemas.microsoft.com/office/powerpoint/2015/09/main" Requires="p159">
+      <p:transition xmlns:p14="http://schemas.microsoft.com/office/powerpoint/2010/main" spd="slow" p14:dur="2000">
+        <p159:morph option="byObject"/>
+      </p:transition>
+    </mc:Choice>
+    <mc:Fallback>
+      <p:transition spd="slow">
+        <p:fade/>
+      </p:transition>
+    </mc:Fallback>
+  </mc:AlternateContent>
 </p:sld>
 </file>
 

--- a/doc/Brandstetter_MVC_02.pptx
+++ b/doc/Brandstetter_MVC_02.pptx
@@ -4,6 +4,9 @@
   <p:sldMasterIdLst>
     <p:sldMasterId id="2147483648" r:id="rId1"/>
   </p:sldMasterIdLst>
+  <p:handoutMasterIdLst>
+    <p:handoutMasterId r:id="rId13"/>
+  </p:handoutMasterIdLst>
   <p:sldIdLst>
     <p:sldId id="256" r:id="rId2"/>
     <p:sldId id="257" r:id="rId3"/>
@@ -122,6 +125,195 @@
 </p:presentation>
 </file>
 
+<file path=ppt/handoutMasters/handoutMaster1.xml><?xml version="1.0" encoding="utf-8"?>
+<p:handoutMaster xmlns:a="http://schemas.openxmlformats.org/drawingml/2006/main" xmlns:r="http://schemas.openxmlformats.org/officeDocument/2006/relationships" xmlns:p="http://schemas.openxmlformats.org/presentationml/2006/main">
+  <p:cSld>
+    <p:bg>
+      <p:bgRef idx="1001">
+        <a:schemeClr val="bg1"/>
+      </p:bgRef>
+    </p:bg>
+    <p:spTree>
+      <p:nvGrpSpPr>
+        <p:cNvPr id="1" name=""/>
+        <p:cNvGrpSpPr/>
+        <p:nvPr/>
+      </p:nvGrpSpPr>
+      <p:grpSpPr>
+        <a:xfrm>
+          <a:off x="0" y="0"/>
+          <a:ext cx="0" cy="0"/>
+          <a:chOff x="0" y="0"/>
+          <a:chExt cx="0" cy="0"/>
+        </a:xfrm>
+      </p:grpSpPr>
+      <p:sp>
+        <p:nvSpPr>
+          <p:cNvPr id="2" name="Header Placeholder 1">
+            <a:extLst>
+              <a:ext uri="{FF2B5EF4-FFF2-40B4-BE49-F238E27FC236}">
+                <a16:creationId xmlns:a16="http://schemas.microsoft.com/office/drawing/2014/main" id="{D9B975A0-8181-4C7D-865F-9C5A12B91DF7}"/>
+              </a:ext>
+            </a:extLst>
+          </p:cNvPr>
+          <p:cNvSpPr>
+            <a:spLocks noGrp="1"/>
+          </p:cNvSpPr>
+          <p:nvPr>
+            <p:ph type="hdr" sz="quarter"/>
+          </p:nvPr>
+        </p:nvSpPr>
+        <p:spPr>
+          <a:xfrm>
+            <a:off x="0" y="0"/>
+            <a:ext cx="2971800" cy="458788"/>
+          </a:xfrm>
+          <a:prstGeom prst="rect">
+            <a:avLst/>
+          </a:prstGeom>
+        </p:spPr>
+        <p:txBody>
+          <a:bodyPr vert="horz" lIns="91440" tIns="45720" rIns="91440" bIns="45720" rtlCol="0"/>
+          <a:lstStyle>
+            <a:lvl1pPr algn="l">
+              <a:defRPr sz="1200"/>
+            </a:lvl1pPr>
+          </a:lstStyle>
+          <a:p>
+            <a:endParaRPr lang="de-AT"/>
+          </a:p>
+        </p:txBody>
+      </p:sp>
+      <p:sp>
+        <p:nvSpPr>
+          <p:cNvPr id="3" name="Date Placeholder 2">
+            <a:extLst>
+              <a:ext uri="{FF2B5EF4-FFF2-40B4-BE49-F238E27FC236}">
+                <a16:creationId xmlns:a16="http://schemas.microsoft.com/office/drawing/2014/main" id="{A9895592-FAD8-4E91-8EE7-B19E91AD526A}"/>
+              </a:ext>
+            </a:extLst>
+          </p:cNvPr>
+          <p:cNvSpPr>
+            <a:spLocks noGrp="1"/>
+          </p:cNvSpPr>
+          <p:nvPr>
+            <p:ph type="dt" sz="quarter" idx="1"/>
+          </p:nvPr>
+        </p:nvSpPr>
+        <p:spPr>
+          <a:xfrm>
+            <a:off x="3884613" y="0"/>
+            <a:ext cx="2971800" cy="458788"/>
+          </a:xfrm>
+          <a:prstGeom prst="rect">
+            <a:avLst/>
+          </a:prstGeom>
+        </p:spPr>
+        <p:txBody>
+          <a:bodyPr vert="horz" lIns="91440" tIns="45720" rIns="91440" bIns="45720" rtlCol="0"/>
+          <a:lstStyle>
+            <a:lvl1pPr algn="r">
+              <a:defRPr sz="1200"/>
+            </a:lvl1pPr>
+          </a:lstStyle>
+          <a:p>
+            <a:fld id="{FC16D3DB-5728-4567-8B14-9DC7FDA2347F}" type="datetimeFigureOut">
+              <a:rPr lang="de-AT" smtClean="0"/>
+              <a:t>25.02.2019</a:t>
+            </a:fld>
+            <a:endParaRPr lang="de-AT"/>
+          </a:p>
+        </p:txBody>
+      </p:sp>
+      <p:sp>
+        <p:nvSpPr>
+          <p:cNvPr id="4" name="Footer Placeholder 3">
+            <a:extLst>
+              <a:ext uri="{FF2B5EF4-FFF2-40B4-BE49-F238E27FC236}">
+                <a16:creationId xmlns:a16="http://schemas.microsoft.com/office/drawing/2014/main" id="{7FFC1C10-4588-40B2-8F33-DE555673B40D}"/>
+              </a:ext>
+            </a:extLst>
+          </p:cNvPr>
+          <p:cNvSpPr>
+            <a:spLocks noGrp="1"/>
+          </p:cNvSpPr>
+          <p:nvPr>
+            <p:ph type="ftr" sz="quarter" idx="2"/>
+          </p:nvPr>
+        </p:nvSpPr>
+        <p:spPr>
+          <a:xfrm>
+            <a:off x="0" y="8685213"/>
+            <a:ext cx="2971800" cy="458787"/>
+          </a:xfrm>
+          <a:prstGeom prst="rect">
+            <a:avLst/>
+          </a:prstGeom>
+        </p:spPr>
+        <p:txBody>
+          <a:bodyPr vert="horz" lIns="91440" tIns="45720" rIns="91440" bIns="45720" rtlCol="0" anchor="b"/>
+          <a:lstStyle>
+            <a:lvl1pPr algn="l">
+              <a:defRPr sz="1200"/>
+            </a:lvl1pPr>
+          </a:lstStyle>
+          <a:p>
+            <a:endParaRPr lang="de-AT"/>
+          </a:p>
+        </p:txBody>
+      </p:sp>
+      <p:sp>
+        <p:nvSpPr>
+          <p:cNvPr id="5" name="Slide Number Placeholder 4">
+            <a:extLst>
+              <a:ext uri="{FF2B5EF4-FFF2-40B4-BE49-F238E27FC236}">
+                <a16:creationId xmlns:a16="http://schemas.microsoft.com/office/drawing/2014/main" id="{D3B0886B-07D2-4DF4-916E-D4A828CA582C}"/>
+              </a:ext>
+            </a:extLst>
+          </p:cNvPr>
+          <p:cNvSpPr>
+            <a:spLocks noGrp="1"/>
+          </p:cNvSpPr>
+          <p:nvPr>
+            <p:ph type="sldNum" sz="quarter" idx="3"/>
+          </p:nvPr>
+        </p:nvSpPr>
+        <p:spPr>
+          <a:xfrm>
+            <a:off x="3884613" y="8685213"/>
+            <a:ext cx="2971800" cy="458787"/>
+          </a:xfrm>
+          <a:prstGeom prst="rect">
+            <a:avLst/>
+          </a:prstGeom>
+        </p:spPr>
+        <p:txBody>
+          <a:bodyPr vert="horz" lIns="91440" tIns="45720" rIns="91440" bIns="45720" rtlCol="0" anchor="b"/>
+          <a:lstStyle>
+            <a:lvl1pPr algn="r">
+              <a:defRPr sz="1200"/>
+            </a:lvl1pPr>
+          </a:lstStyle>
+          <a:p>
+            <a:fld id="{0A355C04-A86C-40C0-AC57-5C53315F8313}" type="slidenum">
+              <a:rPr lang="de-AT" smtClean="0"/>
+              <a:t>‹#›</a:t>
+            </a:fld>
+            <a:endParaRPr lang="de-AT"/>
+          </a:p>
+        </p:txBody>
+      </p:sp>
+    </p:spTree>
+    <p:extLst>
+      <p:ext uri="{BB962C8B-B14F-4D97-AF65-F5344CB8AC3E}">
+        <p14:creationId xmlns:p14="http://schemas.microsoft.com/office/powerpoint/2010/main" val="1268718154"/>
+      </p:ext>
+    </p:extLst>
+  </p:cSld>
+  <p:clrMap bg1="lt1" tx1="dk1" bg2="lt2" tx2="dk2" accent1="accent1" accent2="accent2" accent3="accent3" accent4="accent4" accent5="accent5" accent6="accent6" hlink="hlink" folHlink="folHlink"/>
+</p:handoutMaster>
+</file>
+
 <file path=ppt/slideLayouts/slideLayout1.xml><?xml version="1.0" encoding="utf-8"?>
 <p:sldLayout xmlns:a="http://schemas.openxmlformats.org/drawingml/2006/main" xmlns:r="http://schemas.openxmlformats.org/officeDocument/2006/relationships" xmlns:p="http://schemas.openxmlformats.org/presentationml/2006/main" type="title" preserve="1">
   <p:cSld name="Title Slide">
@@ -2942,7 +3134,7 @@
               <a:rPr lang="de-AT" smtClean="0"/>
               <a:t>25.02.2019</a:t>
             </a:fld>
-            <a:endParaRPr lang="de-AT"/>
+            <a:endParaRPr lang="de-AT" dirty="0"/>
           </a:p>
         </p:txBody>
       </p:sp>
@@ -2985,7 +3177,10 @@
             </a:lvl1pPr>
           </a:lstStyle>
           <a:p>
-            <a:endParaRPr lang="de-AT"/>
+            <a:r>
+              <a:rPr lang="de-AT" dirty="0"/>
+              <a:t>Arthur Brandstetter</a:t>
+            </a:r>
           </a:p>
         </p:txBody>
       </p:sp>
@@ -3036,6 +3231,42 @@
           </a:p>
         </p:txBody>
       </p:sp>
+      <p:pic>
+        <p:nvPicPr>
+          <p:cNvPr id="8" name="Picture 7">
+            <a:extLst>
+              <a:ext uri="{FF2B5EF4-FFF2-40B4-BE49-F238E27FC236}">
+                <a16:creationId xmlns:a16="http://schemas.microsoft.com/office/drawing/2014/main" id="{2153869A-B9D4-4F65-82FF-E97EB8AFFE52}"/>
+              </a:ext>
+            </a:extLst>
+          </p:cNvPr>
+          <p:cNvPicPr>
+            <a:picLocks noChangeAspect="1"/>
+          </p:cNvPicPr>
+          <p:nvPr userDrawn="1"/>
+        </p:nvPicPr>
+        <p:blipFill>
+          <a:blip r:embed="rId13">
+            <a:extLst>
+              <a:ext uri="{28A0092B-C50C-407E-A947-70E740481C1C}">
+                <a14:useLocalDpi xmlns:a14="http://schemas.microsoft.com/office/drawing/2010/main" val="0"/>
+              </a:ext>
+            </a:extLst>
+          </a:blip>
+          <a:stretch>
+            <a:fillRect/>
+          </a:stretch>
+        </p:blipFill>
+        <p:spPr>
+          <a:xfrm>
+            <a:off x="10835601" y="6176962"/>
+            <a:ext cx="1356399" cy="681037"/>
+          </a:xfrm>
+          <a:prstGeom prst="rect">
+            <a:avLst/>
+          </a:prstGeom>
+        </p:spPr>
+      </p:pic>
     </p:spTree>
     <p:extLst>
       <p:ext uri="{BB962C8B-B14F-4D97-AF65-F5344CB8AC3E}">
@@ -3528,13 +3759,13 @@
   <p:clrMapOvr>
     <a:masterClrMapping/>
   </p:clrMapOvr>
-  <mc:AlternateContent xmlns:mc="http://schemas.openxmlformats.org/markup-compatibility/2006">
-    <mc:Choice xmlns:p159="http://schemas.microsoft.com/office/powerpoint/2015/09/main" Requires="p159">
+  <mc:AlternateContent xmlns:mc="http://schemas.openxmlformats.org/markup-compatibility/2006" xmlns:p159="http://schemas.microsoft.com/office/powerpoint/2015/09/main">
+    <mc:Choice Requires="p159">
       <p:transition xmlns:p14="http://schemas.microsoft.com/office/powerpoint/2010/main" spd="slow" p14:dur="2000">
         <p159:morph option="byObject"/>
       </p:transition>
     </mc:Choice>
-    <mc:Fallback>
+    <mc:Fallback xmlns="">
       <p:transition spd="slow">
         <p:fade/>
       </p:transition>
@@ -3726,13 +3957,13 @@
   <p:clrMapOvr>
     <a:masterClrMapping/>
   </p:clrMapOvr>
-  <mc:AlternateContent xmlns:mc="http://schemas.openxmlformats.org/markup-compatibility/2006">
-    <mc:Choice xmlns:p159="http://schemas.microsoft.com/office/powerpoint/2015/09/main" Requires="p159">
+  <mc:AlternateContent xmlns:mc="http://schemas.openxmlformats.org/markup-compatibility/2006" xmlns:p159="http://schemas.microsoft.com/office/powerpoint/2015/09/main">
+    <mc:Choice Requires="p159">
       <p:transition xmlns:p14="http://schemas.microsoft.com/office/powerpoint/2010/main" spd="slow" p14:dur="2000">
         <p159:morph option="byObject"/>
       </p:transition>
     </mc:Choice>
-    <mc:Fallback>
+    <mc:Fallback xmlns="">
       <p:transition spd="slow">
         <p:fade/>
       </p:transition>
@@ -3783,7 +4014,18 @@
           </p:nvPr>
         </p:nvPicPr>
         <p:blipFill>
-          <a:blip r:embed="rId2"/>
+          <a:blip r:embed="rId2">
+            <a:clrChange>
+              <a:clrFrom>
+                <a:srgbClr val="FFFFFF"/>
+              </a:clrFrom>
+              <a:clrTo>
+                <a:srgbClr val="FFFFFF">
+                  <a:alpha val="0"/>
+                </a:srgbClr>
+              </a:clrTo>
+            </a:clrChange>
+          </a:blip>
           <a:stretch>
             <a:fillRect/>
           </a:stretch>
@@ -3808,13 +4050,13 @@
   <p:clrMapOvr>
     <a:masterClrMapping/>
   </p:clrMapOvr>
-  <mc:AlternateContent xmlns:mc="http://schemas.openxmlformats.org/markup-compatibility/2006">
-    <mc:Choice xmlns:p159="http://schemas.microsoft.com/office/powerpoint/2015/09/main" Requires="p159">
+  <mc:AlternateContent xmlns:mc="http://schemas.openxmlformats.org/markup-compatibility/2006" xmlns:p159="http://schemas.microsoft.com/office/powerpoint/2015/09/main">
+    <mc:Choice Requires="p159">
       <p:transition xmlns:p14="http://schemas.microsoft.com/office/powerpoint/2010/main" spd="slow" p14:dur="2000">
         <p159:morph option="byObject"/>
       </p:transition>
     </mc:Choice>
-    <mc:Fallback>
+    <mc:Fallback xmlns="">
       <p:transition spd="slow">
         <p:fade/>
       </p:transition>
@@ -4099,13 +4341,13 @@
   <p:clrMapOvr>
     <a:masterClrMapping/>
   </p:clrMapOvr>
-  <mc:AlternateContent xmlns:mc="http://schemas.openxmlformats.org/markup-compatibility/2006">
-    <mc:Choice xmlns:p159="http://schemas.microsoft.com/office/powerpoint/2015/09/main" Requires="p159">
+  <mc:AlternateContent xmlns:mc="http://schemas.openxmlformats.org/markup-compatibility/2006" xmlns:p159="http://schemas.microsoft.com/office/powerpoint/2015/09/main">
+    <mc:Choice Requires="p159">
       <p:transition xmlns:p14="http://schemas.microsoft.com/office/powerpoint/2010/main" spd="slow" p14:dur="2000">
         <p159:morph option="byObject"/>
       </p:transition>
     </mc:Choice>
-    <mc:Fallback>
+    <mc:Fallback xmlns="">
       <p:transition spd="slow">
         <p:fade/>
       </p:transition>
@@ -4289,13 +4531,13 @@
   <p:clrMapOvr>
     <a:masterClrMapping/>
   </p:clrMapOvr>
-  <mc:AlternateContent xmlns:mc="http://schemas.openxmlformats.org/markup-compatibility/2006">
-    <mc:Choice xmlns:p159="http://schemas.microsoft.com/office/powerpoint/2015/09/main" Requires="p159">
+  <mc:AlternateContent xmlns:mc="http://schemas.openxmlformats.org/markup-compatibility/2006" xmlns:p159="http://schemas.microsoft.com/office/powerpoint/2015/09/main">
+    <mc:Choice Requires="p159">
       <p:transition xmlns:p14="http://schemas.microsoft.com/office/powerpoint/2010/main" spd="slow" p14:dur="2000">
         <p159:morph option="byObject"/>
       </p:transition>
     </mc:Choice>
-    <mc:Fallback>
+    <mc:Fallback xmlns="">
       <p:transition spd="slow">
         <p:fade/>
       </p:transition>
@@ -4475,13 +4717,13 @@
   <p:clrMapOvr>
     <a:masterClrMapping/>
   </p:clrMapOvr>
-  <mc:AlternateContent xmlns:mc="http://schemas.openxmlformats.org/markup-compatibility/2006">
-    <mc:Choice xmlns:p159="http://schemas.microsoft.com/office/powerpoint/2015/09/main" Requires="p159">
+  <mc:AlternateContent xmlns:mc="http://schemas.openxmlformats.org/markup-compatibility/2006" xmlns:p159="http://schemas.microsoft.com/office/powerpoint/2015/09/main">
+    <mc:Choice Requires="p159">
       <p:transition xmlns:p14="http://schemas.microsoft.com/office/powerpoint/2010/main" spd="slow" p14:dur="2000">
         <p159:morph option="byObject"/>
       </p:transition>
     </mc:Choice>
-    <mc:Fallback>
+    <mc:Fallback xmlns="">
       <p:transition spd="slow">
         <p:fade/>
       </p:transition>
@@ -4755,13 +4997,13 @@
   <p:clrMapOvr>
     <a:masterClrMapping/>
   </p:clrMapOvr>
-  <mc:AlternateContent xmlns:mc="http://schemas.openxmlformats.org/markup-compatibility/2006">
-    <mc:Choice xmlns:p159="http://schemas.microsoft.com/office/powerpoint/2015/09/main" Requires="p159">
+  <mc:AlternateContent xmlns:mc="http://schemas.openxmlformats.org/markup-compatibility/2006" xmlns:p159="http://schemas.microsoft.com/office/powerpoint/2015/09/main">
+    <mc:Choice Requires="p159">
       <p:transition xmlns:p14="http://schemas.microsoft.com/office/powerpoint/2010/main" spd="slow" p14:dur="2000">
         <p159:morph option="byObject"/>
       </p:transition>
     </mc:Choice>
-    <mc:Fallback>
+    <mc:Fallback xmlns="">
       <p:transition spd="slow">
         <p:fade/>
       </p:transition>
@@ -5085,13 +5327,13 @@
   <p:clrMapOvr>
     <a:masterClrMapping/>
   </p:clrMapOvr>
-  <mc:AlternateContent xmlns:mc="http://schemas.openxmlformats.org/markup-compatibility/2006">
-    <mc:Choice xmlns:p159="http://schemas.microsoft.com/office/powerpoint/2015/09/main" Requires="p159">
+  <mc:AlternateContent xmlns:mc="http://schemas.openxmlformats.org/markup-compatibility/2006" xmlns:p159="http://schemas.microsoft.com/office/powerpoint/2015/09/main">
+    <mc:Choice Requires="p159">
       <p:transition xmlns:p14="http://schemas.microsoft.com/office/powerpoint/2010/main" spd="slow" p14:dur="2000">
         <p159:morph option="byObject"/>
       </p:transition>
     </mc:Choice>
-    <mc:Fallback>
+    <mc:Fallback xmlns="">
       <p:transition spd="slow">
         <p:fade/>
       </p:transition>
@@ -5350,13 +5592,13 @@
   <p:clrMapOvr>
     <a:masterClrMapping/>
   </p:clrMapOvr>
-  <mc:AlternateContent xmlns:mc="http://schemas.openxmlformats.org/markup-compatibility/2006">
-    <mc:Choice xmlns:p159="http://schemas.microsoft.com/office/powerpoint/2015/09/main" Requires="p159">
+  <mc:AlternateContent xmlns:mc="http://schemas.openxmlformats.org/markup-compatibility/2006" xmlns:p159="http://schemas.microsoft.com/office/powerpoint/2015/09/main">
+    <mc:Choice Requires="p159">
       <p:transition xmlns:p14="http://schemas.microsoft.com/office/powerpoint/2010/main" spd="slow" p14:dur="2000">
         <p159:morph option="byObject"/>
       </p:transition>
     </mc:Choice>
-    <mc:Fallback>
+    <mc:Fallback xmlns="">
       <p:transition spd="slow">
         <p:fade/>
       </p:transition>
@@ -5458,13 +5700,13 @@
   <p:clrMapOvr>
     <a:masterClrMapping/>
   </p:clrMapOvr>
-  <mc:AlternateContent xmlns:mc="http://schemas.openxmlformats.org/markup-compatibility/2006">
-    <mc:Choice xmlns:p159="http://schemas.microsoft.com/office/powerpoint/2015/09/main" Requires="p159">
+  <mc:AlternateContent xmlns:mc="http://schemas.openxmlformats.org/markup-compatibility/2006" xmlns:p159="http://schemas.microsoft.com/office/powerpoint/2015/09/main">
+    <mc:Choice Requires="p159">
       <p:transition xmlns:p14="http://schemas.microsoft.com/office/powerpoint/2010/main" spd="slow" p14:dur="2000">
         <p159:morph option="byObject"/>
       </p:transition>
     </mc:Choice>
-    <mc:Fallback>
+    <mc:Fallback xmlns="">
       <p:transition spd="slow">
         <p:fade/>
       </p:transition>
@@ -5622,13 +5864,13 @@
   <p:clrMapOvr>
     <a:masterClrMapping/>
   </p:clrMapOvr>
-  <mc:AlternateContent xmlns:mc="http://schemas.openxmlformats.org/markup-compatibility/2006">
-    <mc:Choice xmlns:p159="http://schemas.microsoft.com/office/powerpoint/2015/09/main" Requires="p159">
+  <mc:AlternateContent xmlns:mc="http://schemas.openxmlformats.org/markup-compatibility/2006" xmlns:p159="http://schemas.microsoft.com/office/powerpoint/2015/09/main">
+    <mc:Choice Requires="p159">
       <p:transition xmlns:p14="http://schemas.microsoft.com/office/powerpoint/2010/main" spd="slow" p14:dur="2000">
         <p159:morph option="byObject"/>
       </p:transition>
     </mc:Choice>
-    <mc:Fallback>
+    <mc:Fallback xmlns="">
       <p:transition spd="slow">
         <p:fade/>
       </p:transition>
@@ -5930,4 +6172,299 @@
     </a:ext>
   </a:extLst>
 </a:theme>
+</file>
+
+<file path=ppt/theme/theme2.xml><?xml version="1.0" encoding="utf-8"?>
+<a:theme xmlns:a="http://schemas.openxmlformats.org/drawingml/2006/main" name="Office Theme">
+  <a:themeElements>
+    <a:clrScheme name="Office">
+      <a:dk1>
+        <a:sysClr val="windowText" lastClr="000000"/>
+      </a:dk1>
+      <a:lt1>
+        <a:sysClr val="window" lastClr="FFFFFF"/>
+      </a:lt1>
+      <a:dk2>
+        <a:srgbClr val="44546A"/>
+      </a:dk2>
+      <a:lt2>
+        <a:srgbClr val="E7E6E6"/>
+      </a:lt2>
+      <a:accent1>
+        <a:srgbClr val="4472C4"/>
+      </a:accent1>
+      <a:accent2>
+        <a:srgbClr val="ED7D31"/>
+      </a:accent2>
+      <a:accent3>
+        <a:srgbClr val="A5A5A5"/>
+      </a:accent3>
+      <a:accent4>
+        <a:srgbClr val="FFC000"/>
+      </a:accent4>
+      <a:accent5>
+        <a:srgbClr val="5B9BD5"/>
+      </a:accent5>
+      <a:accent6>
+        <a:srgbClr val="70AD47"/>
+      </a:accent6>
+      <a:hlink>
+        <a:srgbClr val="0563C1"/>
+      </a:hlink>
+      <a:folHlink>
+        <a:srgbClr val="954F72"/>
+      </a:folHlink>
+    </a:clrScheme>
+    <a:fontScheme name="Office">
+      <a:majorFont>
+        <a:latin typeface="Calibri Light" panose="020F0302020204030204"/>
+        <a:ea typeface=""/>
+        <a:cs typeface=""/>
+        <a:font script="Jpan" typeface="游ゴシック Light"/>
+        <a:font script="Hang" typeface="맑은 고딕"/>
+        <a:font script="Hans" typeface="等线 Light"/>
+        <a:font script="Hant" typeface="新細明體"/>
+        <a:font script="Arab" typeface="Times New Roman"/>
+        <a:font script="Hebr" typeface="Times New Roman"/>
+        <a:font script="Thai" typeface="Angsana New"/>
+        <a:font script="Ethi" typeface="Nyala"/>
+        <a:font script="Beng" typeface="Vrinda"/>
+        <a:font script="Gujr" typeface="Shruti"/>
+        <a:font script="Khmr" typeface="MoolBoran"/>
+        <a:font script="Knda" typeface="Tunga"/>
+        <a:font script="Guru" typeface="Raavi"/>
+        <a:font script="Cans" typeface="Euphemia"/>
+        <a:font script="Cher" typeface="Plantagenet Cherokee"/>
+        <a:font script="Yiii" typeface="Microsoft Yi Baiti"/>
+        <a:font script="Tibt" typeface="Microsoft Himalaya"/>
+        <a:font script="Thaa" typeface="MV Boli"/>
+        <a:font script="Deva" typeface="Mangal"/>
+        <a:font script="Telu" typeface="Gautami"/>
+        <a:font script="Taml" typeface="Latha"/>
+        <a:font script="Syrc" typeface="Estrangelo Edessa"/>
+        <a:font script="Orya" typeface="Kalinga"/>
+        <a:font script="Mlym" typeface="Kartika"/>
+        <a:font script="Laoo" typeface="DokChampa"/>
+        <a:font script="Sinh" typeface="Iskoola Pota"/>
+        <a:font script="Mong" typeface="Mongolian Baiti"/>
+        <a:font script="Viet" typeface="Times New Roman"/>
+        <a:font script="Uigh" typeface="Microsoft Uighur"/>
+        <a:font script="Geor" typeface="Sylfaen"/>
+        <a:font script="Armn" typeface="Arial"/>
+        <a:font script="Bugi" typeface="Leelawadee UI"/>
+        <a:font script="Bopo" typeface="Microsoft JhengHei"/>
+        <a:font script="Java" typeface="Javanese Text"/>
+        <a:font script="Lisu" typeface="Segoe UI"/>
+        <a:font script="Mymr" typeface="Myanmar Text"/>
+        <a:font script="Nkoo" typeface="Ebrima"/>
+        <a:font script="Olck" typeface="Nirmala UI"/>
+        <a:font script="Osma" typeface="Ebrima"/>
+        <a:font script="Phag" typeface="Phagspa"/>
+        <a:font script="Syrn" typeface="Estrangelo Edessa"/>
+        <a:font script="Syrj" typeface="Estrangelo Edessa"/>
+        <a:font script="Syre" typeface="Estrangelo Edessa"/>
+        <a:font script="Sora" typeface="Nirmala UI"/>
+        <a:font script="Tale" typeface="Microsoft Tai Le"/>
+        <a:font script="Talu" typeface="Microsoft New Tai Lue"/>
+        <a:font script="Tfng" typeface="Ebrima"/>
+      </a:majorFont>
+      <a:minorFont>
+        <a:latin typeface="Calibri" panose="020F0502020204030204"/>
+        <a:ea typeface=""/>
+        <a:cs typeface=""/>
+        <a:font script="Jpan" typeface="游ゴシック"/>
+        <a:font script="Hang" typeface="맑은 고딕"/>
+        <a:font script="Hans" typeface="等线"/>
+        <a:font script="Hant" typeface="新細明體"/>
+        <a:font script="Arab" typeface="Arial"/>
+        <a:font script="Hebr" typeface="Arial"/>
+        <a:font script="Thai" typeface="Cordia New"/>
+        <a:font script="Ethi" typeface="Nyala"/>
+        <a:font script="Beng" typeface="Vrinda"/>
+        <a:font script="Gujr" typeface="Shruti"/>
+        <a:font script="Khmr" typeface="DaunPenh"/>
+        <a:font script="Knda" typeface="Tunga"/>
+        <a:font script="Guru" typeface="Raavi"/>
+        <a:font script="Cans" typeface="Euphemia"/>
+        <a:font script="Cher" typeface="Plantagenet Cherokee"/>
+        <a:font script="Yiii" typeface="Microsoft Yi Baiti"/>
+        <a:font script="Tibt" typeface="Microsoft Himalaya"/>
+        <a:font script="Thaa" typeface="MV Boli"/>
+        <a:font script="Deva" typeface="Mangal"/>
+        <a:font script="Telu" typeface="Gautami"/>
+        <a:font script="Taml" typeface="Latha"/>
+        <a:font script="Syrc" typeface="Estrangelo Edessa"/>
+        <a:font script="Orya" typeface="Kalinga"/>
+        <a:font script="Mlym" typeface="Kartika"/>
+        <a:font script="Laoo" typeface="DokChampa"/>
+        <a:font script="Sinh" typeface="Iskoola Pota"/>
+        <a:font script="Mong" typeface="Mongolian Baiti"/>
+        <a:font script="Viet" typeface="Arial"/>
+        <a:font script="Uigh" typeface="Microsoft Uighur"/>
+        <a:font script="Geor" typeface="Sylfaen"/>
+        <a:font script="Armn" typeface="Arial"/>
+        <a:font script="Bugi" typeface="Leelawadee UI"/>
+        <a:font script="Bopo" typeface="Microsoft JhengHei"/>
+        <a:font script="Java" typeface="Javanese Text"/>
+        <a:font script="Lisu" typeface="Segoe UI"/>
+        <a:font script="Mymr" typeface="Myanmar Text"/>
+        <a:font script="Nkoo" typeface="Ebrima"/>
+        <a:font script="Olck" typeface="Nirmala UI"/>
+        <a:font script="Osma" typeface="Ebrima"/>
+        <a:font script="Phag" typeface="Phagspa"/>
+        <a:font script="Syrn" typeface="Estrangelo Edessa"/>
+        <a:font script="Syrj" typeface="Estrangelo Edessa"/>
+        <a:font script="Syre" typeface="Estrangelo Edessa"/>
+        <a:font script="Sora" typeface="Nirmala UI"/>
+        <a:font script="Tale" typeface="Microsoft Tai Le"/>
+        <a:font script="Talu" typeface="Microsoft New Tai Lue"/>
+        <a:font script="Tfng" typeface="Ebrima"/>
+      </a:minorFont>
+    </a:fontScheme>
+    <a:fmtScheme name="Office">
+      <a:fillStyleLst>
+        <a:solidFill>
+          <a:schemeClr val="phClr"/>
+        </a:solidFill>
+        <a:gradFill rotWithShape="1">
+          <a:gsLst>
+            <a:gs pos="0">
+              <a:schemeClr val="phClr">
+                <a:lumMod val="110000"/>
+                <a:satMod val="105000"/>
+                <a:tint val="67000"/>
+              </a:schemeClr>
+            </a:gs>
+            <a:gs pos="50000">
+              <a:schemeClr val="phClr">
+                <a:lumMod val="105000"/>
+                <a:satMod val="103000"/>
+                <a:tint val="73000"/>
+              </a:schemeClr>
+            </a:gs>
+            <a:gs pos="100000">
+              <a:schemeClr val="phClr">
+                <a:lumMod val="105000"/>
+                <a:satMod val="109000"/>
+                <a:tint val="81000"/>
+              </a:schemeClr>
+            </a:gs>
+          </a:gsLst>
+          <a:lin ang="5400000" scaled="0"/>
+        </a:gradFill>
+        <a:gradFill rotWithShape="1">
+          <a:gsLst>
+            <a:gs pos="0">
+              <a:schemeClr val="phClr">
+                <a:satMod val="103000"/>
+                <a:lumMod val="102000"/>
+                <a:tint val="94000"/>
+              </a:schemeClr>
+            </a:gs>
+            <a:gs pos="50000">
+              <a:schemeClr val="phClr">
+                <a:satMod val="110000"/>
+                <a:lumMod val="100000"/>
+                <a:shade val="100000"/>
+              </a:schemeClr>
+            </a:gs>
+            <a:gs pos="100000">
+              <a:schemeClr val="phClr">
+                <a:lumMod val="99000"/>
+                <a:satMod val="120000"/>
+                <a:shade val="78000"/>
+              </a:schemeClr>
+            </a:gs>
+          </a:gsLst>
+          <a:lin ang="5400000" scaled="0"/>
+        </a:gradFill>
+      </a:fillStyleLst>
+      <a:lnStyleLst>
+        <a:ln w="6350" cap="flat" cmpd="sng" algn="ctr">
+          <a:solidFill>
+            <a:schemeClr val="phClr"/>
+          </a:solidFill>
+          <a:prstDash val="solid"/>
+          <a:miter lim="800000"/>
+        </a:ln>
+        <a:ln w="12700" cap="flat" cmpd="sng" algn="ctr">
+          <a:solidFill>
+            <a:schemeClr val="phClr"/>
+          </a:solidFill>
+          <a:prstDash val="solid"/>
+          <a:miter lim="800000"/>
+        </a:ln>
+        <a:ln w="19050" cap="flat" cmpd="sng" algn="ctr">
+          <a:solidFill>
+            <a:schemeClr val="phClr"/>
+          </a:solidFill>
+          <a:prstDash val="solid"/>
+          <a:miter lim="800000"/>
+        </a:ln>
+      </a:lnStyleLst>
+      <a:effectStyleLst>
+        <a:effectStyle>
+          <a:effectLst/>
+        </a:effectStyle>
+        <a:effectStyle>
+          <a:effectLst/>
+        </a:effectStyle>
+        <a:effectStyle>
+          <a:effectLst>
+            <a:outerShdw blurRad="57150" dist="19050" dir="5400000" algn="ctr" rotWithShape="0">
+              <a:srgbClr val="000000">
+                <a:alpha val="63000"/>
+              </a:srgbClr>
+            </a:outerShdw>
+          </a:effectLst>
+        </a:effectStyle>
+      </a:effectStyleLst>
+      <a:bgFillStyleLst>
+        <a:solidFill>
+          <a:schemeClr val="phClr"/>
+        </a:solidFill>
+        <a:solidFill>
+          <a:schemeClr val="phClr">
+            <a:tint val="95000"/>
+            <a:satMod val="170000"/>
+          </a:schemeClr>
+        </a:solidFill>
+        <a:gradFill rotWithShape="1">
+          <a:gsLst>
+            <a:gs pos="0">
+              <a:schemeClr val="phClr">
+                <a:tint val="93000"/>
+                <a:satMod val="150000"/>
+                <a:shade val="98000"/>
+                <a:lumMod val="102000"/>
+              </a:schemeClr>
+            </a:gs>
+            <a:gs pos="50000">
+              <a:schemeClr val="phClr">
+                <a:tint val="98000"/>
+                <a:satMod val="130000"/>
+                <a:shade val="90000"/>
+                <a:lumMod val="103000"/>
+              </a:schemeClr>
+            </a:gs>
+            <a:gs pos="100000">
+              <a:schemeClr val="phClr">
+                <a:shade val="63000"/>
+                <a:satMod val="120000"/>
+              </a:schemeClr>
+            </a:gs>
+          </a:gsLst>
+          <a:lin ang="5400000" scaled="0"/>
+        </a:gradFill>
+      </a:bgFillStyleLst>
+    </a:fmtScheme>
+  </a:themeElements>
+  <a:objectDefaults/>
+  <a:extraClrSchemeLst/>
+  <a:extLst>
+    <a:ext uri="{05A4C25C-085E-4340-85A3-A5531E510DB2}">
+      <thm15:themeFamily xmlns:thm15="http://schemas.microsoft.com/office/thememl/2012/main" name="Office Theme" id="{62F939B6-93AF-4DB8-9C6B-D6C7DFDC589F}" vid="{4A3C46E8-61CC-4603-A589-7422A47A8E4A}"/>
+    </a:ext>
+  </a:extLst>
+</a:theme>
 </file>
--- a/doc/Brandstetter_MVC_02.pptx
+++ b/doc/Brandstetter_MVC_02.pptx
@@ -4,21 +4,29 @@
   <p:sldMasterIdLst>
     <p:sldMasterId id="2147483648" r:id="rId1"/>
   </p:sldMasterIdLst>
+  <p:notesMasterIdLst>
+    <p:notesMasterId r:id="rId18"/>
+  </p:notesMasterIdLst>
   <p:handoutMasterIdLst>
-    <p:handoutMasterId r:id="rId13"/>
+    <p:handoutMasterId r:id="rId19"/>
   </p:handoutMasterIdLst>
   <p:sldIdLst>
     <p:sldId id="256" r:id="rId2"/>
-    <p:sldId id="257" r:id="rId3"/>
-    <p:sldId id="262" r:id="rId4"/>
-    <p:sldId id="264" r:id="rId5"/>
-    <p:sldId id="258" r:id="rId6"/>
-    <p:sldId id="259" r:id="rId7"/>
-    <p:sldId id="260" r:id="rId8"/>
-    <p:sldId id="263" r:id="rId9"/>
-    <p:sldId id="261" r:id="rId10"/>
-    <p:sldId id="266" r:id="rId11"/>
-    <p:sldId id="265" r:id="rId12"/>
+    <p:sldId id="274" r:id="rId3"/>
+    <p:sldId id="267" r:id="rId4"/>
+    <p:sldId id="268" r:id="rId5"/>
+    <p:sldId id="269" r:id="rId6"/>
+    <p:sldId id="257" r:id="rId7"/>
+    <p:sldId id="262" r:id="rId8"/>
+    <p:sldId id="261" r:id="rId9"/>
+    <p:sldId id="272" r:id="rId10"/>
+    <p:sldId id="260" r:id="rId11"/>
+    <p:sldId id="275" r:id="rId12"/>
+    <p:sldId id="258" r:id="rId13"/>
+    <p:sldId id="259" r:id="rId14"/>
+    <p:sldId id="276" r:id="rId15"/>
+    <p:sldId id="263" r:id="rId16"/>
+    <p:sldId id="273" r:id="rId17"/>
   </p:sldIdLst>
   <p:sldSz cx="12192000" cy="6858000"/>
   <p:notesSz cx="6858000" cy="9144000"/>
@@ -121,6 +129,9 @@
     <p:ext uri="{EFAFB233-063F-42B5-8137-9DF3F51BA10A}">
       <p15:sldGuideLst xmlns:p15="http://schemas.microsoft.com/office/powerpoint/2012/main"/>
     </p:ext>
+    <p:ext uri="{2D200454-40CA-4A62-9FC3-DE9A4176ACB9}">
+      <p15:notesGuideLst xmlns:p15="http://schemas.microsoft.com/office/powerpoint/2012/main"/>
+    </p:ext>
   </p:extLst>
 </p:presentation>
 </file>
@@ -219,7 +230,7 @@
           <a:p>
             <a:fld id="{FC16D3DB-5728-4567-8B14-9DC7FDA2347F}" type="datetimeFigureOut">
               <a:rPr lang="de-AT" smtClean="0"/>
-              <a:t>25.02.2019</a:t>
+              <a:t>27.02.2019</a:t>
             </a:fld>
             <a:endParaRPr lang="de-AT"/>
           </a:p>
@@ -312,6 +323,1449 @@
   </p:cSld>
   <p:clrMap bg1="lt1" tx1="dk1" bg2="lt2" tx2="dk2" accent1="accent1" accent2="accent2" accent3="accent3" accent4="accent4" accent5="accent5" accent6="accent6" hlink="hlink" folHlink="folHlink"/>
 </p:handoutMaster>
+</file>
+
+<file path=ppt/notesMasters/notesMaster1.xml><?xml version="1.0" encoding="utf-8"?>
+<p:notesMaster xmlns:a="http://schemas.openxmlformats.org/drawingml/2006/main" xmlns:r="http://schemas.openxmlformats.org/officeDocument/2006/relationships" xmlns:p="http://schemas.openxmlformats.org/presentationml/2006/main">
+  <p:cSld>
+    <p:bg>
+      <p:bgRef idx="1001">
+        <a:schemeClr val="bg1"/>
+      </p:bgRef>
+    </p:bg>
+    <p:spTree>
+      <p:nvGrpSpPr>
+        <p:cNvPr id="1" name=""/>
+        <p:cNvGrpSpPr/>
+        <p:nvPr/>
+      </p:nvGrpSpPr>
+      <p:grpSpPr>
+        <a:xfrm>
+          <a:off x="0" y="0"/>
+          <a:ext cx="0" cy="0"/>
+          <a:chOff x="0" y="0"/>
+          <a:chExt cx="0" cy="0"/>
+        </a:xfrm>
+      </p:grpSpPr>
+      <p:sp>
+        <p:nvSpPr>
+          <p:cNvPr id="2" name="Header Placeholder 1"/>
+          <p:cNvSpPr>
+            <a:spLocks noGrp="1"/>
+          </p:cNvSpPr>
+          <p:nvPr>
+            <p:ph type="hdr" sz="quarter"/>
+          </p:nvPr>
+        </p:nvSpPr>
+        <p:spPr>
+          <a:xfrm>
+            <a:off x="0" y="0"/>
+            <a:ext cx="2971800" cy="458788"/>
+          </a:xfrm>
+          <a:prstGeom prst="rect">
+            <a:avLst/>
+          </a:prstGeom>
+        </p:spPr>
+        <p:txBody>
+          <a:bodyPr vert="horz" lIns="91440" tIns="45720" rIns="91440" bIns="45720" rtlCol="0"/>
+          <a:lstStyle>
+            <a:lvl1pPr algn="l">
+              <a:defRPr sz="1200"/>
+            </a:lvl1pPr>
+          </a:lstStyle>
+          <a:p>
+            <a:endParaRPr lang="de-AT"/>
+          </a:p>
+        </p:txBody>
+      </p:sp>
+      <p:sp>
+        <p:nvSpPr>
+          <p:cNvPr id="3" name="Date Placeholder 2"/>
+          <p:cNvSpPr>
+            <a:spLocks noGrp="1"/>
+          </p:cNvSpPr>
+          <p:nvPr>
+            <p:ph type="dt" idx="1"/>
+          </p:nvPr>
+        </p:nvSpPr>
+        <p:spPr>
+          <a:xfrm>
+            <a:off x="3884613" y="0"/>
+            <a:ext cx="2971800" cy="458788"/>
+          </a:xfrm>
+          <a:prstGeom prst="rect">
+            <a:avLst/>
+          </a:prstGeom>
+        </p:spPr>
+        <p:txBody>
+          <a:bodyPr vert="horz" lIns="91440" tIns="45720" rIns="91440" bIns="45720" rtlCol="0"/>
+          <a:lstStyle>
+            <a:lvl1pPr algn="r">
+              <a:defRPr sz="1200"/>
+            </a:lvl1pPr>
+          </a:lstStyle>
+          <a:p>
+            <a:fld id="{100A19FC-A539-4562-9A10-E2F7B12542D0}" type="datetimeFigureOut">
+              <a:rPr lang="de-AT" smtClean="0"/>
+              <a:t>27.02.2019</a:t>
+            </a:fld>
+            <a:endParaRPr lang="de-AT"/>
+          </a:p>
+        </p:txBody>
+      </p:sp>
+      <p:sp>
+        <p:nvSpPr>
+          <p:cNvPr id="4" name="Slide Image Placeholder 3"/>
+          <p:cNvSpPr>
+            <a:spLocks noGrp="1" noRot="1" noChangeAspect="1"/>
+          </p:cNvSpPr>
+          <p:nvPr>
+            <p:ph type="sldImg" idx="2"/>
+          </p:nvPr>
+        </p:nvSpPr>
+        <p:spPr>
+          <a:xfrm>
+            <a:off x="685800" y="1143000"/>
+            <a:ext cx="5486400" cy="3086100"/>
+          </a:xfrm>
+          <a:prstGeom prst="rect">
+            <a:avLst/>
+          </a:prstGeom>
+          <a:noFill/>
+          <a:ln w="12700">
+            <a:solidFill>
+              <a:prstClr val="black"/>
+            </a:solidFill>
+          </a:ln>
+        </p:spPr>
+        <p:txBody>
+          <a:bodyPr vert="horz" lIns="91440" tIns="45720" rIns="91440" bIns="45720" rtlCol="0" anchor="ctr"/>
+          <a:lstStyle/>
+          <a:p>
+            <a:endParaRPr lang="de-AT"/>
+          </a:p>
+        </p:txBody>
+      </p:sp>
+      <p:sp>
+        <p:nvSpPr>
+          <p:cNvPr id="5" name="Notes Placeholder 4"/>
+          <p:cNvSpPr>
+            <a:spLocks noGrp="1"/>
+          </p:cNvSpPr>
+          <p:nvPr>
+            <p:ph type="body" sz="quarter" idx="3"/>
+          </p:nvPr>
+        </p:nvSpPr>
+        <p:spPr>
+          <a:xfrm>
+            <a:off x="685800" y="4400550"/>
+            <a:ext cx="5486400" cy="3600450"/>
+          </a:xfrm>
+          <a:prstGeom prst="rect">
+            <a:avLst/>
+          </a:prstGeom>
+        </p:spPr>
+        <p:txBody>
+          <a:bodyPr vert="horz" lIns="91440" tIns="45720" rIns="91440" bIns="45720" rtlCol="0"/>
+          <a:lstStyle/>
+          <a:p>
+            <a:pPr lvl="0"/>
+            <a:r>
+              <a:rPr lang="en-US"/>
+              <a:t>Edit Master text styles</a:t>
+            </a:r>
+          </a:p>
+          <a:p>
+            <a:pPr lvl="1"/>
+            <a:r>
+              <a:rPr lang="en-US"/>
+              <a:t>Second level</a:t>
+            </a:r>
+          </a:p>
+          <a:p>
+            <a:pPr lvl="2"/>
+            <a:r>
+              <a:rPr lang="en-US"/>
+              <a:t>Third level</a:t>
+            </a:r>
+          </a:p>
+          <a:p>
+            <a:pPr lvl="3"/>
+            <a:r>
+              <a:rPr lang="en-US"/>
+              <a:t>Fourth level</a:t>
+            </a:r>
+          </a:p>
+          <a:p>
+            <a:pPr lvl="4"/>
+            <a:r>
+              <a:rPr lang="en-US"/>
+              <a:t>Fifth level</a:t>
+            </a:r>
+            <a:endParaRPr lang="de-AT"/>
+          </a:p>
+        </p:txBody>
+      </p:sp>
+      <p:sp>
+        <p:nvSpPr>
+          <p:cNvPr id="6" name="Footer Placeholder 5"/>
+          <p:cNvSpPr>
+            <a:spLocks noGrp="1"/>
+          </p:cNvSpPr>
+          <p:nvPr>
+            <p:ph type="ftr" sz="quarter" idx="4"/>
+          </p:nvPr>
+        </p:nvSpPr>
+        <p:spPr>
+          <a:xfrm>
+            <a:off x="0" y="8685213"/>
+            <a:ext cx="2971800" cy="458787"/>
+          </a:xfrm>
+          <a:prstGeom prst="rect">
+            <a:avLst/>
+          </a:prstGeom>
+        </p:spPr>
+        <p:txBody>
+          <a:bodyPr vert="horz" lIns="91440" tIns="45720" rIns="91440" bIns="45720" rtlCol="0" anchor="b"/>
+          <a:lstStyle>
+            <a:lvl1pPr algn="l">
+              <a:defRPr sz="1200"/>
+            </a:lvl1pPr>
+          </a:lstStyle>
+          <a:p>
+            <a:endParaRPr lang="de-AT"/>
+          </a:p>
+        </p:txBody>
+      </p:sp>
+      <p:sp>
+        <p:nvSpPr>
+          <p:cNvPr id="7" name="Slide Number Placeholder 6"/>
+          <p:cNvSpPr>
+            <a:spLocks noGrp="1"/>
+          </p:cNvSpPr>
+          <p:nvPr>
+            <p:ph type="sldNum" sz="quarter" idx="5"/>
+          </p:nvPr>
+        </p:nvSpPr>
+        <p:spPr>
+          <a:xfrm>
+            <a:off x="3884613" y="8685213"/>
+            <a:ext cx="2971800" cy="458787"/>
+          </a:xfrm>
+          <a:prstGeom prst="rect">
+            <a:avLst/>
+          </a:prstGeom>
+        </p:spPr>
+        <p:txBody>
+          <a:bodyPr vert="horz" lIns="91440" tIns="45720" rIns="91440" bIns="45720" rtlCol="0" anchor="b"/>
+          <a:lstStyle>
+            <a:lvl1pPr algn="r">
+              <a:defRPr sz="1200"/>
+            </a:lvl1pPr>
+          </a:lstStyle>
+          <a:p>
+            <a:fld id="{0252D0C7-7915-4D80-A85E-2B963837F322}" type="slidenum">
+              <a:rPr lang="de-AT" smtClean="0"/>
+              <a:t>‹#›</a:t>
+            </a:fld>
+            <a:endParaRPr lang="de-AT"/>
+          </a:p>
+        </p:txBody>
+      </p:sp>
+    </p:spTree>
+    <p:extLst>
+      <p:ext uri="{BB962C8B-B14F-4D97-AF65-F5344CB8AC3E}">
+        <p14:creationId xmlns:p14="http://schemas.microsoft.com/office/powerpoint/2010/main" val="796282835"/>
+      </p:ext>
+    </p:extLst>
+  </p:cSld>
+  <p:clrMap bg1="lt1" tx1="dk1" bg2="lt2" tx2="dk2" accent1="accent1" accent2="accent2" accent3="accent3" accent4="accent4" accent5="accent5" accent6="accent6" hlink="hlink" folHlink="folHlink"/>
+  <p:notesStyle>
+    <a:lvl1pPr marL="0" algn="l" defTabSz="914400" rtl="0" eaLnBrk="1" latinLnBrk="0" hangingPunct="1">
+      <a:defRPr sz="1200" kern="1200">
+        <a:solidFill>
+          <a:schemeClr val="tx1"/>
+        </a:solidFill>
+        <a:latin typeface="+mn-lt"/>
+        <a:ea typeface="+mn-ea"/>
+        <a:cs typeface="+mn-cs"/>
+      </a:defRPr>
+    </a:lvl1pPr>
+    <a:lvl2pPr marL="457200" algn="l" defTabSz="914400" rtl="0" eaLnBrk="1" latinLnBrk="0" hangingPunct="1">
+      <a:defRPr sz="1200" kern="1200">
+        <a:solidFill>
+          <a:schemeClr val="tx1"/>
+        </a:solidFill>
+        <a:latin typeface="+mn-lt"/>
+        <a:ea typeface="+mn-ea"/>
+        <a:cs typeface="+mn-cs"/>
+      </a:defRPr>
+    </a:lvl2pPr>
+    <a:lvl3pPr marL="914400" algn="l" defTabSz="914400" rtl="0" eaLnBrk="1" latinLnBrk="0" hangingPunct="1">
+      <a:defRPr sz="1200" kern="1200">
+        <a:solidFill>
+          <a:schemeClr val="tx1"/>
+        </a:solidFill>
+        <a:latin typeface="+mn-lt"/>
+        <a:ea typeface="+mn-ea"/>
+        <a:cs typeface="+mn-cs"/>
+      </a:defRPr>
+    </a:lvl3pPr>
+    <a:lvl4pPr marL="1371600" algn="l" defTabSz="914400" rtl="0" eaLnBrk="1" latinLnBrk="0" hangingPunct="1">
+      <a:defRPr sz="1200" kern="1200">
+        <a:solidFill>
+          <a:schemeClr val="tx1"/>
+        </a:solidFill>
+        <a:latin typeface="+mn-lt"/>
+        <a:ea typeface="+mn-ea"/>
+        <a:cs typeface="+mn-cs"/>
+      </a:defRPr>
+    </a:lvl4pPr>
+    <a:lvl5pPr marL="1828800" algn="l" defTabSz="914400" rtl="0" eaLnBrk="1" latinLnBrk="0" hangingPunct="1">
+      <a:defRPr sz="1200" kern="1200">
+        <a:solidFill>
+          <a:schemeClr val="tx1"/>
+        </a:solidFill>
+        <a:latin typeface="+mn-lt"/>
+        <a:ea typeface="+mn-ea"/>
+        <a:cs typeface="+mn-cs"/>
+      </a:defRPr>
+    </a:lvl5pPr>
+    <a:lvl6pPr marL="2286000" algn="l" defTabSz="914400" rtl="0" eaLnBrk="1" latinLnBrk="0" hangingPunct="1">
+      <a:defRPr sz="1200" kern="1200">
+        <a:solidFill>
+          <a:schemeClr val="tx1"/>
+        </a:solidFill>
+        <a:latin typeface="+mn-lt"/>
+        <a:ea typeface="+mn-ea"/>
+        <a:cs typeface="+mn-cs"/>
+      </a:defRPr>
+    </a:lvl6pPr>
+    <a:lvl7pPr marL="2743200" algn="l" defTabSz="914400" rtl="0" eaLnBrk="1" latinLnBrk="0" hangingPunct="1">
+      <a:defRPr sz="1200" kern="1200">
+        <a:solidFill>
+          <a:schemeClr val="tx1"/>
+        </a:solidFill>
+        <a:latin typeface="+mn-lt"/>
+        <a:ea typeface="+mn-ea"/>
+        <a:cs typeface="+mn-cs"/>
+      </a:defRPr>
+    </a:lvl7pPr>
+    <a:lvl8pPr marL="3200400" algn="l" defTabSz="914400" rtl="0" eaLnBrk="1" latinLnBrk="0" hangingPunct="1">
+      <a:defRPr sz="1200" kern="1200">
+        <a:solidFill>
+          <a:schemeClr val="tx1"/>
+        </a:solidFill>
+        <a:latin typeface="+mn-lt"/>
+        <a:ea typeface="+mn-ea"/>
+        <a:cs typeface="+mn-cs"/>
+      </a:defRPr>
+    </a:lvl8pPr>
+    <a:lvl9pPr marL="3657600" algn="l" defTabSz="914400" rtl="0" eaLnBrk="1" latinLnBrk="0" hangingPunct="1">
+      <a:defRPr sz="1200" kern="1200">
+        <a:solidFill>
+          <a:schemeClr val="tx1"/>
+        </a:solidFill>
+        <a:latin typeface="+mn-lt"/>
+        <a:ea typeface="+mn-ea"/>
+        <a:cs typeface="+mn-cs"/>
+      </a:defRPr>
+    </a:lvl9pPr>
+  </p:notesStyle>
+</p:notesMaster>
+</file>
+
+<file path=ppt/notesSlides/notesSlide1.xml><?xml version="1.0" encoding="utf-8"?>
+<p:notes xmlns:a="http://schemas.openxmlformats.org/drawingml/2006/main" xmlns:r="http://schemas.openxmlformats.org/officeDocument/2006/relationships" xmlns:p="http://schemas.openxmlformats.org/presentationml/2006/main">
+  <p:cSld>
+    <p:spTree>
+      <p:nvGrpSpPr>
+        <p:cNvPr id="1" name=""/>
+        <p:cNvGrpSpPr/>
+        <p:nvPr/>
+      </p:nvGrpSpPr>
+      <p:grpSpPr>
+        <a:xfrm>
+          <a:off x="0" y="0"/>
+          <a:ext cx="0" cy="0"/>
+          <a:chOff x="0" y="0"/>
+          <a:chExt cx="0" cy="0"/>
+        </a:xfrm>
+      </p:grpSpPr>
+      <p:sp>
+        <p:nvSpPr>
+          <p:cNvPr id="2" name="Slide Image Placeholder 1"/>
+          <p:cNvSpPr>
+            <a:spLocks noGrp="1" noRot="1" noChangeAspect="1"/>
+          </p:cNvSpPr>
+          <p:nvPr>
+            <p:ph type="sldImg"/>
+          </p:nvPr>
+        </p:nvSpPr>
+        <p:spPr/>
+      </p:sp>
+      <p:sp>
+        <p:nvSpPr>
+          <p:cNvPr id="3" name="Notes Placeholder 2"/>
+          <p:cNvSpPr>
+            <a:spLocks noGrp="1"/>
+          </p:cNvSpPr>
+          <p:nvPr>
+            <p:ph type="body" idx="1"/>
+          </p:nvPr>
+        </p:nvSpPr>
+        <p:spPr/>
+        <p:txBody>
+          <a:bodyPr/>
+          <a:lstStyle/>
+          <a:p>
+            <a:r>
+              <a:rPr lang="de-AT" dirty="0"/>
+              <a:t>Parallelprogrammierung:</a:t>
+            </a:r>
+          </a:p>
+          <a:p>
+            <a:r>
+              <a:rPr lang="de-AT" dirty="0"/>
+              <a:t>	man ist wesentlich schneller, weil einer </a:t>
+            </a:r>
+            <a:r>
+              <a:rPr lang="de-AT" dirty="0" err="1"/>
+              <a:t>z.b.</a:t>
+            </a:r>
+            <a:r>
+              <a:rPr lang="de-AT" dirty="0"/>
+              <a:t> am </a:t>
+            </a:r>
+            <a:r>
+              <a:rPr lang="de-AT" dirty="0" err="1"/>
+              <a:t>model</a:t>
+            </a:r>
+            <a:r>
+              <a:rPr lang="de-AT" dirty="0"/>
+              <a:t> programmieren kann und der andere beschäftigt sich mit der View</a:t>
+            </a:r>
+          </a:p>
+          <a:p>
+            <a:r>
+              <a:rPr lang="de-AT" dirty="0"/>
+              <a:t>	</a:t>
+            </a:r>
+          </a:p>
+          <a:p>
+            <a:r>
+              <a:rPr lang="de-AT" dirty="0"/>
+              <a:t>mehrere Ansichten: </a:t>
+            </a:r>
+          </a:p>
+          <a:p>
+            <a:r>
+              <a:rPr lang="de-AT" dirty="0"/>
+              <a:t>	für ein Model kann es deshalb mehrere Views geben, die bestimmte Daten anders darstellen.</a:t>
+            </a:r>
+          </a:p>
+          <a:p>
+            <a:endParaRPr lang="de-AT" dirty="0"/>
+          </a:p>
+          <a:p>
+            <a:r>
+              <a:rPr lang="de-AT" dirty="0"/>
+              <a:t>Änderungen betreffen meist nur einzelne Komponente:</a:t>
+            </a:r>
+          </a:p>
+          <a:p>
+            <a:r>
+              <a:rPr lang="de-AT" dirty="0"/>
+              <a:t>	zum Beispiel wird wahrscheinlich die View am </a:t>
+            </a:r>
+            <a:r>
+              <a:rPr lang="de-AT" dirty="0" err="1"/>
+              <a:t>öftersten</a:t>
+            </a:r>
+            <a:r>
+              <a:rPr lang="de-AT" dirty="0"/>
+              <a:t> geändert und das Model, wo die Business Datenenthalten sind wird sich kaum ändern</a:t>
+            </a:r>
+          </a:p>
+        </p:txBody>
+      </p:sp>
+      <p:sp>
+        <p:nvSpPr>
+          <p:cNvPr id="4" name="Slide Number Placeholder 3"/>
+          <p:cNvSpPr>
+            <a:spLocks noGrp="1"/>
+          </p:cNvSpPr>
+          <p:nvPr>
+            <p:ph type="sldNum" sz="quarter" idx="5"/>
+          </p:nvPr>
+        </p:nvSpPr>
+        <p:spPr/>
+        <p:txBody>
+          <a:bodyPr/>
+          <a:lstStyle/>
+          <a:p>
+            <a:fld id="{0252D0C7-7915-4D80-A85E-2B963837F322}" type="slidenum">
+              <a:rPr lang="de-AT" smtClean="0"/>
+              <a:t>3</a:t>
+            </a:fld>
+            <a:endParaRPr lang="de-AT"/>
+          </a:p>
+        </p:txBody>
+      </p:sp>
+    </p:spTree>
+    <p:extLst>
+      <p:ext uri="{BB962C8B-B14F-4D97-AF65-F5344CB8AC3E}">
+        <p14:creationId xmlns:p14="http://schemas.microsoft.com/office/powerpoint/2010/main" val="3500197722"/>
+      </p:ext>
+    </p:extLst>
+  </p:cSld>
+  <p:clrMapOvr>
+    <a:masterClrMapping/>
+  </p:clrMapOvr>
+</p:notes>
+</file>
+
+<file path=ppt/notesSlides/notesSlide2.xml><?xml version="1.0" encoding="utf-8"?>
+<p:notes xmlns:a="http://schemas.openxmlformats.org/drawingml/2006/main" xmlns:r="http://schemas.openxmlformats.org/officeDocument/2006/relationships" xmlns:p="http://schemas.openxmlformats.org/presentationml/2006/main">
+  <p:cSld>
+    <p:spTree>
+      <p:nvGrpSpPr>
+        <p:cNvPr id="1" name=""/>
+        <p:cNvGrpSpPr/>
+        <p:nvPr/>
+      </p:nvGrpSpPr>
+      <p:grpSpPr>
+        <a:xfrm>
+          <a:off x="0" y="0"/>
+          <a:ext cx="0" cy="0"/>
+          <a:chOff x="0" y="0"/>
+          <a:chExt cx="0" cy="0"/>
+        </a:xfrm>
+      </p:grpSpPr>
+      <p:sp>
+        <p:nvSpPr>
+          <p:cNvPr id="2" name="Slide Image Placeholder 1"/>
+          <p:cNvSpPr>
+            <a:spLocks noGrp="1" noRot="1" noChangeAspect="1"/>
+          </p:cNvSpPr>
+          <p:nvPr>
+            <p:ph type="sldImg"/>
+          </p:nvPr>
+        </p:nvSpPr>
+        <p:spPr/>
+      </p:sp>
+      <p:sp>
+        <p:nvSpPr>
+          <p:cNvPr id="3" name="Notes Placeholder 2"/>
+          <p:cNvSpPr>
+            <a:spLocks noGrp="1"/>
+          </p:cNvSpPr>
+          <p:nvPr>
+            <p:ph type="body" idx="1"/>
+          </p:nvPr>
+        </p:nvSpPr>
+        <p:spPr/>
+        <p:txBody>
+          <a:bodyPr/>
+          <a:lstStyle/>
+          <a:p>
+            <a:r>
+              <a:rPr lang="de-DE" dirty="0"/>
+              <a:t>In den Anfangsjahren der Informatik wurde nur sogenannter Spaghetti-Code produziert</a:t>
+            </a:r>
+          </a:p>
+          <a:p>
+            <a:r>
+              <a:rPr lang="de-DE" dirty="0"/>
+              <a:t>d.h. es erfolgte keine Strukturierung in Methoden, sondern es wurde nur mit Schleifen und Sprünge gearbeitet. </a:t>
+            </a:r>
+          </a:p>
+          <a:p>
+            <a:endParaRPr lang="de-DE" dirty="0"/>
+          </a:p>
+          <a:p>
+            <a:r>
+              <a:rPr lang="de-DE" dirty="0"/>
+              <a:t>Zusätzlich waren dabei </a:t>
+            </a:r>
+            <a:r>
+              <a:rPr lang="de-DE" b="1" dirty="0"/>
+              <a:t>Ausgabe, Eingabe und Verarbeitung </a:t>
+            </a:r>
+            <a:r>
+              <a:rPr lang="de-DE" dirty="0"/>
+              <a:t>völlig ineinander verwoben.</a:t>
+            </a:r>
+          </a:p>
+          <a:p>
+            <a:endParaRPr lang="de-DE" dirty="0"/>
+          </a:p>
+          <a:p>
+            <a:r>
+              <a:rPr lang="de-DE" dirty="0"/>
+              <a:t>Man löste diese Problem mit strukturierte bzw. objektorientierten Programmierung.</a:t>
+            </a:r>
+          </a:p>
+          <a:p>
+            <a:r>
+              <a:rPr lang="de-DE" dirty="0"/>
+              <a:t>	Viele nutzten diese neue Möglichkeit anfangs nur, um </a:t>
+            </a:r>
+            <a:r>
+              <a:rPr lang="de-DE" b="1" dirty="0"/>
+              <a:t>Spaghetti-Code</a:t>
+            </a:r>
+            <a:r>
+              <a:rPr lang="de-DE" dirty="0"/>
+              <a:t> in mehrere Segmente aufzuspalten. </a:t>
+            </a:r>
+          </a:p>
+          <a:p>
+            <a:r>
+              <a:rPr lang="de-DE" dirty="0"/>
+              <a:t>	Doch mit der Zeit setzte es sich durch, dass die </a:t>
+            </a:r>
+            <a:r>
+              <a:rPr lang="de-DE" b="1" dirty="0"/>
+              <a:t>Strukturierung</a:t>
+            </a:r>
+            <a:r>
+              <a:rPr lang="de-DE" dirty="0"/>
+              <a:t> auch nach </a:t>
+            </a:r>
+            <a:r>
+              <a:rPr lang="de-DE" b="1" dirty="0"/>
+              <a:t>Ausgabe, Eingabe und Verarbeitung </a:t>
+            </a:r>
+            <a:r>
+              <a:rPr lang="de-DE" dirty="0"/>
+              <a:t>vorgenommen</a:t>
+            </a:r>
+          </a:p>
+          <a:p>
+            <a:endParaRPr lang="de-AT" dirty="0"/>
+          </a:p>
+        </p:txBody>
+      </p:sp>
+      <p:sp>
+        <p:nvSpPr>
+          <p:cNvPr id="4" name="Slide Number Placeholder 3"/>
+          <p:cNvSpPr>
+            <a:spLocks noGrp="1"/>
+          </p:cNvSpPr>
+          <p:nvPr>
+            <p:ph type="sldNum" sz="quarter" idx="5"/>
+          </p:nvPr>
+        </p:nvSpPr>
+        <p:spPr/>
+        <p:txBody>
+          <a:bodyPr/>
+          <a:lstStyle/>
+          <a:p>
+            <a:fld id="{0252D0C7-7915-4D80-A85E-2B963837F322}" type="slidenum">
+              <a:rPr lang="de-AT" smtClean="0"/>
+              <a:t>4</a:t>
+            </a:fld>
+            <a:endParaRPr lang="de-AT"/>
+          </a:p>
+        </p:txBody>
+      </p:sp>
+    </p:spTree>
+    <p:extLst>
+      <p:ext uri="{BB962C8B-B14F-4D97-AF65-F5344CB8AC3E}">
+        <p14:creationId xmlns:p14="http://schemas.microsoft.com/office/powerpoint/2010/main" val="3646084789"/>
+      </p:ext>
+    </p:extLst>
+  </p:cSld>
+  <p:clrMapOvr>
+    <a:masterClrMapping/>
+  </p:clrMapOvr>
+</p:notes>
+</file>
+
+<file path=ppt/notesSlides/notesSlide3.xml><?xml version="1.0" encoding="utf-8"?>
+<p:notes xmlns:a="http://schemas.openxmlformats.org/drawingml/2006/main" xmlns:r="http://schemas.openxmlformats.org/officeDocument/2006/relationships" xmlns:p="http://schemas.openxmlformats.org/presentationml/2006/main">
+  <p:cSld>
+    <p:spTree>
+      <p:nvGrpSpPr>
+        <p:cNvPr id="1" name=""/>
+        <p:cNvGrpSpPr/>
+        <p:nvPr/>
+      </p:nvGrpSpPr>
+      <p:grpSpPr>
+        <a:xfrm>
+          <a:off x="0" y="0"/>
+          <a:ext cx="0" cy="0"/>
+          <a:chOff x="0" y="0"/>
+          <a:chExt cx="0" cy="0"/>
+        </a:xfrm>
+      </p:grpSpPr>
+      <p:sp>
+        <p:nvSpPr>
+          <p:cNvPr id="2" name="Slide Image Placeholder 1"/>
+          <p:cNvSpPr>
+            <a:spLocks noGrp="1" noRot="1" noChangeAspect="1"/>
+          </p:cNvSpPr>
+          <p:nvPr>
+            <p:ph type="sldImg"/>
+          </p:nvPr>
+        </p:nvSpPr>
+        <p:spPr/>
+      </p:sp>
+      <p:sp>
+        <p:nvSpPr>
+          <p:cNvPr id="3" name="Notes Placeholder 2"/>
+          <p:cNvSpPr>
+            <a:spLocks noGrp="1"/>
+          </p:cNvSpPr>
+          <p:nvPr>
+            <p:ph type="body" idx="1"/>
+          </p:nvPr>
+        </p:nvSpPr>
+        <p:spPr/>
+        <p:txBody>
+          <a:bodyPr/>
+          <a:lstStyle/>
+          <a:p>
+            <a:r>
+              <a:rPr lang="de-DE" dirty="0"/>
+              <a:t>Zu dieser Zeit war die GUI-Programmierung noch nicht erfunden</a:t>
+            </a:r>
+          </a:p>
+          <a:p>
+            <a:r>
+              <a:rPr lang="de-DE" dirty="0"/>
+              <a:t>Somit gab es nur textorientierte Programme</a:t>
+            </a:r>
+          </a:p>
+          <a:p>
+            <a:endParaRPr lang="de-DE" dirty="0"/>
+          </a:p>
+          <a:p>
+            <a:r>
+              <a:rPr lang="de-DE" dirty="0"/>
+              <a:t>Die textorientierten Programme konnten eine Interaktionen nur entgegennehmen, wenn eine Methode darauf (blockierend) gewartet hat. </a:t>
+            </a:r>
+            <a:endParaRPr lang="de-AT" dirty="0"/>
+          </a:p>
+          <a:p>
+            <a:endParaRPr lang="en-GB" dirty="0"/>
+          </a:p>
+          <a:p>
+            <a:endParaRPr lang="en-GB" dirty="0"/>
+          </a:p>
+          <a:p>
+            <a:r>
+              <a:rPr lang="de-DE" dirty="0"/>
+              <a:t>Diese Art der Eingabe-Verarbeitung bezeichnet man als ereignisgesteuerte Programmierung. </a:t>
+            </a:r>
+          </a:p>
+          <a:p>
+            <a:r>
+              <a:rPr lang="de-DE" dirty="0"/>
+              <a:t>Eine Funktion, die auf eine </a:t>
+            </a:r>
+            <a:r>
+              <a:rPr lang="de-DE" b="1" dirty="0"/>
+              <a:t>Eingabe wartet </a:t>
+            </a:r>
+            <a:r>
+              <a:rPr lang="de-DE" dirty="0"/>
+              <a:t>und währenddessen den </a:t>
+            </a:r>
+            <a:r>
+              <a:rPr lang="de-DE" b="1" dirty="0"/>
+              <a:t>Computer blockiert</a:t>
+            </a:r>
+            <a:r>
+              <a:rPr lang="de-DE" dirty="0"/>
+              <a:t>, wurde ersetzt durch eine Methode, die erst durch ein </a:t>
+            </a:r>
+            <a:r>
+              <a:rPr lang="de-DE" b="1" dirty="0"/>
+              <a:t>Ereignis aufgerufen </a:t>
+            </a:r>
+            <a:r>
+              <a:rPr lang="de-DE" dirty="0"/>
+              <a:t>wird und die Verarbeitung dieses Ereignisses übernimmt.</a:t>
+            </a:r>
+          </a:p>
+          <a:p>
+            <a:endParaRPr lang="de-DE" dirty="0"/>
+          </a:p>
+          <a:p>
+            <a:r>
+              <a:rPr lang="de-DE" dirty="0"/>
+              <a:t>Eingabe, Ausgabe und Verarbeitung: bei der ereignisgesteuerten GUI-Programmierung eine Differenzierung in Model, View und Controller vorgenommen, wobei Model der Verarbeitung, View der Ausgabe und Controller der Eingabe entspricht</a:t>
+            </a:r>
+          </a:p>
+          <a:p>
+            <a:endParaRPr lang="de-DE" dirty="0"/>
+          </a:p>
+          <a:p>
+            <a:r>
+              <a:rPr lang="de-DE" sz="1200" b="0" i="0" u="none" strike="noStrike" kern="1200" baseline="0" dirty="0">
+                <a:solidFill>
+                  <a:schemeClr val="tx1"/>
+                </a:solidFill>
+                <a:latin typeface="+mn-lt"/>
+                <a:ea typeface="+mn-ea"/>
+                <a:cs typeface="+mn-cs"/>
+              </a:rPr>
+              <a:t>Durch diese Aufteilung wird es ermöglicht, dass leichter Änderungen an einem Teil vorgenommen werden können, ohne dass die anderen Teile dadurch beeinflusst werden.</a:t>
+            </a:r>
+            <a:endParaRPr lang="de-AT" dirty="0"/>
+          </a:p>
+          <a:p>
+            <a:endParaRPr lang="de-AT" b="1" dirty="0"/>
+          </a:p>
+        </p:txBody>
+      </p:sp>
+      <p:sp>
+        <p:nvSpPr>
+          <p:cNvPr id="4" name="Slide Number Placeholder 3"/>
+          <p:cNvSpPr>
+            <a:spLocks noGrp="1"/>
+          </p:cNvSpPr>
+          <p:nvPr>
+            <p:ph type="sldNum" sz="quarter" idx="5"/>
+          </p:nvPr>
+        </p:nvSpPr>
+        <p:spPr/>
+        <p:txBody>
+          <a:bodyPr/>
+          <a:lstStyle/>
+          <a:p>
+            <a:fld id="{0252D0C7-7915-4D80-A85E-2B963837F322}" type="slidenum">
+              <a:rPr lang="de-AT" smtClean="0"/>
+              <a:t>5</a:t>
+            </a:fld>
+            <a:endParaRPr lang="de-AT"/>
+          </a:p>
+        </p:txBody>
+      </p:sp>
+    </p:spTree>
+    <p:extLst>
+      <p:ext uri="{BB962C8B-B14F-4D97-AF65-F5344CB8AC3E}">
+        <p14:creationId xmlns:p14="http://schemas.microsoft.com/office/powerpoint/2010/main" val="2760594449"/>
+      </p:ext>
+    </p:extLst>
+  </p:cSld>
+  <p:clrMapOvr>
+    <a:masterClrMapping/>
+  </p:clrMapOvr>
+</p:notes>
+</file>
+
+<file path=ppt/notesSlides/notesSlide4.xml><?xml version="1.0" encoding="utf-8"?>
+<p:notes xmlns:a="http://schemas.openxmlformats.org/drawingml/2006/main" xmlns:r="http://schemas.openxmlformats.org/officeDocument/2006/relationships" xmlns:p="http://schemas.openxmlformats.org/presentationml/2006/main">
+  <p:cSld>
+    <p:spTree>
+      <p:nvGrpSpPr>
+        <p:cNvPr id="1" name=""/>
+        <p:cNvGrpSpPr/>
+        <p:nvPr/>
+      </p:nvGrpSpPr>
+      <p:grpSpPr>
+        <a:xfrm>
+          <a:off x="0" y="0"/>
+          <a:ext cx="0" cy="0"/>
+          <a:chOff x="0" y="0"/>
+          <a:chExt cx="0" cy="0"/>
+        </a:xfrm>
+      </p:grpSpPr>
+      <p:sp>
+        <p:nvSpPr>
+          <p:cNvPr id="2" name="Slide Image Placeholder 1"/>
+          <p:cNvSpPr>
+            <a:spLocks noGrp="1" noRot="1" noChangeAspect="1"/>
+          </p:cNvSpPr>
+          <p:nvPr>
+            <p:ph type="sldImg"/>
+          </p:nvPr>
+        </p:nvSpPr>
+        <p:spPr/>
+      </p:sp>
+      <p:sp>
+        <p:nvSpPr>
+          <p:cNvPr id="3" name="Notes Placeholder 2"/>
+          <p:cNvSpPr>
+            <a:spLocks noGrp="1"/>
+          </p:cNvSpPr>
+          <p:nvPr>
+            <p:ph type="body" idx="1"/>
+          </p:nvPr>
+        </p:nvSpPr>
+        <p:spPr/>
+        <p:txBody>
+          <a:bodyPr/>
+          <a:lstStyle/>
+          <a:p>
+            <a:r>
+              <a:rPr lang="de-AT" dirty="0"/>
+              <a:t>Das Ziel dieses Pattern ist es </a:t>
+            </a:r>
+            <a:r>
+              <a:rPr lang="de-AT" b="1" dirty="0"/>
+              <a:t>eine 1-N - Beziehung </a:t>
+            </a:r>
+            <a:r>
+              <a:rPr lang="de-AT" dirty="0"/>
+              <a:t>zwischen einem </a:t>
+            </a:r>
+            <a:r>
+              <a:rPr lang="de-AT" dirty="0" err="1"/>
+              <a:t>Subject</a:t>
+            </a:r>
+            <a:r>
+              <a:rPr lang="de-AT" dirty="0"/>
+              <a:t> und den Observer zu implementieren. </a:t>
+            </a:r>
+          </a:p>
+          <a:p>
+            <a:r>
+              <a:rPr lang="de-AT" dirty="0"/>
+              <a:t>Das heißt wenn sich das </a:t>
+            </a:r>
+            <a:r>
+              <a:rPr lang="de-AT" dirty="0" err="1"/>
+              <a:t>Subject</a:t>
+            </a:r>
+            <a:r>
+              <a:rPr lang="de-AT" dirty="0"/>
+              <a:t> ändert werden </a:t>
+            </a:r>
+            <a:r>
+              <a:rPr lang="de-AT" b="1" dirty="0"/>
+              <a:t>alle Observer benachrichtigt</a:t>
+            </a:r>
+            <a:r>
+              <a:rPr lang="de-AT" dirty="0"/>
+              <a:t>, dass sich etwas geändert hat. </a:t>
+            </a:r>
+          </a:p>
+          <a:p>
+            <a:endParaRPr lang="de-AT" dirty="0"/>
+          </a:p>
+          <a:p>
+            <a:r>
+              <a:rPr lang="de-AT" dirty="0"/>
+              <a:t>Das </a:t>
+            </a:r>
+            <a:r>
+              <a:rPr lang="de-AT" dirty="0" err="1"/>
+              <a:t>Subject</a:t>
+            </a:r>
+            <a:r>
+              <a:rPr lang="de-AT" dirty="0"/>
+              <a:t> enthält eine List von Observer und kann Objekte mit hinzufügen oder löschen. </a:t>
+            </a:r>
+          </a:p>
+          <a:p>
+            <a:endParaRPr lang="de-AT" dirty="0"/>
+          </a:p>
+          <a:p>
+            <a:r>
+              <a:rPr lang="de-AT" dirty="0"/>
+              <a:t>Der Observer enthält ein </a:t>
+            </a:r>
+            <a:r>
+              <a:rPr lang="de-AT" b="1" dirty="0"/>
+              <a:t>update</a:t>
+            </a:r>
+            <a:r>
+              <a:rPr lang="de-AT" dirty="0"/>
+              <a:t> Methode die vom </a:t>
+            </a:r>
+            <a:r>
+              <a:rPr lang="de-AT" dirty="0" err="1"/>
+              <a:t>Subject</a:t>
+            </a:r>
+            <a:r>
+              <a:rPr lang="de-AT" dirty="0"/>
+              <a:t> </a:t>
+            </a:r>
+            <a:r>
+              <a:rPr lang="de-AT" dirty="0" err="1"/>
+              <a:t>augerufen</a:t>
+            </a:r>
+            <a:r>
+              <a:rPr lang="de-AT" dirty="0"/>
+              <a:t> wird wenn sich etwas ändert. </a:t>
+            </a:r>
+          </a:p>
+          <a:p>
+            <a:endParaRPr lang="de-AT" dirty="0"/>
+          </a:p>
+          <a:p>
+            <a:r>
+              <a:rPr lang="de-AT" dirty="0"/>
+              <a:t>Auf das MVC Pattern </a:t>
+            </a:r>
+            <a:r>
+              <a:rPr lang="de-AT" dirty="0" err="1"/>
+              <a:t>angewedet</a:t>
+            </a:r>
+            <a:r>
+              <a:rPr lang="de-AT" dirty="0"/>
+              <a:t> ist das </a:t>
+            </a:r>
+            <a:r>
+              <a:rPr lang="de-AT" b="1" dirty="0"/>
+              <a:t>Model das </a:t>
+            </a:r>
+            <a:r>
+              <a:rPr lang="de-AT" b="1" dirty="0" err="1"/>
+              <a:t>Subject</a:t>
+            </a:r>
+            <a:r>
+              <a:rPr lang="de-AT" b="1" dirty="0"/>
+              <a:t> </a:t>
+            </a:r>
+            <a:r>
+              <a:rPr lang="de-AT" dirty="0"/>
+              <a:t>und die </a:t>
+            </a:r>
+            <a:r>
+              <a:rPr lang="de-AT" b="1" dirty="0"/>
+              <a:t>Views übernehmen die Rolle des </a:t>
+            </a:r>
+            <a:r>
+              <a:rPr lang="de-AT" b="1" dirty="0" err="1"/>
+              <a:t>Observers</a:t>
+            </a:r>
+            <a:r>
+              <a:rPr lang="de-AT" dirty="0"/>
+              <a:t>.</a:t>
+            </a:r>
+          </a:p>
+        </p:txBody>
+      </p:sp>
+      <p:sp>
+        <p:nvSpPr>
+          <p:cNvPr id="4" name="Slide Number Placeholder 3"/>
+          <p:cNvSpPr>
+            <a:spLocks noGrp="1"/>
+          </p:cNvSpPr>
+          <p:nvPr>
+            <p:ph type="sldNum" sz="quarter" idx="5"/>
+          </p:nvPr>
+        </p:nvSpPr>
+        <p:spPr/>
+        <p:txBody>
+          <a:bodyPr/>
+          <a:lstStyle/>
+          <a:p>
+            <a:fld id="{0252D0C7-7915-4D80-A85E-2B963837F322}" type="slidenum">
+              <a:rPr lang="de-AT" smtClean="0"/>
+              <a:t>11</a:t>
+            </a:fld>
+            <a:endParaRPr lang="de-AT"/>
+          </a:p>
+        </p:txBody>
+      </p:sp>
+    </p:spTree>
+    <p:extLst>
+      <p:ext uri="{BB962C8B-B14F-4D97-AF65-F5344CB8AC3E}">
+        <p14:creationId xmlns:p14="http://schemas.microsoft.com/office/powerpoint/2010/main" val="234513935"/>
+      </p:ext>
+    </p:extLst>
+  </p:cSld>
+  <p:clrMapOvr>
+    <a:masterClrMapping/>
+  </p:clrMapOvr>
+</p:notes>
+</file>
+
+<file path=ppt/notesSlides/notesSlide5.xml><?xml version="1.0" encoding="utf-8"?>
+<p:notes xmlns:a="http://schemas.openxmlformats.org/drawingml/2006/main" xmlns:r="http://schemas.openxmlformats.org/officeDocument/2006/relationships" xmlns:p="http://schemas.openxmlformats.org/presentationml/2006/main">
+  <p:cSld>
+    <p:spTree>
+      <p:nvGrpSpPr>
+        <p:cNvPr id="1" name=""/>
+        <p:cNvGrpSpPr/>
+        <p:nvPr/>
+      </p:nvGrpSpPr>
+      <p:grpSpPr>
+        <a:xfrm>
+          <a:off x="0" y="0"/>
+          <a:ext cx="0" cy="0"/>
+          <a:chOff x="0" y="0"/>
+          <a:chExt cx="0" cy="0"/>
+        </a:xfrm>
+      </p:grpSpPr>
+      <p:sp>
+        <p:nvSpPr>
+          <p:cNvPr id="2" name="Slide Image Placeholder 1"/>
+          <p:cNvSpPr>
+            <a:spLocks noGrp="1" noRot="1" noChangeAspect="1"/>
+          </p:cNvSpPr>
+          <p:nvPr>
+            <p:ph type="sldImg"/>
+          </p:nvPr>
+        </p:nvSpPr>
+        <p:spPr/>
+      </p:sp>
+      <p:sp>
+        <p:nvSpPr>
+          <p:cNvPr id="3" name="Notes Placeholder 2"/>
+          <p:cNvSpPr>
+            <a:spLocks noGrp="1"/>
+          </p:cNvSpPr>
+          <p:nvPr>
+            <p:ph type="body" idx="1"/>
+          </p:nvPr>
+        </p:nvSpPr>
+        <p:spPr/>
+        <p:txBody>
+          <a:bodyPr/>
+          <a:lstStyle/>
+          <a:p>
+            <a:r>
+              <a:rPr lang="de-DE" sz="1200" b="0" i="0" kern="1200" noProof="0" dirty="0">
+                <a:solidFill>
+                  <a:schemeClr val="tx1"/>
+                </a:solidFill>
+                <a:effectLst/>
+                <a:latin typeface="+mn-lt"/>
+                <a:ea typeface="+mn-ea"/>
+                <a:cs typeface="+mn-cs"/>
+              </a:rPr>
+              <a:t>Die View verwendet den Controller um bestimmte Responsearten zu implementieren.</a:t>
+            </a:r>
+          </a:p>
+          <a:p>
+            <a:r>
+              <a:rPr lang="de-DE" sz="1200" b="0" i="0" kern="1200" noProof="0" dirty="0">
+                <a:solidFill>
+                  <a:schemeClr val="tx1"/>
+                </a:solidFill>
+                <a:effectLst/>
+                <a:latin typeface="+mn-lt"/>
+                <a:ea typeface="+mn-ea"/>
+                <a:cs typeface="+mn-cs"/>
+              </a:rPr>
+              <a:t>Jedoch kann der Controller zur Laufzeit geändert werden damit die View anders auf Eingabe reagiert. </a:t>
+            </a:r>
+          </a:p>
+          <a:p>
+            <a:endParaRPr lang="de-DE" sz="1200" b="0" i="0" kern="1200" noProof="0" dirty="0">
+              <a:solidFill>
+                <a:schemeClr val="tx1"/>
+              </a:solidFill>
+              <a:effectLst/>
+              <a:latin typeface="+mn-lt"/>
+              <a:ea typeface="+mn-ea"/>
+              <a:cs typeface="+mn-cs"/>
+            </a:endParaRPr>
+          </a:p>
+          <a:p>
+            <a:r>
+              <a:rPr lang="de-DE" sz="1200" b="0" i="0" kern="1200" noProof="0" dirty="0">
+                <a:solidFill>
+                  <a:schemeClr val="tx1"/>
+                </a:solidFill>
+                <a:effectLst/>
+                <a:latin typeface="+mn-lt"/>
+                <a:ea typeface="+mn-ea"/>
+                <a:cs typeface="+mn-cs"/>
+              </a:rPr>
+              <a:t>Zum Beispiel: könnte eine View deaktiviert sein damit keine Eingabe erlaubt ist.</a:t>
+            </a:r>
+          </a:p>
+          <a:p>
+            <a:endParaRPr lang="de-DE" sz="1200" b="0" i="0" kern="1200" noProof="0" dirty="0">
+              <a:solidFill>
+                <a:schemeClr val="tx1"/>
+              </a:solidFill>
+              <a:effectLst/>
+              <a:latin typeface="+mn-lt"/>
+              <a:ea typeface="+mn-ea"/>
+              <a:cs typeface="+mn-cs"/>
+            </a:endParaRPr>
+          </a:p>
+          <a:p>
+            <a:endParaRPr lang="de-DE" sz="1200" b="0" i="0" kern="1200" noProof="0" dirty="0">
+              <a:solidFill>
+                <a:schemeClr val="tx1"/>
+              </a:solidFill>
+              <a:effectLst/>
+              <a:latin typeface="+mn-lt"/>
+              <a:ea typeface="+mn-ea"/>
+              <a:cs typeface="+mn-cs"/>
+            </a:endParaRPr>
+          </a:p>
+          <a:p>
+            <a:pPr marL="0" marR="0" lvl="0" indent="0" algn="l" defTabSz="914400" rtl="0" eaLnBrk="1" fontAlgn="auto" latinLnBrk="0" hangingPunct="1">
+              <a:lnSpc>
+                <a:spcPct val="100000"/>
+              </a:lnSpc>
+              <a:spcBef>
+                <a:spcPts val="0"/>
+              </a:spcBef>
+              <a:spcAft>
+                <a:spcPts val="0"/>
+              </a:spcAft>
+              <a:buClrTx/>
+              <a:buSzTx/>
+              <a:buFontTx/>
+              <a:buNone/>
+              <a:tabLst/>
+              <a:defRPr/>
+            </a:pPr>
+            <a:r>
+              <a:rPr lang="de-DE" sz="1200" b="0" i="0" kern="1200" noProof="0" dirty="0">
+                <a:solidFill>
+                  <a:schemeClr val="tx1"/>
+                </a:solidFill>
+                <a:effectLst/>
+                <a:latin typeface="+mn-lt"/>
+                <a:ea typeface="+mn-ea"/>
+                <a:cs typeface="+mn-cs"/>
+              </a:rPr>
+              <a:t>Jede </a:t>
+            </a:r>
+            <a:r>
+              <a:rPr lang="de-DE" sz="1200" b="0" i="0" kern="1200" noProof="0" dirty="0" err="1">
+                <a:solidFill>
+                  <a:schemeClr val="tx1"/>
+                </a:solidFill>
+                <a:effectLst/>
+                <a:latin typeface="+mn-lt"/>
+                <a:ea typeface="+mn-ea"/>
+                <a:cs typeface="+mn-cs"/>
+              </a:rPr>
+              <a:t>ConcreteStrategy</a:t>
+            </a:r>
+            <a:r>
+              <a:rPr lang="de-DE" sz="1200" b="0" i="0" kern="1200" noProof="0" dirty="0">
+                <a:solidFill>
+                  <a:schemeClr val="tx1"/>
+                </a:solidFill>
+                <a:effectLst/>
+                <a:latin typeface="+mn-lt"/>
+                <a:ea typeface="+mn-ea"/>
+                <a:cs typeface="+mn-cs"/>
+              </a:rPr>
+              <a:t> enthält verschiedene Arten von Responses. Und ein </a:t>
+            </a:r>
+            <a:r>
+              <a:rPr lang="de-DE" sz="1200" b="0" i="0" kern="1200" noProof="0" dirty="0" err="1">
+                <a:solidFill>
+                  <a:schemeClr val="tx1"/>
+                </a:solidFill>
+                <a:effectLst/>
+                <a:latin typeface="+mn-lt"/>
+                <a:ea typeface="+mn-ea"/>
+                <a:cs typeface="+mn-cs"/>
+              </a:rPr>
+              <a:t>Context</a:t>
+            </a:r>
+            <a:r>
+              <a:rPr lang="de-DE" sz="1200" b="0" i="0" kern="1200" noProof="0" dirty="0">
+                <a:solidFill>
+                  <a:schemeClr val="tx1"/>
+                </a:solidFill>
+                <a:effectLst/>
+                <a:latin typeface="+mn-lt"/>
+                <a:ea typeface="+mn-ea"/>
+                <a:cs typeface="+mn-cs"/>
+              </a:rPr>
+              <a:t> hat eine Referenz auf ein </a:t>
+            </a:r>
+            <a:r>
+              <a:rPr lang="de-DE" sz="1200" b="0" i="0" kern="1200" noProof="0" dirty="0" err="1">
+                <a:solidFill>
+                  <a:schemeClr val="tx1"/>
+                </a:solidFill>
+                <a:effectLst/>
+                <a:latin typeface="+mn-lt"/>
+                <a:ea typeface="+mn-ea"/>
+                <a:cs typeface="+mn-cs"/>
+              </a:rPr>
+              <a:t>Strategy</a:t>
+            </a:r>
+            <a:r>
+              <a:rPr lang="de-DE" sz="1200" b="0" i="0" kern="1200" noProof="0" dirty="0">
+                <a:solidFill>
+                  <a:schemeClr val="tx1"/>
+                </a:solidFill>
+                <a:effectLst/>
+                <a:latin typeface="+mn-lt"/>
+                <a:ea typeface="+mn-ea"/>
+                <a:cs typeface="+mn-cs"/>
+              </a:rPr>
+              <a:t> Objekt und kann die </a:t>
+            </a:r>
+            <a:r>
+              <a:rPr lang="de-DE" sz="1200" b="0" i="0" kern="1200" noProof="0" dirty="0" err="1">
+                <a:solidFill>
+                  <a:schemeClr val="tx1"/>
+                </a:solidFill>
+                <a:effectLst/>
+                <a:latin typeface="+mn-lt"/>
+                <a:ea typeface="+mn-ea"/>
+                <a:cs typeface="+mn-cs"/>
+              </a:rPr>
+              <a:t>Requests</a:t>
+            </a:r>
+            <a:r>
+              <a:rPr lang="de-DE" sz="1200" b="0" i="0" kern="1200" noProof="0" dirty="0">
+                <a:solidFill>
+                  <a:schemeClr val="tx1"/>
+                </a:solidFill>
+                <a:effectLst/>
+                <a:latin typeface="+mn-lt"/>
+                <a:ea typeface="+mn-ea"/>
+                <a:cs typeface="+mn-cs"/>
+              </a:rPr>
+              <a:t> an eine bestimmte </a:t>
+            </a:r>
+            <a:r>
+              <a:rPr lang="de-DE" sz="1200" b="0" i="0" kern="1200" noProof="0" dirty="0" err="1">
+                <a:solidFill>
+                  <a:schemeClr val="tx1"/>
+                </a:solidFill>
+                <a:effectLst/>
+                <a:latin typeface="+mn-lt"/>
+                <a:ea typeface="+mn-ea"/>
+                <a:cs typeface="+mn-cs"/>
+              </a:rPr>
+              <a:t>Strategy</a:t>
+            </a:r>
+            <a:r>
+              <a:rPr lang="de-DE" sz="1200" b="0" i="0" kern="1200" noProof="0" dirty="0">
+                <a:solidFill>
+                  <a:schemeClr val="tx1"/>
+                </a:solidFill>
+                <a:effectLst/>
+                <a:latin typeface="+mn-lt"/>
+                <a:ea typeface="+mn-ea"/>
+                <a:cs typeface="+mn-cs"/>
+              </a:rPr>
+              <a:t> weiterleiten.</a:t>
+            </a:r>
+          </a:p>
+          <a:p>
+            <a:endParaRPr lang="de-DE" sz="1200" b="0" i="0" kern="1200" noProof="0" dirty="0">
+              <a:solidFill>
+                <a:schemeClr val="tx1"/>
+              </a:solidFill>
+              <a:effectLst/>
+              <a:latin typeface="+mn-lt"/>
+              <a:ea typeface="+mn-ea"/>
+              <a:cs typeface="+mn-cs"/>
+            </a:endParaRPr>
+          </a:p>
+          <a:p>
+            <a:endParaRPr lang="de-DE" sz="1200" b="0" i="0" kern="1200" noProof="0" dirty="0">
+              <a:solidFill>
+                <a:schemeClr val="tx1"/>
+              </a:solidFill>
+              <a:effectLst/>
+              <a:latin typeface="+mn-lt"/>
+              <a:ea typeface="+mn-ea"/>
+              <a:cs typeface="+mn-cs"/>
+            </a:endParaRPr>
+          </a:p>
+          <a:p>
+            <a:r>
+              <a:rPr lang="de-DE" sz="1200" b="0" i="0" kern="1200" noProof="0" dirty="0">
+                <a:solidFill>
+                  <a:schemeClr val="tx1"/>
+                </a:solidFill>
+                <a:effectLst/>
+                <a:latin typeface="+mn-lt"/>
+                <a:ea typeface="+mn-ea"/>
+                <a:cs typeface="+mn-cs"/>
+              </a:rPr>
+              <a:t>Somit kann man sich die View wie ein </a:t>
+            </a:r>
+            <a:r>
+              <a:rPr lang="de-DE" sz="1200" b="0" i="0" kern="1200" noProof="0" dirty="0" err="1">
+                <a:solidFill>
+                  <a:schemeClr val="tx1"/>
+                </a:solidFill>
+                <a:effectLst/>
+                <a:latin typeface="+mn-lt"/>
+                <a:ea typeface="+mn-ea"/>
+                <a:cs typeface="+mn-cs"/>
+              </a:rPr>
+              <a:t>Context</a:t>
+            </a:r>
+            <a:r>
+              <a:rPr lang="de-DE" sz="1200" b="0" i="0" kern="1200" noProof="0" dirty="0">
+                <a:solidFill>
+                  <a:schemeClr val="tx1"/>
+                </a:solidFill>
+                <a:effectLst/>
+                <a:latin typeface="+mn-lt"/>
+                <a:ea typeface="+mn-ea"/>
+                <a:cs typeface="+mn-cs"/>
+              </a:rPr>
+              <a:t> vorstellen und der Controller ist ein </a:t>
+            </a:r>
+            <a:r>
+              <a:rPr lang="de-DE" sz="1200" b="0" i="0" kern="1200" noProof="0" dirty="0" err="1">
+                <a:solidFill>
+                  <a:schemeClr val="tx1"/>
+                </a:solidFill>
+                <a:effectLst/>
+                <a:latin typeface="+mn-lt"/>
+                <a:ea typeface="+mn-ea"/>
+                <a:cs typeface="+mn-cs"/>
+              </a:rPr>
+              <a:t>Strategy</a:t>
+            </a:r>
+            <a:r>
+              <a:rPr lang="de-DE" sz="1200" b="0" i="0" kern="1200" noProof="0" dirty="0">
+                <a:solidFill>
+                  <a:schemeClr val="tx1"/>
+                </a:solidFill>
+                <a:effectLst/>
+                <a:latin typeface="+mn-lt"/>
+                <a:ea typeface="+mn-ea"/>
+                <a:cs typeface="+mn-cs"/>
+              </a:rPr>
+              <a:t> Objekt. </a:t>
+            </a:r>
+          </a:p>
+        </p:txBody>
+      </p:sp>
+      <p:sp>
+        <p:nvSpPr>
+          <p:cNvPr id="4" name="Slide Number Placeholder 3"/>
+          <p:cNvSpPr>
+            <a:spLocks noGrp="1"/>
+          </p:cNvSpPr>
+          <p:nvPr>
+            <p:ph type="sldNum" sz="quarter" idx="5"/>
+          </p:nvPr>
+        </p:nvSpPr>
+        <p:spPr/>
+        <p:txBody>
+          <a:bodyPr/>
+          <a:lstStyle/>
+          <a:p>
+            <a:fld id="{0252D0C7-7915-4D80-A85E-2B963837F322}" type="slidenum">
+              <a:rPr lang="de-AT" smtClean="0"/>
+              <a:t>14</a:t>
+            </a:fld>
+            <a:endParaRPr lang="de-AT"/>
+          </a:p>
+        </p:txBody>
+      </p:sp>
+    </p:spTree>
+    <p:extLst>
+      <p:ext uri="{BB962C8B-B14F-4D97-AF65-F5344CB8AC3E}">
+        <p14:creationId xmlns:p14="http://schemas.microsoft.com/office/powerpoint/2010/main" val="2204155632"/>
+      </p:ext>
+    </p:extLst>
+  </p:cSld>
+  <p:clrMapOvr>
+    <a:masterClrMapping/>
+  </p:clrMapOvr>
+</p:notes>
 </file>
 
 <file path=ppt/slideLayouts/slideLayout1.xml><?xml version="1.0" encoding="utf-8"?>
@@ -463,7 +1917,7 @@
           <a:p>
             <a:fld id="{5BB77033-F688-4B3A-A60F-50BC8AA82E49}" type="datetimeFigureOut">
               <a:rPr lang="de-AT" smtClean="0"/>
-              <a:t>25.02.2019</a:t>
+              <a:t>27.02.2019</a:t>
             </a:fld>
             <a:endParaRPr lang="de-AT"/>
           </a:p>
@@ -663,7 +2117,7 @@
           <a:p>
             <a:fld id="{5BB77033-F688-4B3A-A60F-50BC8AA82E49}" type="datetimeFigureOut">
               <a:rPr lang="de-AT" smtClean="0"/>
-              <a:t>25.02.2019</a:t>
+              <a:t>27.02.2019</a:t>
             </a:fld>
             <a:endParaRPr lang="de-AT"/>
           </a:p>
@@ -873,7 +2327,7 @@
           <a:p>
             <a:fld id="{5BB77033-F688-4B3A-A60F-50BC8AA82E49}" type="datetimeFigureOut">
               <a:rPr lang="de-AT" smtClean="0"/>
-              <a:t>25.02.2019</a:t>
+              <a:t>27.02.2019</a:t>
             </a:fld>
             <a:endParaRPr lang="de-AT"/>
           </a:p>
@@ -1073,7 +2527,7 @@
           <a:p>
             <a:fld id="{5BB77033-F688-4B3A-A60F-50BC8AA82E49}" type="datetimeFigureOut">
               <a:rPr lang="de-AT" smtClean="0"/>
-              <a:t>25.02.2019</a:t>
+              <a:t>27.02.2019</a:t>
             </a:fld>
             <a:endParaRPr lang="de-AT"/>
           </a:p>
@@ -1349,7 +2803,7 @@
           <a:p>
             <a:fld id="{5BB77033-F688-4B3A-A60F-50BC8AA82E49}" type="datetimeFigureOut">
               <a:rPr lang="de-AT" smtClean="0"/>
-              <a:t>25.02.2019</a:t>
+              <a:t>27.02.2019</a:t>
             </a:fld>
             <a:endParaRPr lang="de-AT"/>
           </a:p>
@@ -1617,7 +3071,7 @@
           <a:p>
             <a:fld id="{5BB77033-F688-4B3A-A60F-50BC8AA82E49}" type="datetimeFigureOut">
               <a:rPr lang="de-AT" smtClean="0"/>
-              <a:t>25.02.2019</a:t>
+              <a:t>27.02.2019</a:t>
             </a:fld>
             <a:endParaRPr lang="de-AT"/>
           </a:p>
@@ -2032,7 +3486,7 @@
           <a:p>
             <a:fld id="{5BB77033-F688-4B3A-A60F-50BC8AA82E49}" type="datetimeFigureOut">
               <a:rPr lang="de-AT" smtClean="0"/>
-              <a:t>25.02.2019</a:t>
+              <a:t>27.02.2019</a:t>
             </a:fld>
             <a:endParaRPr lang="de-AT"/>
           </a:p>
@@ -2174,7 +3628,7 @@
           <a:p>
             <a:fld id="{5BB77033-F688-4B3A-A60F-50BC8AA82E49}" type="datetimeFigureOut">
               <a:rPr lang="de-AT" smtClean="0"/>
-              <a:t>25.02.2019</a:t>
+              <a:t>27.02.2019</a:t>
             </a:fld>
             <a:endParaRPr lang="de-AT"/>
           </a:p>
@@ -2287,7 +3741,7 @@
           <a:p>
             <a:fld id="{5BB77033-F688-4B3A-A60F-50BC8AA82E49}" type="datetimeFigureOut">
               <a:rPr lang="de-AT" smtClean="0"/>
-              <a:t>25.02.2019</a:t>
+              <a:t>27.02.2019</a:t>
             </a:fld>
             <a:endParaRPr lang="de-AT"/>
           </a:p>
@@ -2600,7 +4054,7 @@
           <a:p>
             <a:fld id="{5BB77033-F688-4B3A-A60F-50BC8AA82E49}" type="datetimeFigureOut">
               <a:rPr lang="de-AT" smtClean="0"/>
-              <a:t>25.02.2019</a:t>
+              <a:t>27.02.2019</a:t>
             </a:fld>
             <a:endParaRPr lang="de-AT"/>
           </a:p>
@@ -2889,7 +4343,7 @@
           <a:p>
             <a:fld id="{5BB77033-F688-4B3A-A60F-50BC8AA82E49}" type="datetimeFigureOut">
               <a:rPr lang="de-AT" smtClean="0"/>
-              <a:t>25.02.2019</a:t>
+              <a:t>27.02.2019</a:t>
             </a:fld>
             <a:endParaRPr lang="de-AT"/>
           </a:p>
@@ -3132,7 +4586,7 @@
           <a:p>
             <a:fld id="{5BB77033-F688-4B3A-A60F-50BC8AA82E49}" type="datetimeFigureOut">
               <a:rPr lang="de-AT" smtClean="0"/>
-              <a:t>25.02.2019</a:t>
+              <a:t>27.02.2019</a:t>
             </a:fld>
             <a:endParaRPr lang="de-AT" dirty="0"/>
           </a:p>
@@ -3638,113 +5092,8 @@
           <a:lstStyle/>
           <a:p>
             <a:r>
-              <a:rPr lang="de-AT" dirty="0"/>
+              <a:rPr lang="en-US" i="1" dirty="0"/>
               <a:t>Arthur Brandstetter</a:t>
-            </a:r>
-          </a:p>
-        </p:txBody>
-      </p:sp>
-      <p:sp>
-        <p:nvSpPr>
-          <p:cNvPr id="4" name="TextBox 3">
-            <a:extLst>
-              <a:ext uri="{FF2B5EF4-FFF2-40B4-BE49-F238E27FC236}">
-                <a16:creationId xmlns:a16="http://schemas.microsoft.com/office/drawing/2014/main" id="{9434012A-5604-41DC-8280-574EE2B7D690}"/>
-              </a:ext>
-            </a:extLst>
-          </p:cNvPr>
-          <p:cNvSpPr txBox="1"/>
-          <p:nvPr/>
-        </p:nvSpPr>
-        <p:spPr>
-          <a:xfrm>
-            <a:off x="5265019" y="2502485"/>
-            <a:ext cx="841897" cy="1015663"/>
-          </a:xfrm>
-          <a:prstGeom prst="rect">
-            <a:avLst/>
-          </a:prstGeom>
-          <a:noFill/>
-        </p:spPr>
-        <p:txBody>
-          <a:bodyPr wrap="none" rtlCol="0">
-            <a:spAutoFit/>
-          </a:bodyPr>
-          <a:lstStyle/>
-          <a:p>
-            <a:r>
-              <a:rPr lang="de-AT" sz="6000" dirty="0"/>
-              <a:t>M</a:t>
-            </a:r>
-          </a:p>
-        </p:txBody>
-      </p:sp>
-      <p:sp>
-        <p:nvSpPr>
-          <p:cNvPr id="5" name="TextBox 4">
-            <a:extLst>
-              <a:ext uri="{FF2B5EF4-FFF2-40B4-BE49-F238E27FC236}">
-                <a16:creationId xmlns:a16="http://schemas.microsoft.com/office/drawing/2014/main" id="{12FA957C-57E0-4BBE-A556-F59F739896AF}"/>
-              </a:ext>
-            </a:extLst>
-          </p:cNvPr>
-          <p:cNvSpPr txBox="1"/>
-          <p:nvPr/>
-        </p:nvSpPr>
-        <p:spPr>
-          <a:xfrm>
-            <a:off x="5911555" y="2497009"/>
-            <a:ext cx="620683" cy="1015663"/>
-          </a:xfrm>
-          <a:prstGeom prst="rect">
-            <a:avLst/>
-          </a:prstGeom>
-          <a:noFill/>
-        </p:spPr>
-        <p:txBody>
-          <a:bodyPr wrap="none" rtlCol="0">
-            <a:spAutoFit/>
-          </a:bodyPr>
-          <a:lstStyle/>
-          <a:p>
-            <a:r>
-              <a:rPr lang="de-AT" sz="6000" dirty="0"/>
-              <a:t>V</a:t>
-            </a:r>
-          </a:p>
-        </p:txBody>
-      </p:sp>
-      <p:sp>
-        <p:nvSpPr>
-          <p:cNvPr id="6" name="TextBox 5">
-            <a:extLst>
-              <a:ext uri="{FF2B5EF4-FFF2-40B4-BE49-F238E27FC236}">
-                <a16:creationId xmlns:a16="http://schemas.microsoft.com/office/drawing/2014/main" id="{D0C2E6DA-24BF-40D4-A48C-5A900F99215B}"/>
-              </a:ext>
-            </a:extLst>
-          </p:cNvPr>
-          <p:cNvSpPr txBox="1"/>
-          <p:nvPr/>
-        </p:nvSpPr>
-        <p:spPr>
-          <a:xfrm>
-            <a:off x="6331819" y="2510506"/>
-            <a:ext cx="595035" cy="1015663"/>
-          </a:xfrm>
-          <a:prstGeom prst="rect">
-            <a:avLst/>
-          </a:prstGeom>
-          <a:noFill/>
-        </p:spPr>
-        <p:txBody>
-          <a:bodyPr wrap="none" rtlCol="0">
-            <a:spAutoFit/>
-          </a:bodyPr>
-          <a:lstStyle/>
-          <a:p>
-            <a:r>
-              <a:rPr lang="de-AT" sz="6000" dirty="0"/>
-              <a:t>C</a:t>
             </a:r>
           </a:p>
         </p:txBody>
@@ -3759,13 +5108,13 @@
   <p:clrMapOvr>
     <a:masterClrMapping/>
   </p:clrMapOvr>
-  <mc:AlternateContent xmlns:mc="http://schemas.openxmlformats.org/markup-compatibility/2006" xmlns:p159="http://schemas.microsoft.com/office/powerpoint/2015/09/main">
-    <mc:Choice Requires="p159">
+  <mc:AlternateContent xmlns:mc="http://schemas.openxmlformats.org/markup-compatibility/2006">
+    <mc:Choice xmlns:p159="http://schemas.microsoft.com/office/powerpoint/2015/09/main" Requires="p159">
       <p:transition xmlns:p14="http://schemas.microsoft.com/office/powerpoint/2010/main" spd="slow" p14:dur="2000">
         <p159:morph option="byObject"/>
       </p:transition>
     </mc:Choice>
-    <mc:Fallback xmlns="">
+    <mc:Fallback>
       <p:transition spd="slow">
         <p:fade/>
       </p:transition>
@@ -3793,10 +5142,10 @@
       </p:grpSpPr>
       <p:sp>
         <p:nvSpPr>
-          <p:cNvPr id="5" name="Title 4">
-            <a:extLst>
-              <a:ext uri="{FF2B5EF4-FFF2-40B4-BE49-F238E27FC236}">
-                <a16:creationId xmlns:a16="http://schemas.microsoft.com/office/drawing/2014/main" id="{6CA075B7-1FC4-4EDC-9428-68F651149108}"/>
+          <p:cNvPr id="2" name="Title 1">
+            <a:extLst>
+              <a:ext uri="{FF2B5EF4-FFF2-40B4-BE49-F238E27FC236}">
+                <a16:creationId xmlns:a16="http://schemas.microsoft.com/office/drawing/2014/main" id="{551C2C9C-689F-44B0-9DBA-6B2526B6AA9F}"/>
               </a:ext>
             </a:extLst>
           </p:cNvPr>
@@ -3814,17 +5163,17 @@
           <a:p>
             <a:r>
               <a:rPr lang="de-AT" dirty="0"/>
-              <a:t>Frameworks zur Unterstützung</a:t>
-            </a:r>
-          </a:p>
-        </p:txBody>
-      </p:sp>
-      <p:sp>
-        <p:nvSpPr>
-          <p:cNvPr id="6" name="Content Placeholder 5">
-            <a:extLst>
-              <a:ext uri="{FF2B5EF4-FFF2-40B4-BE49-F238E27FC236}">
-                <a16:creationId xmlns:a16="http://schemas.microsoft.com/office/drawing/2014/main" id="{7B57A30A-1FE0-4F06-9078-02D6119F601A}"/>
+              <a:t>Model</a:t>
+            </a:r>
+          </a:p>
+        </p:txBody>
+      </p:sp>
+      <p:sp>
+        <p:nvSpPr>
+          <p:cNvPr id="3" name="Content Placeholder 2">
+            <a:extLst>
+              <a:ext uri="{FF2B5EF4-FFF2-40B4-BE49-F238E27FC236}">
+                <a16:creationId xmlns:a16="http://schemas.microsoft.com/office/drawing/2014/main" id="{253EE9E5-05EB-4031-850C-B401B49D91CE}"/>
               </a:ext>
             </a:extLst>
           </p:cNvPr>
@@ -3842,45 +5191,35 @@
           <a:p>
             <a:r>
               <a:rPr lang="de-AT" dirty="0"/>
-              <a:t>ASP.NET MVC </a:t>
+              <a:t>keine visuelle Klasse</a:t>
             </a:r>
           </a:p>
           <a:p>
             <a:r>
               <a:rPr lang="de-AT" dirty="0"/>
-              <a:t>PRISM für WPF</a:t>
-            </a:r>
-          </a:p>
-          <a:p>
-            <a:pPr lvl="1"/>
-            <a:r>
-              <a:rPr lang="de-AT" dirty="0" err="1"/>
-              <a:t>DelegateCommands</a:t>
-            </a:r>
-            <a:endParaRPr lang="de-AT" dirty="0"/>
-          </a:p>
-          <a:p>
-            <a:pPr lvl="1"/>
-            <a:r>
-              <a:rPr lang="de-AT" dirty="0" err="1"/>
-              <a:t>ObservableObjects</a:t>
-            </a:r>
-            <a:endParaRPr lang="de-AT" dirty="0"/>
-          </a:p>
-          <a:p>
-            <a:pPr marL="0" indent="0">
-              <a:buNone/>
-            </a:pPr>
-            <a:endParaRPr lang="de-AT" dirty="0"/>
+              <a:t>zuständig für die Datenhaltung</a:t>
+            </a:r>
+          </a:p>
+          <a:p>
+            <a:r>
+              <a:rPr lang="de-AT" dirty="0"/>
+              <a:t>enthält Business Logik</a:t>
+            </a:r>
+          </a:p>
+          <a:p>
+            <a:r>
+              <a:rPr lang="de-AT" dirty="0"/>
+              <a:t>Benachrichtigungen mittels Events</a:t>
+            </a:r>
           </a:p>
         </p:txBody>
       </p:sp>
       <p:pic>
         <p:nvPicPr>
-          <p:cNvPr id="3" name="Picture 2" descr="A close up of a sign&#10;&#10;Description automatically generated">
-            <a:extLst>
-              <a:ext uri="{FF2B5EF4-FFF2-40B4-BE49-F238E27FC236}">
-                <a16:creationId xmlns:a16="http://schemas.microsoft.com/office/drawing/2014/main" id="{3AA978E6-F860-475F-BD10-EB8419DC744B}"/>
+          <p:cNvPr id="5" name="Content Placeholder 5" descr="A close up of a logo&#10;&#10;Description automatically generated">
+            <a:extLst>
+              <a:ext uri="{FF2B5EF4-FFF2-40B4-BE49-F238E27FC236}">
+                <a16:creationId xmlns:a16="http://schemas.microsoft.com/office/drawing/2014/main" id="{9C3D53E7-1D00-4650-87D1-D9E02FCB3944}"/>
               </a:ext>
             </a:extLst>
           </p:cNvPr>
@@ -3903,44 +5242,8 @@
         </p:blipFill>
         <p:spPr>
           <a:xfrm>
-            <a:off x="323794" y="5018222"/>
-            <a:ext cx="3460806" cy="1579428"/>
-          </a:xfrm>
-          <a:prstGeom prst="rect">
-            <a:avLst/>
-          </a:prstGeom>
-        </p:spPr>
-      </p:pic>
-      <p:pic>
-        <p:nvPicPr>
-          <p:cNvPr id="7" name="Picture 6" descr="A close up of a logo&#10;&#10;Description automatically generated">
-            <a:extLst>
-              <a:ext uri="{FF2B5EF4-FFF2-40B4-BE49-F238E27FC236}">
-                <a16:creationId xmlns:a16="http://schemas.microsoft.com/office/drawing/2014/main" id="{670DEC55-FAA2-4DA7-8F96-12644B8C413B}"/>
-              </a:ext>
-            </a:extLst>
-          </p:cNvPr>
-          <p:cNvPicPr>
-            <a:picLocks noChangeAspect="1"/>
-          </p:cNvPicPr>
-          <p:nvPr/>
-        </p:nvPicPr>
-        <p:blipFill>
-          <a:blip r:embed="rId3">
-            <a:extLst>
-              <a:ext uri="{28A0092B-C50C-407E-A947-70E740481C1C}">
-                <a14:useLocalDpi xmlns:a14="http://schemas.microsoft.com/office/drawing/2010/main" val="0"/>
-              </a:ext>
-            </a:extLst>
-          </a:blip>
-          <a:stretch>
-            <a:fillRect/>
-          </a:stretch>
-        </p:blipFill>
-        <p:spPr>
-          <a:xfrm>
-            <a:off x="3873500" y="4648200"/>
-            <a:ext cx="3698410" cy="2209800"/>
+            <a:off x="7265773" y="4001294"/>
+            <a:ext cx="4926227" cy="2130593"/>
           </a:xfrm>
           <a:prstGeom prst="rect">
             <a:avLst/>
@@ -3950,20 +5253,20 @@
     </p:spTree>
     <p:extLst>
       <p:ext uri="{BB962C8B-B14F-4D97-AF65-F5344CB8AC3E}">
-        <p14:creationId xmlns:p14="http://schemas.microsoft.com/office/powerpoint/2010/main" val="2974008503"/>
+        <p14:creationId xmlns:p14="http://schemas.microsoft.com/office/powerpoint/2010/main" val="2506933209"/>
       </p:ext>
     </p:extLst>
   </p:cSld>
   <p:clrMapOvr>
     <a:masterClrMapping/>
   </p:clrMapOvr>
-  <mc:AlternateContent xmlns:mc="http://schemas.openxmlformats.org/markup-compatibility/2006" xmlns:p159="http://schemas.microsoft.com/office/powerpoint/2015/09/main">
-    <mc:Choice Requires="p159">
+  <mc:AlternateContent xmlns:mc="http://schemas.openxmlformats.org/markup-compatibility/2006">
+    <mc:Choice xmlns:p159="http://schemas.microsoft.com/office/powerpoint/2015/09/main" Requires="p159">
       <p:transition xmlns:p14="http://schemas.microsoft.com/office/powerpoint/2010/main" spd="slow" p14:dur="2000">
         <p159:morph option="byObject"/>
       </p:transition>
     </mc:Choice>
-    <mc:Fallback xmlns="">
+    <mc:Fallback>
       <p:transition spd="slow">
         <p:fade/>
       </p:transition>
@@ -3973,99 +5276,6 @@
 </file>
 
 <file path=ppt/slides/slide11.xml><?xml version="1.0" encoding="utf-8"?>
-<p:sld xmlns:a="http://schemas.openxmlformats.org/drawingml/2006/main" xmlns:r="http://schemas.openxmlformats.org/officeDocument/2006/relationships" xmlns:p="http://schemas.openxmlformats.org/presentationml/2006/main">
-  <p:cSld>
-    <p:bg>
-      <p:bgPr>
-        <a:solidFill>
-          <a:schemeClr val="bg1"/>
-        </a:solidFill>
-        <a:effectLst/>
-      </p:bgPr>
-    </p:bg>
-    <p:spTree>
-      <p:nvGrpSpPr>
-        <p:cNvPr id="1" name=""/>
-        <p:cNvGrpSpPr/>
-        <p:nvPr/>
-      </p:nvGrpSpPr>
-      <p:grpSpPr>
-        <a:xfrm>
-          <a:off x="0" y="0"/>
-          <a:ext cx="0" cy="0"/>
-          <a:chOff x="0" y="0"/>
-          <a:chExt cx="0" cy="0"/>
-        </a:xfrm>
-      </p:grpSpPr>
-      <p:pic>
-        <p:nvPicPr>
-          <p:cNvPr id="14" name="Content Placeholder 10">
-            <a:extLst>
-              <a:ext uri="{FF2B5EF4-FFF2-40B4-BE49-F238E27FC236}">
-                <a16:creationId xmlns:a16="http://schemas.microsoft.com/office/drawing/2014/main" id="{B6C10F36-CFD3-476F-BF51-60F22D1449C4}"/>
-              </a:ext>
-            </a:extLst>
-          </p:cNvPr>
-          <p:cNvPicPr>
-            <a:picLocks noGrp="1" noChangeAspect="1"/>
-          </p:cNvPicPr>
-          <p:nvPr>
-            <p:ph idx="1"/>
-          </p:nvPr>
-        </p:nvPicPr>
-        <p:blipFill>
-          <a:blip r:embed="rId2">
-            <a:clrChange>
-              <a:clrFrom>
-                <a:srgbClr val="FFFFFF"/>
-              </a:clrFrom>
-              <a:clrTo>
-                <a:srgbClr val="FFFFFF">
-                  <a:alpha val="0"/>
-                </a:srgbClr>
-              </a:clrTo>
-            </a:clrChange>
-          </a:blip>
-          <a:stretch>
-            <a:fillRect/>
-          </a:stretch>
-        </p:blipFill>
-        <p:spPr>
-          <a:xfrm>
-            <a:off x="59245" y="573600"/>
-            <a:ext cx="12132755" cy="6096708"/>
-          </a:xfrm>
-          <a:prstGeom prst="rect">
-            <a:avLst/>
-          </a:prstGeom>
-        </p:spPr>
-      </p:pic>
-    </p:spTree>
-    <p:extLst>
-      <p:ext uri="{BB962C8B-B14F-4D97-AF65-F5344CB8AC3E}">
-        <p14:creationId xmlns:p14="http://schemas.microsoft.com/office/powerpoint/2010/main" val="3431167606"/>
-      </p:ext>
-    </p:extLst>
-  </p:cSld>
-  <p:clrMapOvr>
-    <a:masterClrMapping/>
-  </p:clrMapOvr>
-  <mc:AlternateContent xmlns:mc="http://schemas.openxmlformats.org/markup-compatibility/2006" xmlns:p159="http://schemas.microsoft.com/office/powerpoint/2015/09/main">
-    <mc:Choice Requires="p159">
-      <p:transition xmlns:p14="http://schemas.microsoft.com/office/powerpoint/2010/main" spd="slow" p14:dur="2000">
-        <p159:morph option="byObject"/>
-      </p:transition>
-    </mc:Choice>
-    <mc:Fallback xmlns="">
-      <p:transition spd="slow">
-        <p:fade/>
-      </p:transition>
-    </mc:Fallback>
-  </mc:AlternateContent>
-</p:sld>
-</file>
-
-<file path=ppt/slides/slide2.xml><?xml version="1.0" encoding="utf-8"?>
 <p:sld xmlns:a="http://schemas.openxmlformats.org/drawingml/2006/main" xmlns:r="http://schemas.openxmlformats.org/officeDocument/2006/relationships" xmlns:p="http://schemas.openxmlformats.org/presentationml/2006/main">
   <p:cSld>
     <p:spTree>
@@ -4087,7 +5297,7 @@
           <p:cNvPr id="2" name="Title 1">
             <a:extLst>
               <a:ext uri="{FF2B5EF4-FFF2-40B4-BE49-F238E27FC236}">
-                <a16:creationId xmlns:a16="http://schemas.microsoft.com/office/drawing/2014/main" id="{421F0A3F-C221-47ED-8067-EFC02E3E9560}"/>
+                <a16:creationId xmlns:a16="http://schemas.microsoft.com/office/drawing/2014/main" id="{6767CDCA-EBA4-4BEE-872D-1C0D38B19410}"/>
               </a:ext>
             </a:extLst>
           </p:cNvPr>
@@ -4105,249 +5315,62 @@
           <a:p>
             <a:r>
               <a:rPr lang="de-AT" dirty="0"/>
-              <a:t>MVC</a:t>
-            </a:r>
-          </a:p>
-        </p:txBody>
-      </p:sp>
-      <p:sp>
-        <p:nvSpPr>
-          <p:cNvPr id="3" name="Content Placeholder 2">
-            <a:extLst>
-              <a:ext uri="{FF2B5EF4-FFF2-40B4-BE49-F238E27FC236}">
-                <a16:creationId xmlns:a16="http://schemas.microsoft.com/office/drawing/2014/main" id="{2113E81B-AD11-4A5D-B3A6-7DB20EABF322}"/>
-              </a:ext>
-            </a:extLst>
-          </p:cNvPr>
-          <p:cNvSpPr>
-            <a:spLocks noGrp="1"/>
-          </p:cNvSpPr>
+              <a:t>Observer</a:t>
+            </a:r>
+          </a:p>
+        </p:txBody>
+      </p:sp>
+      <p:pic>
+        <p:nvPicPr>
+          <p:cNvPr id="5" name="Content Placeholder 4" descr="A screenshot of a cell phone&#10;&#10;Description automatically generated">
+            <a:extLst>
+              <a:ext uri="{FF2B5EF4-FFF2-40B4-BE49-F238E27FC236}">
+                <a16:creationId xmlns:a16="http://schemas.microsoft.com/office/drawing/2014/main" id="{DB1E9D1F-5921-43A5-9E3E-FE9083F33B4A}"/>
+              </a:ext>
+            </a:extLst>
+          </p:cNvPr>
+          <p:cNvPicPr>
+            <a:picLocks noGrp="1" noChangeAspect="1"/>
+          </p:cNvPicPr>
           <p:nvPr>
             <p:ph idx="1"/>
           </p:nvPr>
-        </p:nvSpPr>
-        <p:spPr/>
-        <p:txBody>
-          <a:bodyPr/>
-          <a:lstStyle/>
-          <a:p>
-            <a:r>
-              <a:rPr lang="de-AT" dirty="0"/>
-              <a:t>Model, View, Controller</a:t>
-            </a:r>
-          </a:p>
-          <a:p>
-            <a:pPr lvl="1"/>
-            <a:r>
-              <a:rPr lang="de-AT" dirty="0"/>
-              <a:t>auch bekannt als MVVM, MVP</a:t>
-            </a:r>
-          </a:p>
-          <a:p>
-            <a:r>
-              <a:rPr lang="de-AT" dirty="0"/>
-              <a:t>trennt Business und </a:t>
-            </a:r>
-            <a:r>
-              <a:rPr lang="de-AT" dirty="0" err="1"/>
-              <a:t>Präsentations</a:t>
-            </a:r>
-            <a:r>
-              <a:rPr lang="de-AT" dirty="0"/>
-              <a:t> Logik voneinander</a:t>
-            </a:r>
-          </a:p>
-          <a:p>
-            <a:pPr lvl="1"/>
-            <a:r>
-              <a:rPr lang="de-AT" dirty="0"/>
-              <a:t>Teilung in drei Komponenten:</a:t>
-            </a:r>
-          </a:p>
-          <a:p>
-            <a:pPr lvl="2"/>
-            <a:r>
-              <a:rPr lang="de-AT" dirty="0"/>
-              <a:t>Model</a:t>
-            </a:r>
-          </a:p>
-          <a:p>
-            <a:pPr lvl="2"/>
-            <a:r>
-              <a:rPr lang="de-AT" dirty="0"/>
-              <a:t>View</a:t>
-            </a:r>
-          </a:p>
-          <a:p>
-            <a:pPr lvl="2"/>
-            <a:r>
-              <a:rPr lang="de-AT" dirty="0"/>
-              <a:t>Controller</a:t>
-            </a:r>
-          </a:p>
-          <a:p>
-            <a:pPr lvl="1"/>
-            <a:endParaRPr lang="de-AT" dirty="0"/>
-          </a:p>
-        </p:txBody>
-      </p:sp>
-      <p:sp>
-        <p:nvSpPr>
-          <p:cNvPr id="4" name="TextBox 3">
-            <a:extLst>
-              <a:ext uri="{FF2B5EF4-FFF2-40B4-BE49-F238E27FC236}">
-                <a16:creationId xmlns:a16="http://schemas.microsoft.com/office/drawing/2014/main" id="{54D14F4B-35DC-4F75-B80C-A7014246068A}"/>
-              </a:ext>
-            </a:extLst>
-          </p:cNvPr>
-          <p:cNvSpPr txBox="1"/>
-          <p:nvPr/>
-        </p:nvSpPr>
+        </p:nvPicPr>
+        <p:blipFill rotWithShape="1">
+          <a:blip r:embed="rId3">
+            <a:extLst>
+              <a:ext uri="{28A0092B-C50C-407E-A947-70E740481C1C}">
+                <a14:useLocalDpi xmlns:a14="http://schemas.microsoft.com/office/drawing/2010/main" val="0"/>
+              </a:ext>
+            </a:extLst>
+          </a:blip>
+          <a:srcRect b="12292"/>
+          <a:stretch/>
+        </p:blipFill>
         <p:spPr>
           <a:xfrm>
-            <a:off x="1068404" y="1761423"/>
-            <a:ext cx="492443" cy="523220"/>
+            <a:off x="1123177" y="2070954"/>
+            <a:ext cx="7699547" cy="3005498"/>
           </a:xfrm>
-          <a:prstGeom prst="rect">
-            <a:avLst/>
-          </a:prstGeom>
-          <a:noFill/>
         </p:spPr>
-        <p:txBody>
-          <a:bodyPr wrap="none" rtlCol="0">
-            <a:spAutoFit/>
-          </a:bodyPr>
-          <a:lstStyle/>
-          <a:p>
-            <a:r>
-              <a:rPr lang="de-AT" sz="2800" dirty="0"/>
-              <a:t>M</a:t>
-            </a:r>
-          </a:p>
-        </p:txBody>
-      </p:sp>
-      <p:sp>
-        <p:nvSpPr>
-          <p:cNvPr id="5" name="TextBox 4">
-            <a:extLst>
-              <a:ext uri="{FF2B5EF4-FFF2-40B4-BE49-F238E27FC236}">
-                <a16:creationId xmlns:a16="http://schemas.microsoft.com/office/drawing/2014/main" id="{C194B0E8-52D7-48C7-87FC-22E0EC88E0E6}"/>
-              </a:ext>
-            </a:extLst>
-          </p:cNvPr>
-          <p:cNvSpPr txBox="1"/>
-          <p:nvPr/>
-        </p:nvSpPr>
-        <p:spPr>
-          <a:xfrm>
-            <a:off x="2173705" y="1774043"/>
-            <a:ext cx="388248" cy="523220"/>
-          </a:xfrm>
-          <a:prstGeom prst="rect">
-            <a:avLst/>
-          </a:prstGeom>
-          <a:noFill/>
-        </p:spPr>
-        <p:txBody>
-          <a:bodyPr wrap="none" rtlCol="0">
-            <a:spAutoFit/>
-          </a:bodyPr>
-          <a:lstStyle/>
-          <a:p>
-            <a:r>
-              <a:rPr lang="de-AT" sz="2800" dirty="0"/>
-              <a:t>V</a:t>
-            </a:r>
-          </a:p>
-        </p:txBody>
-      </p:sp>
-      <p:sp>
-        <p:nvSpPr>
-          <p:cNvPr id="6" name="TextBox 5">
-            <a:extLst>
-              <a:ext uri="{FF2B5EF4-FFF2-40B4-BE49-F238E27FC236}">
-                <a16:creationId xmlns:a16="http://schemas.microsoft.com/office/drawing/2014/main" id="{746B657B-49F5-4E5D-A261-6123E2D0919F}"/>
-              </a:ext>
-            </a:extLst>
-          </p:cNvPr>
-          <p:cNvSpPr txBox="1"/>
-          <p:nvPr/>
-        </p:nvSpPr>
-        <p:spPr>
-          <a:xfrm>
-            <a:off x="3027078" y="1782144"/>
-            <a:ext cx="375424" cy="523220"/>
-          </a:xfrm>
-          <a:prstGeom prst="rect">
-            <a:avLst/>
-          </a:prstGeom>
-          <a:noFill/>
-        </p:spPr>
-        <p:txBody>
-          <a:bodyPr wrap="none" rtlCol="0">
-            <a:spAutoFit/>
-          </a:bodyPr>
-          <a:lstStyle/>
-          <a:p>
-            <a:r>
-              <a:rPr lang="de-AT" sz="2800" dirty="0"/>
-              <a:t>C</a:t>
-            </a:r>
-          </a:p>
-        </p:txBody>
-      </p:sp>
-      <p:sp>
-        <p:nvSpPr>
-          <p:cNvPr id="7" name="TextBox 6">
-            <a:extLst>
-              <a:ext uri="{FF2B5EF4-FFF2-40B4-BE49-F238E27FC236}">
-                <a16:creationId xmlns:a16="http://schemas.microsoft.com/office/drawing/2014/main" id="{412AFD5E-1521-4E68-A5FB-8DE00A3BD501}"/>
-              </a:ext>
-            </a:extLst>
-          </p:cNvPr>
-          <p:cNvSpPr txBox="1"/>
-          <p:nvPr/>
-        </p:nvSpPr>
-        <p:spPr>
-          <a:xfrm>
-            <a:off x="830981" y="606391"/>
-            <a:ext cx="1284198" cy="769441"/>
-          </a:xfrm>
-          <a:prstGeom prst="rect">
-            <a:avLst/>
-          </a:prstGeom>
-          <a:noFill/>
-        </p:spPr>
-        <p:txBody>
-          <a:bodyPr wrap="none" rtlCol="0">
-            <a:spAutoFit/>
-          </a:bodyPr>
-          <a:lstStyle/>
-          <a:p>
-            <a:r>
-              <a:rPr lang="de-AT" sz="4400" dirty="0"/>
-              <a:t>MVC</a:t>
-            </a:r>
-          </a:p>
-        </p:txBody>
-      </p:sp>
+      </p:pic>
     </p:spTree>
     <p:extLst>
       <p:ext uri="{BB962C8B-B14F-4D97-AF65-F5344CB8AC3E}">
-        <p14:creationId xmlns:p14="http://schemas.microsoft.com/office/powerpoint/2010/main" val="3168909579"/>
+        <p14:creationId xmlns:p14="http://schemas.microsoft.com/office/powerpoint/2010/main" val="1600274959"/>
       </p:ext>
     </p:extLst>
   </p:cSld>
   <p:clrMapOvr>
     <a:masterClrMapping/>
   </p:clrMapOvr>
-  <mc:AlternateContent xmlns:mc="http://schemas.openxmlformats.org/markup-compatibility/2006" xmlns:p159="http://schemas.microsoft.com/office/powerpoint/2015/09/main">
-    <mc:Choice Requires="p159">
+  <mc:AlternateContent xmlns:mc="http://schemas.openxmlformats.org/markup-compatibility/2006">
+    <mc:Choice xmlns:p159="http://schemas.microsoft.com/office/powerpoint/2015/09/main" Requires="p159">
       <p:transition xmlns:p14="http://schemas.microsoft.com/office/powerpoint/2010/main" spd="slow" p14:dur="2000">
         <p159:morph option="byObject"/>
       </p:transition>
     </mc:Choice>
-    <mc:Fallback xmlns="">
+    <mc:Fallback>
       <p:transition spd="slow">
         <p:fade/>
       </p:transition>
@@ -4356,7 +5379,7 @@
 </p:sld>
 </file>
 
-<file path=ppt/slides/slide3.xml><?xml version="1.0" encoding="utf-8"?>
+<file path=ppt/slides/slide12.xml><?xml version="1.0" encoding="utf-8"?>
 <p:sld xmlns:a="http://schemas.openxmlformats.org/drawingml/2006/main" xmlns:r="http://schemas.openxmlformats.org/officeDocument/2006/relationships" xmlns:p="http://schemas.openxmlformats.org/presentationml/2006/main">
   <p:cSld>
     <p:spTree>
@@ -4378,7 +5401,7 @@
           <p:cNvPr id="2" name="Title 1">
             <a:extLst>
               <a:ext uri="{FF2B5EF4-FFF2-40B4-BE49-F238E27FC236}">
-                <a16:creationId xmlns:a16="http://schemas.microsoft.com/office/drawing/2014/main" id="{317A6127-5EAB-40CD-A9E9-8E316D44F70E}"/>
+                <a16:creationId xmlns:a16="http://schemas.microsoft.com/office/drawing/2014/main" id="{1203B5BF-8ED1-474E-91C8-4F02CA4454A9}"/>
               </a:ext>
             </a:extLst>
           </p:cNvPr>
@@ -4388,425 +5411,10 @@
           <p:nvPr>
             <p:ph type="title"/>
           </p:nvPr>
-        </p:nvSpPr>
-        <p:spPr/>
-        <p:txBody>
-          <a:bodyPr/>
-          <a:lstStyle/>
-          <a:p>
-            <a:r>
-              <a:rPr lang="de-AT" dirty="0"/>
-              <a:t>Ziele von MVC</a:t>
-            </a:r>
-          </a:p>
-        </p:txBody>
-      </p:sp>
-      <p:sp>
-        <p:nvSpPr>
-          <p:cNvPr id="3" name="Content Placeholder 2">
-            <a:extLst>
-              <a:ext uri="{FF2B5EF4-FFF2-40B4-BE49-F238E27FC236}">
-                <a16:creationId xmlns:a16="http://schemas.microsoft.com/office/drawing/2014/main" id="{2D8EDF36-5029-477B-AFB1-513356A2C37D}"/>
-              </a:ext>
-            </a:extLst>
-          </p:cNvPr>
-          <p:cNvSpPr>
-            <a:spLocks noGrp="1"/>
-          </p:cNvSpPr>
-          <p:nvPr>
-            <p:ph idx="1"/>
-          </p:nvPr>
-        </p:nvSpPr>
-        <p:spPr/>
-        <p:txBody>
-          <a:bodyPr/>
-          <a:lstStyle/>
-          <a:p>
-            <a:r>
-              <a:rPr lang="de-DE" dirty="0"/>
-              <a:t>leichte Änderungen</a:t>
-            </a:r>
-          </a:p>
-          <a:p>
-            <a:pPr lvl="1"/>
-            <a:r>
-              <a:rPr lang="de-DE" dirty="0"/>
-              <a:t>z.B. bei der View</a:t>
-            </a:r>
-          </a:p>
-          <a:p>
-            <a:r>
-              <a:rPr lang="de-DE" dirty="0"/>
-              <a:t>Erweiterung </a:t>
-            </a:r>
-          </a:p>
-          <a:p>
-            <a:r>
-              <a:rPr lang="de-DE" dirty="0"/>
-              <a:t>Wiederverwendbarkeit der Komponenten </a:t>
-            </a:r>
-          </a:p>
-          <a:p>
-            <a:endParaRPr lang="de-AT" dirty="0"/>
-          </a:p>
-        </p:txBody>
-      </p:sp>
-      <p:sp>
-        <p:nvSpPr>
-          <p:cNvPr id="4" name="TextBox 3">
-            <a:extLst>
-              <a:ext uri="{FF2B5EF4-FFF2-40B4-BE49-F238E27FC236}">
-                <a16:creationId xmlns:a16="http://schemas.microsoft.com/office/drawing/2014/main" id="{6371CE2E-4478-4135-AD06-7F6C54FBE74E}"/>
-              </a:ext>
-            </a:extLst>
-          </p:cNvPr>
-          <p:cNvSpPr txBox="1"/>
-          <p:nvPr/>
         </p:nvSpPr>
         <p:spPr>
           <a:xfrm>
-            <a:off x="2955089" y="616695"/>
-            <a:ext cx="1284198" cy="769441"/>
-          </a:xfrm>
-          <a:prstGeom prst="rect">
-            <a:avLst/>
-          </a:prstGeom>
-          <a:noFill/>
-        </p:spPr>
-        <p:txBody>
-          <a:bodyPr wrap="none" rtlCol="0">
-            <a:spAutoFit/>
-          </a:bodyPr>
-          <a:lstStyle/>
-          <a:p>
-            <a:r>
-              <a:rPr lang="de-AT" sz="4400" dirty="0"/>
-              <a:t>MVC</a:t>
-            </a:r>
-          </a:p>
-        </p:txBody>
-      </p:sp>
-      <p:sp>
-        <p:nvSpPr>
-          <p:cNvPr id="5" name="TextBox 4">
-            <a:extLst>
-              <a:ext uri="{FF2B5EF4-FFF2-40B4-BE49-F238E27FC236}">
-                <a16:creationId xmlns:a16="http://schemas.microsoft.com/office/drawing/2014/main" id="{6CF35C1F-F3FC-4FFD-88D7-D7C3A7E8E210}"/>
-              </a:ext>
-            </a:extLst>
-          </p:cNvPr>
-          <p:cNvSpPr txBox="1"/>
-          <p:nvPr/>
-        </p:nvSpPr>
-        <p:spPr>
-          <a:xfrm>
-            <a:off x="5045342" y="3191486"/>
-            <a:ext cx="2254913" cy="523220"/>
-          </a:xfrm>
-          <a:prstGeom prst="rect">
-            <a:avLst/>
-          </a:prstGeom>
-          <a:noFill/>
-        </p:spPr>
-        <p:txBody>
-          <a:bodyPr wrap="none" rtlCol="0">
-            <a:spAutoFit/>
-          </a:bodyPr>
-          <a:lstStyle/>
-          <a:p>
-            <a:r>
-              <a:rPr lang="de-AT" sz="2800" dirty="0"/>
-              <a:t>Komponenten</a:t>
-            </a:r>
-          </a:p>
-        </p:txBody>
-      </p:sp>
-    </p:spTree>
-    <p:extLst>
-      <p:ext uri="{BB962C8B-B14F-4D97-AF65-F5344CB8AC3E}">
-        <p14:creationId xmlns:p14="http://schemas.microsoft.com/office/powerpoint/2010/main" val="3637949213"/>
-      </p:ext>
-    </p:extLst>
-  </p:cSld>
-  <p:clrMapOvr>
-    <a:masterClrMapping/>
-  </p:clrMapOvr>
-  <mc:AlternateContent xmlns:mc="http://schemas.openxmlformats.org/markup-compatibility/2006" xmlns:p159="http://schemas.microsoft.com/office/powerpoint/2015/09/main">
-    <mc:Choice Requires="p159">
-      <p:transition xmlns:p14="http://schemas.microsoft.com/office/powerpoint/2010/main" spd="slow" p14:dur="2000">
-        <p159:morph option="byObject"/>
-      </p:transition>
-    </mc:Choice>
-    <mc:Fallback xmlns="">
-      <p:transition spd="slow">
-        <p:fade/>
-      </p:transition>
-    </mc:Fallback>
-  </mc:AlternateContent>
-</p:sld>
-</file>
-
-<file path=ppt/slides/slide4.xml><?xml version="1.0" encoding="utf-8"?>
-<p:sld xmlns:a="http://schemas.openxmlformats.org/drawingml/2006/main" xmlns:r="http://schemas.openxmlformats.org/officeDocument/2006/relationships" xmlns:p="http://schemas.openxmlformats.org/presentationml/2006/main">
-  <p:cSld>
-    <p:spTree>
-      <p:nvGrpSpPr>
-        <p:cNvPr id="1" name=""/>
-        <p:cNvGrpSpPr/>
-        <p:nvPr/>
-      </p:nvGrpSpPr>
-      <p:grpSpPr>
-        <a:xfrm>
-          <a:off x="0" y="0"/>
-          <a:ext cx="0" cy="0"/>
-          <a:chOff x="0" y="0"/>
-          <a:chExt cx="0" cy="0"/>
-        </a:xfrm>
-      </p:grpSpPr>
-      <p:sp>
-        <p:nvSpPr>
-          <p:cNvPr id="4" name="Title 3">
-            <a:extLst>
-              <a:ext uri="{FF2B5EF4-FFF2-40B4-BE49-F238E27FC236}">
-                <a16:creationId xmlns:a16="http://schemas.microsoft.com/office/drawing/2014/main" id="{CF3597E7-3DB9-422F-BC9A-8B9BAB0E615C}"/>
-              </a:ext>
-            </a:extLst>
-          </p:cNvPr>
-          <p:cNvSpPr>
-            <a:spLocks noGrp="1"/>
-          </p:cNvSpPr>
-          <p:nvPr>
-            <p:ph type="title"/>
-          </p:nvPr>
-        </p:nvSpPr>
-        <p:spPr/>
-        <p:txBody>
-          <a:bodyPr/>
-          <a:lstStyle/>
-          <a:p>
-            <a:r>
-              <a:rPr lang="de-AT" dirty="0"/>
-              <a:t>Komponenten</a:t>
-            </a:r>
-          </a:p>
-        </p:txBody>
-      </p:sp>
-      <p:sp>
-        <p:nvSpPr>
-          <p:cNvPr id="5" name="Text Placeholder 4">
-            <a:extLst>
-              <a:ext uri="{FF2B5EF4-FFF2-40B4-BE49-F238E27FC236}">
-                <a16:creationId xmlns:a16="http://schemas.microsoft.com/office/drawing/2014/main" id="{360643E2-524E-4476-ADA4-9AB04D7C9EB1}"/>
-              </a:ext>
-            </a:extLst>
-          </p:cNvPr>
-          <p:cNvSpPr>
-            <a:spLocks noGrp="1"/>
-          </p:cNvSpPr>
-          <p:nvPr>
-            <p:ph type="body" idx="1"/>
-          </p:nvPr>
-        </p:nvSpPr>
-        <p:spPr/>
-        <p:txBody>
-          <a:bodyPr/>
-          <a:lstStyle/>
-          <a:p>
-            <a:r>
-              <a:rPr lang="de-AT" dirty="0"/>
-              <a:t>View</a:t>
-            </a:r>
-          </a:p>
-          <a:p>
-            <a:r>
-              <a:rPr lang="de-AT" dirty="0"/>
-              <a:t>Controller</a:t>
-            </a:r>
-          </a:p>
-          <a:p>
-            <a:r>
-              <a:rPr lang="de-AT" dirty="0"/>
-              <a:t>Model</a:t>
-            </a:r>
-          </a:p>
-        </p:txBody>
-      </p:sp>
-      <p:sp>
-        <p:nvSpPr>
-          <p:cNvPr id="6" name="TextBox 5">
-            <a:extLst>
-              <a:ext uri="{FF2B5EF4-FFF2-40B4-BE49-F238E27FC236}">
-                <a16:creationId xmlns:a16="http://schemas.microsoft.com/office/drawing/2014/main" id="{4905157D-D8A5-4B89-8DA0-3C7FFFDFB3CE}"/>
-              </a:ext>
-            </a:extLst>
-          </p:cNvPr>
-          <p:cNvSpPr txBox="1"/>
-          <p:nvPr/>
-        </p:nvSpPr>
-        <p:spPr>
-          <a:xfrm>
-            <a:off x="810126" y="3566971"/>
-            <a:ext cx="4619726" cy="1015663"/>
-          </a:xfrm>
-          <a:prstGeom prst="rect">
-            <a:avLst/>
-          </a:prstGeom>
-          <a:noFill/>
-        </p:spPr>
-        <p:txBody>
-          <a:bodyPr wrap="none" rtlCol="0">
-            <a:spAutoFit/>
-          </a:bodyPr>
-          <a:lstStyle/>
-          <a:p>
-            <a:r>
-              <a:rPr lang="de-AT" sz="6000" dirty="0"/>
-              <a:t>Komponenten</a:t>
-            </a:r>
-          </a:p>
-        </p:txBody>
-      </p:sp>
-      <p:sp>
-        <p:nvSpPr>
-          <p:cNvPr id="7" name="TextBox 6">
-            <a:extLst>
-              <a:ext uri="{FF2B5EF4-FFF2-40B4-BE49-F238E27FC236}">
-                <a16:creationId xmlns:a16="http://schemas.microsoft.com/office/drawing/2014/main" id="{589B9B66-9897-4237-B26A-C711BC3B0AD0}"/>
-              </a:ext>
-            </a:extLst>
-          </p:cNvPr>
-          <p:cNvSpPr txBox="1"/>
-          <p:nvPr/>
-        </p:nvSpPr>
-        <p:spPr>
-          <a:xfrm>
-            <a:off x="837398" y="4553758"/>
-            <a:ext cx="801951" cy="461665"/>
-          </a:xfrm>
-          <a:prstGeom prst="rect">
-            <a:avLst/>
-          </a:prstGeom>
-          <a:noFill/>
-        </p:spPr>
-        <p:txBody>
-          <a:bodyPr wrap="none" rtlCol="0">
-            <a:spAutoFit/>
-          </a:bodyPr>
-          <a:lstStyle/>
-          <a:p>
-            <a:r>
-              <a:rPr lang="de-AT" sz="2400" dirty="0">
-                <a:solidFill>
-                  <a:schemeClr val="tx1">
-                    <a:tint val="75000"/>
-                  </a:schemeClr>
-                </a:solidFill>
-              </a:rPr>
-              <a:t>View</a:t>
-            </a:r>
-          </a:p>
-        </p:txBody>
-      </p:sp>
-    </p:spTree>
-    <p:extLst>
-      <p:ext uri="{BB962C8B-B14F-4D97-AF65-F5344CB8AC3E}">
-        <p14:creationId xmlns:p14="http://schemas.microsoft.com/office/powerpoint/2010/main" val="3223793115"/>
-      </p:ext>
-    </p:extLst>
-  </p:cSld>
-  <p:clrMapOvr>
-    <a:masterClrMapping/>
-  </p:clrMapOvr>
-  <mc:AlternateContent xmlns:mc="http://schemas.openxmlformats.org/markup-compatibility/2006" xmlns:p159="http://schemas.microsoft.com/office/powerpoint/2015/09/main">
-    <mc:Choice Requires="p159">
-      <p:transition xmlns:p14="http://schemas.microsoft.com/office/powerpoint/2010/main" spd="slow" p14:dur="2000">
-        <p159:morph option="byObject"/>
-      </p:transition>
-    </mc:Choice>
-    <mc:Fallback xmlns="">
-      <p:transition spd="slow">
-        <p:fade/>
-      </p:transition>
-    </mc:Fallback>
-  </mc:AlternateContent>
-</p:sld>
-</file>
-
-<file path=ppt/slides/slide5.xml><?xml version="1.0" encoding="utf-8"?>
-<p:sld xmlns:a="http://schemas.openxmlformats.org/drawingml/2006/main" xmlns:r="http://schemas.openxmlformats.org/officeDocument/2006/relationships" xmlns:p="http://schemas.openxmlformats.org/presentationml/2006/main">
-  <p:cSld>
-    <p:spTree>
-      <p:nvGrpSpPr>
-        <p:cNvPr id="1" name=""/>
-        <p:cNvGrpSpPr/>
-        <p:nvPr/>
-      </p:nvGrpSpPr>
-      <p:grpSpPr>
-        <a:xfrm>
-          <a:off x="0" y="0"/>
-          <a:ext cx="0" cy="0"/>
-          <a:chOff x="0" y="0"/>
-          <a:chExt cx="0" cy="0"/>
-        </a:xfrm>
-      </p:grpSpPr>
-      <p:sp>
-        <p:nvSpPr>
-          <p:cNvPr id="7" name="TextBox 6">
-            <a:extLst>
-              <a:ext uri="{FF2B5EF4-FFF2-40B4-BE49-F238E27FC236}">
-                <a16:creationId xmlns:a16="http://schemas.microsoft.com/office/drawing/2014/main" id="{0FDF70C9-6690-438B-97FD-8A60697FFD3C}"/>
-              </a:ext>
-            </a:extLst>
-          </p:cNvPr>
-          <p:cNvSpPr txBox="1"/>
-          <p:nvPr/>
-        </p:nvSpPr>
-        <p:spPr>
-          <a:xfrm>
-            <a:off x="827774" y="607400"/>
-            <a:ext cx="1316835" cy="769441"/>
-          </a:xfrm>
-          <a:prstGeom prst="rect">
-            <a:avLst/>
-          </a:prstGeom>
-          <a:noFill/>
-        </p:spPr>
-        <p:txBody>
-          <a:bodyPr wrap="none" rtlCol="0">
-            <a:spAutoFit/>
-          </a:bodyPr>
-          <a:lstStyle/>
-          <a:p>
-            <a:r>
-              <a:rPr lang="de-AT" sz="4400" dirty="0">
-                <a:latin typeface="+mj-lt"/>
-                <a:ea typeface="+mj-ea"/>
-                <a:cs typeface="+mj-cs"/>
-              </a:rPr>
-              <a:t>View</a:t>
-            </a:r>
-          </a:p>
-        </p:txBody>
-      </p:sp>
-      <p:sp>
-        <p:nvSpPr>
-          <p:cNvPr id="2" name="Title 1">
-            <a:extLst>
-              <a:ext uri="{FF2B5EF4-FFF2-40B4-BE49-F238E27FC236}">
-                <a16:creationId xmlns:a16="http://schemas.microsoft.com/office/drawing/2014/main" id="{1203B5BF-8ED1-474E-91C8-4F02CA4454A9}"/>
-              </a:ext>
-            </a:extLst>
-          </p:cNvPr>
-          <p:cNvSpPr>
-            <a:spLocks noGrp="1"/>
-          </p:cNvSpPr>
-          <p:nvPr>
-            <p:ph type="title"/>
-          </p:nvPr>
-        </p:nvSpPr>
-        <p:spPr>
-          <a:xfrm>
-            <a:off x="825397" y="362530"/>
+            <a:off x="838200" y="365124"/>
             <a:ext cx="10515600" cy="1325563"/>
           </a:xfrm>
         </p:spPr>
@@ -4839,7 +5447,12 @@
             <p:ph idx="1"/>
           </p:nvPr>
         </p:nvSpPr>
-        <p:spPr/>
+        <p:spPr>
+          <a:xfrm>
+            <a:off x="838200" y="1825625"/>
+            <a:ext cx="10515600" cy="4351338"/>
+          </a:xfrm>
+        </p:spPr>
         <p:txBody>
           <a:bodyPr/>
           <a:lstStyle/>
@@ -4850,21 +5463,6 @@
             </a:r>
           </a:p>
           <a:p>
-            <a:pPr lvl="1"/>
-            <a:r>
-              <a:rPr lang="de-AT" dirty="0"/>
-              <a:t>Page, </a:t>
-            </a:r>
-            <a:r>
-              <a:rPr lang="de-AT" dirty="0" err="1"/>
-              <a:t>Window</a:t>
-            </a:r>
-            <a:r>
-              <a:rPr lang="de-AT" dirty="0"/>
-              <a:t>, Data Template, ...</a:t>
-            </a:r>
-          </a:p>
-          <a:p>
             <a:r>
               <a:rPr lang="de-AT" dirty="0"/>
               <a:t>zuständig für die </a:t>
@@ -4877,37 +5475,9 @@
           <a:p>
             <a:r>
               <a:rPr lang="de-AT" dirty="0"/>
-              <a:t>referenziert den Controller durch den </a:t>
-            </a:r>
-            <a:r>
-              <a:rPr lang="de-AT" b="1" dirty="0" err="1"/>
-              <a:t>DataContext</a:t>
+              <a:t>referenziert den Controller</a:t>
             </a:r>
             <a:endParaRPr lang="de-AT" b="1" dirty="0"/>
-          </a:p>
-          <a:p>
-            <a:r>
-              <a:rPr lang="de-AT" dirty="0"/>
-              <a:t>verwendet </a:t>
-            </a:r>
-            <a:r>
-              <a:rPr lang="de-AT" dirty="0" err="1"/>
-              <a:t>DataBinding</a:t>
-            </a:r>
-            <a:endParaRPr lang="de-AT" dirty="0"/>
-          </a:p>
-          <a:p>
-            <a:pPr lvl="1"/>
-            <a:r>
-              <a:rPr lang="de-AT" dirty="0"/>
-              <a:t>Properties oder Commands vom Controller</a:t>
-            </a:r>
-          </a:p>
-          <a:p>
-            <a:r>
-              <a:rPr lang="de-AT" dirty="0"/>
-              <a:t>im Code-Behind File so wenig Code wie möglich</a:t>
-            </a:r>
           </a:p>
           <a:p>
             <a:pPr lvl="1"/>
@@ -4979,8 +5549,104 @@
         </p:blipFill>
         <p:spPr>
           <a:xfrm>
-            <a:off x="10105471" y="1027906"/>
+            <a:off x="10105471" y="1490205"/>
             <a:ext cx="1938795" cy="1938795"/>
+          </a:xfrm>
+          <a:prstGeom prst="rect">
+            <a:avLst/>
+          </a:prstGeom>
+        </p:spPr>
+      </p:pic>
+      <p:pic>
+        <p:nvPicPr>
+          <p:cNvPr id="7" name="Content Placeholder 5" descr="A close up of a logo&#10;&#10;Description automatically generated">
+            <a:extLst>
+              <a:ext uri="{FF2B5EF4-FFF2-40B4-BE49-F238E27FC236}">
+                <a16:creationId xmlns:a16="http://schemas.microsoft.com/office/drawing/2014/main" id="{1B64573B-3A54-42DE-A33D-DFE23ADFC0B8}"/>
+              </a:ext>
+            </a:extLst>
+          </p:cNvPr>
+          <p:cNvPicPr>
+            <a:picLocks noChangeAspect="1"/>
+          </p:cNvPicPr>
+          <p:nvPr/>
+        </p:nvPicPr>
+        <p:blipFill>
+          <a:blip r:embed="rId4">
+            <a:extLst>
+              <a:ext uri="{28A0092B-C50C-407E-A947-70E740481C1C}">
+                <a14:useLocalDpi xmlns:a14="http://schemas.microsoft.com/office/drawing/2010/main" val="0"/>
+              </a:ext>
+            </a:extLst>
+          </a:blip>
+          <a:stretch>
+            <a:fillRect/>
+          </a:stretch>
+        </p:blipFill>
+        <p:spPr>
+          <a:xfrm>
+            <a:off x="7265773" y="4001294"/>
+            <a:ext cx="4926227" cy="2130593"/>
+          </a:xfrm>
+          <a:prstGeom prst="rect">
+            <a:avLst/>
+          </a:prstGeom>
+        </p:spPr>
+      </p:pic>
+      <p:pic>
+        <p:nvPicPr>
+          <p:cNvPr id="5" name="Picture 4">
+            <a:extLst>
+              <a:ext uri="{FF2B5EF4-FFF2-40B4-BE49-F238E27FC236}">
+                <a16:creationId xmlns:a16="http://schemas.microsoft.com/office/drawing/2014/main" id="{C59405A7-9681-429A-891F-8B56B5056DD4}"/>
+              </a:ext>
+            </a:extLst>
+          </p:cNvPr>
+          <p:cNvPicPr>
+            <a:picLocks noChangeAspect="1"/>
+          </p:cNvPicPr>
+          <p:nvPr/>
+        </p:nvPicPr>
+        <p:blipFill>
+          <a:blip r:embed="rId5"/>
+          <a:stretch>
+            <a:fillRect/>
+          </a:stretch>
+        </p:blipFill>
+        <p:spPr>
+          <a:xfrm>
+            <a:off x="7136284" y="151605"/>
+            <a:ext cx="1428750" cy="876300"/>
+          </a:xfrm>
+          <a:prstGeom prst="rect">
+            <a:avLst/>
+          </a:prstGeom>
+        </p:spPr>
+      </p:pic>
+      <p:pic>
+        <p:nvPicPr>
+          <p:cNvPr id="8" name="Picture 7">
+            <a:extLst>
+              <a:ext uri="{FF2B5EF4-FFF2-40B4-BE49-F238E27FC236}">
+                <a16:creationId xmlns:a16="http://schemas.microsoft.com/office/drawing/2014/main" id="{95AD10BA-719F-4E80-83C6-BC2ACF6505D5}"/>
+              </a:ext>
+            </a:extLst>
+          </p:cNvPr>
+          <p:cNvPicPr>
+            <a:picLocks noChangeAspect="1"/>
+          </p:cNvPicPr>
+          <p:nvPr/>
+        </p:nvPicPr>
+        <p:blipFill>
+          <a:blip r:embed="rId6"/>
+          <a:stretch>
+            <a:fillRect/>
+          </a:stretch>
+        </p:blipFill>
+        <p:spPr>
+          <a:xfrm>
+            <a:off x="8565034" y="47890"/>
+            <a:ext cx="1200150" cy="1048544"/>
           </a:xfrm>
           <a:prstGeom prst="rect">
             <a:avLst/>
@@ -4997,13 +5663,13 @@
   <p:clrMapOvr>
     <a:masterClrMapping/>
   </p:clrMapOvr>
-  <mc:AlternateContent xmlns:mc="http://schemas.openxmlformats.org/markup-compatibility/2006" xmlns:p159="http://schemas.microsoft.com/office/powerpoint/2015/09/main">
-    <mc:Choice Requires="p159">
+  <mc:AlternateContent xmlns:mc="http://schemas.openxmlformats.org/markup-compatibility/2006">
+    <mc:Choice xmlns:p159="http://schemas.microsoft.com/office/powerpoint/2015/09/main" Requires="p159">
       <p:transition xmlns:p14="http://schemas.microsoft.com/office/powerpoint/2010/main" spd="slow" p14:dur="2000">
         <p159:morph option="byObject"/>
       </p:transition>
     </mc:Choice>
-    <mc:Fallback xmlns="">
+    <mc:Fallback>
       <p:transition spd="slow">
         <p:fade/>
       </p:transition>
@@ -5107,6 +5773,78 @@
                       </p:childTnLst>
                     </p:cTn>
                   </p:par>
+                  <p:par>
+                    <p:cTn id="11" fill="hold">
+                      <p:stCondLst>
+                        <p:cond delay="indefinite"/>
+                      </p:stCondLst>
+                      <p:childTnLst>
+                        <p:par>
+                          <p:cTn id="12" fill="hold">
+                            <p:stCondLst>
+                              <p:cond delay="0"/>
+                            </p:stCondLst>
+                            <p:childTnLst>
+                              <p:par>
+                                <p:cTn id="13" presetID="1" presetClass="entr" presetSubtype="0" fill="hold" nodeType="clickEffect">
+                                  <p:stCondLst>
+                                    <p:cond delay="0"/>
+                                  </p:stCondLst>
+                                  <p:childTnLst>
+                                    <p:set>
+                                      <p:cBhvr>
+                                        <p:cTn id="14" dur="1" fill="hold">
+                                          <p:stCondLst>
+                                            <p:cond delay="0"/>
+                                          </p:stCondLst>
+                                        </p:cTn>
+                                        <p:tgtEl>
+                                          <p:spTgt spid="8"/>
+                                        </p:tgtEl>
+                                        <p:attrNameLst>
+                                          <p:attrName>style.visibility</p:attrName>
+                                        </p:attrNameLst>
+                                      </p:cBhvr>
+                                      <p:to>
+                                        <p:strVal val="visible"/>
+                                      </p:to>
+                                    </p:set>
+                                  </p:childTnLst>
+                                </p:cTn>
+                              </p:par>
+                              <p:par>
+                                <p:cTn id="15" presetID="1" presetClass="entr" presetSubtype="0" fill="hold" nodeType="withEffect">
+                                  <p:stCondLst>
+                                    <p:cond delay="0"/>
+                                  </p:stCondLst>
+                                  <p:childTnLst>
+                                    <p:set>
+                                      <p:cBhvr>
+                                        <p:cTn id="16" dur="1" fill="hold">
+                                          <p:stCondLst>
+                                            <p:cond delay="0"/>
+                                          </p:stCondLst>
+                                        </p:cTn>
+                                        <p:tgtEl>
+                                          <p:spTgt spid="5"/>
+                                        </p:tgtEl>
+                                        <p:attrNameLst>
+                                          <p:attrName>style.visibility</p:attrName>
+                                        </p:attrNameLst>
+                                      </p:cBhvr>
+                                      <p:to>
+                                        <p:strVal val="visible"/>
+                                      </p:to>
+                                    </p:set>
+                                  </p:childTnLst>
+                                </p:cTn>
+                              </p:par>
+                            </p:childTnLst>
+                          </p:cTn>
+                        </p:par>
+                      </p:childTnLst>
+                    </p:cTn>
+                  </p:par>
                 </p:childTnLst>
               </p:cTn>
               <p:prevCondLst>
@@ -5132,7 +5870,7 @@
 </p:sld>
 </file>
 
-<file path=ppt/slides/slide6.xml><?xml version="1.0" encoding="utf-8"?>
+<file path=ppt/slides/slide13.xml><?xml version="1.0" encoding="utf-8"?>
 <p:sld xmlns:a="http://schemas.openxmlformats.org/drawingml/2006/main" xmlns:r="http://schemas.openxmlformats.org/officeDocument/2006/relationships" xmlns:p="http://schemas.openxmlformats.org/presentationml/2006/main">
   <p:cSld>
     <p:spTree>
@@ -5206,36 +5944,7 @@
           <a:p>
             <a:r>
               <a:rPr lang="de-AT" dirty="0"/>
-              <a:t>kennt keine View</a:t>
-            </a:r>
-          </a:p>
-          <a:p>
-            <a:pPr lvl="1"/>
-            <a:r>
-              <a:rPr lang="de-AT" dirty="0"/>
-              <a:t>enthält Properties und Commands</a:t>
-            </a:r>
-          </a:p>
-          <a:p>
-            <a:pPr lvl="1"/>
-            <a:r>
-              <a:rPr lang="de-AT" dirty="0"/>
-              <a:t>enthält Instanz von verschiedenen Models</a:t>
-            </a:r>
-          </a:p>
-          <a:p>
-            <a:pPr lvl="1"/>
-            <a:r>
-              <a:rPr lang="de-AT" dirty="0"/>
-              <a:t>benachrichtigt Views mit Events (z.B. </a:t>
-            </a:r>
-            <a:r>
-              <a:rPr lang="de-AT" dirty="0" err="1"/>
-              <a:t>INotifyPropertyChanged</a:t>
-            </a:r>
-            <a:r>
-              <a:rPr lang="de-AT" dirty="0"/>
-              <a:t>)</a:t>
+              <a:t>Instanz von Models</a:t>
             </a:r>
           </a:p>
           <a:p>
@@ -5274,49 +5983,50 @@
         </p:blipFill>
         <p:spPr>
           <a:xfrm>
-            <a:off x="7671717" y="125129"/>
-            <a:ext cx="4433656" cy="2401564"/>
+            <a:off x="340823" y="4001294"/>
+            <a:ext cx="4696486" cy="2543930"/>
           </a:xfrm>
           <a:prstGeom prst="rect">
             <a:avLst/>
           </a:prstGeom>
         </p:spPr>
       </p:pic>
-      <p:sp>
-        <p:nvSpPr>
-          <p:cNvPr id="4" name="TextBox 3">
-            <a:extLst>
-              <a:ext uri="{FF2B5EF4-FFF2-40B4-BE49-F238E27FC236}">
-                <a16:creationId xmlns:a16="http://schemas.microsoft.com/office/drawing/2014/main" id="{26DE28FB-97B3-4EF0-9BF5-5938D3656A5D}"/>
-              </a:ext>
-            </a:extLst>
-          </p:cNvPr>
-          <p:cNvSpPr txBox="1"/>
+      <p:pic>
+        <p:nvPicPr>
+          <p:cNvPr id="8" name="Content Placeholder 5" descr="A close up of a logo&#10;&#10;Description automatically generated">
+            <a:extLst>
+              <a:ext uri="{FF2B5EF4-FFF2-40B4-BE49-F238E27FC236}">
+                <a16:creationId xmlns:a16="http://schemas.microsoft.com/office/drawing/2014/main" id="{C362E674-3D60-4270-9069-CFFA01D6A009}"/>
+              </a:ext>
+            </a:extLst>
+          </p:cNvPr>
+          <p:cNvPicPr>
+            <a:picLocks noChangeAspect="1"/>
+          </p:cNvPicPr>
           <p:nvPr/>
-        </p:nvSpPr>
+        </p:nvPicPr>
+        <p:blipFill>
+          <a:blip r:embed="rId3">
+            <a:extLst>
+              <a:ext uri="{28A0092B-C50C-407E-A947-70E740481C1C}">
+                <a14:useLocalDpi xmlns:a14="http://schemas.microsoft.com/office/drawing/2010/main" val="0"/>
+              </a:ext>
+            </a:extLst>
+          </a:blip>
+          <a:stretch>
+            <a:fillRect/>
+          </a:stretch>
+        </p:blipFill>
         <p:spPr>
           <a:xfrm>
-            <a:off x="8046720" y="3975233"/>
-            <a:ext cx="1130438" cy="523220"/>
+            <a:off x="7265773" y="4001294"/>
+            <a:ext cx="4926227" cy="2130593"/>
           </a:xfrm>
           <a:prstGeom prst="rect">
             <a:avLst/>
           </a:prstGeom>
-          <a:noFill/>
         </p:spPr>
-        <p:txBody>
-          <a:bodyPr wrap="none" rtlCol="0">
-            <a:spAutoFit/>
-          </a:bodyPr>
-          <a:lstStyle/>
-          <a:p>
-            <a:r>
-              <a:rPr lang="de-AT" sz="2800" dirty="0"/>
-              <a:t>Model</a:t>
-            </a:r>
-          </a:p>
-        </p:txBody>
-      </p:sp>
+      </p:pic>
     </p:spTree>
     <p:extLst>
       <p:ext uri="{BB962C8B-B14F-4D97-AF65-F5344CB8AC3E}">
@@ -5327,13 +6037,13 @@
   <p:clrMapOvr>
     <a:masterClrMapping/>
   </p:clrMapOvr>
-  <mc:AlternateContent xmlns:mc="http://schemas.openxmlformats.org/markup-compatibility/2006" xmlns:p159="http://schemas.microsoft.com/office/powerpoint/2015/09/main">
-    <mc:Choice Requires="p159">
+  <mc:AlternateContent xmlns:mc="http://schemas.openxmlformats.org/markup-compatibility/2006">
+    <mc:Choice xmlns:p159="http://schemas.microsoft.com/office/powerpoint/2015/09/main" Requires="p159">
       <p:transition xmlns:p14="http://schemas.microsoft.com/office/powerpoint/2010/main" spd="slow" p14:dur="2000">
         <p159:morph option="byObject"/>
       </p:transition>
     </mc:Choice>
-    <mc:Fallback xmlns="">
+    <mc:Fallback>
       <p:transition spd="slow">
         <p:fade/>
       </p:transition>
@@ -5417,6 +6127,1022 @@
 </p:sld>
 </file>
 
+<file path=ppt/slides/slide14.xml><?xml version="1.0" encoding="utf-8"?>
+<p:sld xmlns:a="http://schemas.openxmlformats.org/drawingml/2006/main" xmlns:r="http://schemas.openxmlformats.org/officeDocument/2006/relationships" xmlns:p="http://schemas.openxmlformats.org/presentationml/2006/main">
+  <p:cSld>
+    <p:spTree>
+      <p:nvGrpSpPr>
+        <p:cNvPr id="1" name=""/>
+        <p:cNvGrpSpPr/>
+        <p:nvPr/>
+      </p:nvGrpSpPr>
+      <p:grpSpPr>
+        <a:xfrm>
+          <a:off x="0" y="0"/>
+          <a:ext cx="0" cy="0"/>
+          <a:chOff x="0" y="0"/>
+          <a:chExt cx="0" cy="0"/>
+        </a:xfrm>
+      </p:grpSpPr>
+      <p:sp>
+        <p:nvSpPr>
+          <p:cNvPr id="2" name="Title 1">
+            <a:extLst>
+              <a:ext uri="{FF2B5EF4-FFF2-40B4-BE49-F238E27FC236}">
+                <a16:creationId xmlns:a16="http://schemas.microsoft.com/office/drawing/2014/main" id="{67A76841-47C7-4F43-91EA-27AC72B4DEF1}"/>
+              </a:ext>
+            </a:extLst>
+          </p:cNvPr>
+          <p:cNvSpPr>
+            <a:spLocks noGrp="1"/>
+          </p:cNvSpPr>
+          <p:nvPr>
+            <p:ph type="title"/>
+          </p:nvPr>
+        </p:nvSpPr>
+        <p:spPr/>
+        <p:txBody>
+          <a:bodyPr/>
+          <a:lstStyle/>
+          <a:p>
+            <a:r>
+              <a:rPr lang="de-AT" dirty="0" err="1"/>
+              <a:t>Strategy</a:t>
+            </a:r>
+            <a:r>
+              <a:rPr lang="de-AT" dirty="0"/>
+              <a:t> Design</a:t>
+            </a:r>
+          </a:p>
+        </p:txBody>
+      </p:sp>
+      <p:pic>
+        <p:nvPicPr>
+          <p:cNvPr id="5" name="Content Placeholder 4" descr="A screenshot of a cell phone&#10;&#10;Description automatically generated">
+            <a:extLst>
+              <a:ext uri="{FF2B5EF4-FFF2-40B4-BE49-F238E27FC236}">
+                <a16:creationId xmlns:a16="http://schemas.microsoft.com/office/drawing/2014/main" id="{FFC1E723-0687-4887-B4A1-C9B753C3EF86}"/>
+              </a:ext>
+            </a:extLst>
+          </p:cNvPr>
+          <p:cNvPicPr>
+            <a:picLocks noGrp="1" noChangeAspect="1"/>
+          </p:cNvPicPr>
+          <p:nvPr>
+            <p:ph idx="1"/>
+          </p:nvPr>
+        </p:nvPicPr>
+        <p:blipFill rotWithShape="1">
+          <a:blip r:embed="rId3">
+            <a:extLst>
+              <a:ext uri="{28A0092B-C50C-407E-A947-70E740481C1C}">
+                <a14:useLocalDpi xmlns:a14="http://schemas.microsoft.com/office/drawing/2010/main" val="0"/>
+              </a:ext>
+            </a:extLst>
+          </a:blip>
+          <a:srcRect b="13375"/>
+          <a:stretch/>
+        </p:blipFill>
+        <p:spPr>
+          <a:xfrm>
+            <a:off x="1882346" y="2296576"/>
+            <a:ext cx="8117082" cy="2880906"/>
+          </a:xfrm>
+        </p:spPr>
+      </p:pic>
+    </p:spTree>
+    <p:extLst>
+      <p:ext uri="{BB962C8B-B14F-4D97-AF65-F5344CB8AC3E}">
+        <p14:creationId xmlns:p14="http://schemas.microsoft.com/office/powerpoint/2010/main" val="1518706904"/>
+      </p:ext>
+    </p:extLst>
+  </p:cSld>
+  <p:clrMapOvr>
+    <a:masterClrMapping/>
+  </p:clrMapOvr>
+  <mc:AlternateContent xmlns:mc="http://schemas.openxmlformats.org/markup-compatibility/2006">
+    <mc:Choice xmlns:p159="http://schemas.microsoft.com/office/powerpoint/2015/09/main" Requires="p159">
+      <p:transition xmlns:p14="http://schemas.microsoft.com/office/powerpoint/2010/main" spd="slow" p14:dur="2000">
+        <p159:morph option="byObject"/>
+      </p:transition>
+    </mc:Choice>
+    <mc:Fallback>
+      <p:transition spd="slow">
+        <p:fade/>
+      </p:transition>
+    </mc:Fallback>
+  </mc:AlternateContent>
+</p:sld>
+</file>
+
+<file path=ppt/slides/slide15.xml><?xml version="1.0" encoding="utf-8"?>
+<p:sld xmlns:a="http://schemas.openxmlformats.org/drawingml/2006/main" xmlns:r="http://schemas.openxmlformats.org/officeDocument/2006/relationships" xmlns:p="http://schemas.openxmlformats.org/presentationml/2006/main">
+  <p:cSld>
+    <p:spTree>
+      <p:nvGrpSpPr>
+        <p:cNvPr id="1" name=""/>
+        <p:cNvGrpSpPr/>
+        <p:nvPr/>
+      </p:nvGrpSpPr>
+      <p:grpSpPr>
+        <a:xfrm>
+          <a:off x="0" y="0"/>
+          <a:ext cx="0" cy="0"/>
+          <a:chOff x="0" y="0"/>
+          <a:chExt cx="0" cy="0"/>
+        </a:xfrm>
+      </p:grpSpPr>
+      <p:sp>
+        <p:nvSpPr>
+          <p:cNvPr id="2" name="Title 1">
+            <a:extLst>
+              <a:ext uri="{FF2B5EF4-FFF2-40B4-BE49-F238E27FC236}">
+                <a16:creationId xmlns:a16="http://schemas.microsoft.com/office/drawing/2014/main" id="{DC9146E8-1369-41A2-9AD3-703228FD1A38}"/>
+              </a:ext>
+            </a:extLst>
+          </p:cNvPr>
+          <p:cNvSpPr>
+            <a:spLocks noGrp="1"/>
+          </p:cNvSpPr>
+          <p:nvPr>
+            <p:ph type="title"/>
+          </p:nvPr>
+        </p:nvSpPr>
+        <p:spPr/>
+        <p:txBody>
+          <a:bodyPr/>
+          <a:lstStyle/>
+          <a:p>
+            <a:r>
+              <a:rPr lang="de-AT" dirty="0"/>
+              <a:t>einfaches Beispiel</a:t>
+            </a:r>
+          </a:p>
+        </p:txBody>
+      </p:sp>
+      <p:sp>
+        <p:nvSpPr>
+          <p:cNvPr id="5" name="Content Placeholder 4">
+            <a:extLst>
+              <a:ext uri="{FF2B5EF4-FFF2-40B4-BE49-F238E27FC236}">
+                <a16:creationId xmlns:a16="http://schemas.microsoft.com/office/drawing/2014/main" id="{82ED95F7-DC02-420F-B1D9-1198FADAEC6C}"/>
+              </a:ext>
+            </a:extLst>
+          </p:cNvPr>
+          <p:cNvSpPr>
+            <a:spLocks noGrp="1"/>
+          </p:cNvSpPr>
+          <p:nvPr>
+            <p:ph idx="1"/>
+          </p:nvPr>
+        </p:nvSpPr>
+        <p:spPr/>
+        <p:txBody>
+          <a:bodyPr/>
+          <a:lstStyle/>
+          <a:p>
+            <a:endParaRPr lang="de-AT"/>
+          </a:p>
+        </p:txBody>
+      </p:sp>
+      <p:pic>
+        <p:nvPicPr>
+          <p:cNvPr id="6" name="Picture 5">
+            <a:extLst>
+              <a:ext uri="{FF2B5EF4-FFF2-40B4-BE49-F238E27FC236}">
+                <a16:creationId xmlns:a16="http://schemas.microsoft.com/office/drawing/2014/main" id="{ED9DBF81-C4A9-4EDC-9FAE-0D5642BAACFF}"/>
+              </a:ext>
+            </a:extLst>
+          </p:cNvPr>
+          <p:cNvPicPr>
+            <a:picLocks noChangeAspect="1"/>
+          </p:cNvPicPr>
+          <p:nvPr/>
+        </p:nvPicPr>
+        <p:blipFill>
+          <a:blip r:embed="rId2"/>
+          <a:stretch>
+            <a:fillRect/>
+          </a:stretch>
+        </p:blipFill>
+        <p:spPr>
+          <a:xfrm>
+            <a:off x="654907" y="1373895"/>
+            <a:ext cx="7101273" cy="4987633"/>
+          </a:xfrm>
+          <a:prstGeom prst="rect">
+            <a:avLst/>
+          </a:prstGeom>
+        </p:spPr>
+      </p:pic>
+    </p:spTree>
+    <p:extLst>
+      <p:ext uri="{BB962C8B-B14F-4D97-AF65-F5344CB8AC3E}">
+        <p14:creationId xmlns:p14="http://schemas.microsoft.com/office/powerpoint/2010/main" val="4082456557"/>
+      </p:ext>
+    </p:extLst>
+  </p:cSld>
+  <p:clrMapOvr>
+    <a:masterClrMapping/>
+  </p:clrMapOvr>
+  <mc:AlternateContent xmlns:mc="http://schemas.openxmlformats.org/markup-compatibility/2006">
+    <mc:Choice xmlns:p159="http://schemas.microsoft.com/office/powerpoint/2015/09/main" Requires="p159">
+      <p:transition xmlns:p14="http://schemas.microsoft.com/office/powerpoint/2010/main" spd="slow" p14:dur="2000">
+        <p159:morph option="byObject"/>
+      </p:transition>
+    </mc:Choice>
+    <mc:Fallback>
+      <p:transition spd="slow">
+        <p:fade/>
+      </p:transition>
+    </mc:Fallback>
+  </mc:AlternateContent>
+</p:sld>
+</file>
+
+<file path=ppt/slides/slide16.xml><?xml version="1.0" encoding="utf-8"?>
+<p:sld xmlns:a="http://schemas.openxmlformats.org/drawingml/2006/main" xmlns:r="http://schemas.openxmlformats.org/officeDocument/2006/relationships" xmlns:p="http://schemas.openxmlformats.org/presentationml/2006/main">
+  <p:cSld>
+    <p:spTree>
+      <p:nvGrpSpPr>
+        <p:cNvPr id="1" name=""/>
+        <p:cNvGrpSpPr/>
+        <p:nvPr/>
+      </p:nvGrpSpPr>
+      <p:grpSpPr>
+        <a:xfrm>
+          <a:off x="0" y="0"/>
+          <a:ext cx="0" cy="0"/>
+          <a:chOff x="0" y="0"/>
+          <a:chExt cx="0" cy="0"/>
+        </a:xfrm>
+      </p:grpSpPr>
+      <p:sp>
+        <p:nvSpPr>
+          <p:cNvPr id="2" name="Title 1">
+            <a:extLst>
+              <a:ext uri="{FF2B5EF4-FFF2-40B4-BE49-F238E27FC236}">
+                <a16:creationId xmlns:a16="http://schemas.microsoft.com/office/drawing/2014/main" id="{0437CA9D-7734-42E0-A9F4-C2A17FAF6BF2}"/>
+              </a:ext>
+            </a:extLst>
+          </p:cNvPr>
+          <p:cNvSpPr>
+            <a:spLocks noGrp="1"/>
+          </p:cNvSpPr>
+          <p:nvPr>
+            <p:ph type="title"/>
+          </p:nvPr>
+        </p:nvSpPr>
+        <p:spPr/>
+        <p:txBody>
+          <a:bodyPr/>
+          <a:lstStyle/>
+          <a:p>
+            <a:endParaRPr lang="de-AT"/>
+          </a:p>
+        </p:txBody>
+      </p:sp>
+      <p:sp>
+        <p:nvSpPr>
+          <p:cNvPr id="3" name="Content Placeholder 2">
+            <a:extLst>
+              <a:ext uri="{FF2B5EF4-FFF2-40B4-BE49-F238E27FC236}">
+                <a16:creationId xmlns:a16="http://schemas.microsoft.com/office/drawing/2014/main" id="{3288493B-B885-446D-A794-88513E0B4456}"/>
+              </a:ext>
+            </a:extLst>
+          </p:cNvPr>
+          <p:cNvSpPr>
+            <a:spLocks noGrp="1"/>
+          </p:cNvSpPr>
+          <p:nvPr>
+            <p:ph idx="1"/>
+          </p:nvPr>
+        </p:nvSpPr>
+        <p:spPr/>
+        <p:txBody>
+          <a:bodyPr/>
+          <a:lstStyle/>
+          <a:p>
+            <a:r>
+              <a:rPr lang="en-US" i="1" dirty="0"/>
+              <a:t>Probably the widest quoted pattern in UI development is Model View Controller (MVC) - it's also the most misquoted. </a:t>
+            </a:r>
+            <a:r>
+              <a:rPr lang="en-US" dirty="0"/>
+              <a:t>– </a:t>
+            </a:r>
+            <a:r>
+              <a:rPr lang="en-US" b="1" dirty="0"/>
+              <a:t>Martin Fowler</a:t>
+            </a:r>
+            <a:endParaRPr lang="de-AT" b="1" dirty="0"/>
+          </a:p>
+        </p:txBody>
+      </p:sp>
+    </p:spTree>
+    <p:extLst>
+      <p:ext uri="{BB962C8B-B14F-4D97-AF65-F5344CB8AC3E}">
+        <p14:creationId xmlns:p14="http://schemas.microsoft.com/office/powerpoint/2010/main" val="3621672547"/>
+      </p:ext>
+    </p:extLst>
+  </p:cSld>
+  <p:clrMapOvr>
+    <a:masterClrMapping/>
+  </p:clrMapOvr>
+  <mc:AlternateContent xmlns:mc="http://schemas.openxmlformats.org/markup-compatibility/2006">
+    <mc:Choice xmlns:p159="http://schemas.microsoft.com/office/powerpoint/2015/09/main" Requires="p159">
+      <p:transition xmlns:p14="http://schemas.microsoft.com/office/powerpoint/2010/main" spd="slow" p14:dur="2000">
+        <p159:morph option="byObject"/>
+      </p:transition>
+    </mc:Choice>
+    <mc:Fallback>
+      <p:transition spd="slow">
+        <p:fade/>
+      </p:transition>
+    </mc:Fallback>
+  </mc:AlternateContent>
+</p:sld>
+</file>
+
+<file path=ppt/slides/slide2.xml><?xml version="1.0" encoding="utf-8"?>
+<p:sld xmlns:a="http://schemas.openxmlformats.org/drawingml/2006/main" xmlns:r="http://schemas.openxmlformats.org/officeDocument/2006/relationships" xmlns:p="http://schemas.openxmlformats.org/presentationml/2006/main">
+  <p:cSld>
+    <p:spTree>
+      <p:nvGrpSpPr>
+        <p:cNvPr id="1" name=""/>
+        <p:cNvGrpSpPr/>
+        <p:nvPr/>
+      </p:nvGrpSpPr>
+      <p:grpSpPr>
+        <a:xfrm>
+          <a:off x="0" y="0"/>
+          <a:ext cx="0" cy="0"/>
+          <a:chOff x="0" y="0"/>
+          <a:chExt cx="0" cy="0"/>
+        </a:xfrm>
+      </p:grpSpPr>
+      <p:sp>
+        <p:nvSpPr>
+          <p:cNvPr id="4" name="Title 3">
+            <a:extLst>
+              <a:ext uri="{FF2B5EF4-FFF2-40B4-BE49-F238E27FC236}">
+                <a16:creationId xmlns:a16="http://schemas.microsoft.com/office/drawing/2014/main" id="{893E100A-60AB-4897-9A0D-C90AE3D4C43E}"/>
+              </a:ext>
+            </a:extLst>
+          </p:cNvPr>
+          <p:cNvSpPr>
+            <a:spLocks noGrp="1"/>
+          </p:cNvSpPr>
+          <p:nvPr>
+            <p:ph type="title"/>
+          </p:nvPr>
+        </p:nvSpPr>
+        <p:spPr/>
+        <p:txBody>
+          <a:bodyPr>
+            <a:normAutofit/>
+          </a:bodyPr>
+          <a:lstStyle/>
+          <a:p>
+            <a:br>
+              <a:rPr lang="de-AT" b="1" dirty="0"/>
+            </a:br>
+            <a:endParaRPr lang="de-AT" dirty="0"/>
+          </a:p>
+        </p:txBody>
+      </p:sp>
+      <p:sp>
+        <p:nvSpPr>
+          <p:cNvPr id="6" name="Content Placeholder 5">
+            <a:extLst>
+              <a:ext uri="{FF2B5EF4-FFF2-40B4-BE49-F238E27FC236}">
+                <a16:creationId xmlns:a16="http://schemas.microsoft.com/office/drawing/2014/main" id="{F667896F-FBEC-4D31-83D8-F9D3ED4742BD}"/>
+              </a:ext>
+            </a:extLst>
+          </p:cNvPr>
+          <p:cNvSpPr>
+            <a:spLocks noGrp="1"/>
+          </p:cNvSpPr>
+          <p:nvPr>
+            <p:ph idx="1"/>
+          </p:nvPr>
+        </p:nvSpPr>
+        <p:spPr/>
+        <p:txBody>
+          <a:bodyPr/>
+          <a:lstStyle/>
+          <a:p>
+            <a:r>
+              <a:rPr lang="en-US" i="1" dirty="0"/>
+              <a:t>Probably the widest quoted pattern in UI development is Model View Controller (MVC) </a:t>
+            </a:r>
+            <a:r>
+              <a:rPr lang="en-US" dirty="0"/>
+              <a:t>– </a:t>
+            </a:r>
+            <a:r>
+              <a:rPr lang="en-US" b="1" dirty="0"/>
+              <a:t>Martin Fowler</a:t>
+            </a:r>
+            <a:endParaRPr lang="de-AT" dirty="0"/>
+          </a:p>
+        </p:txBody>
+      </p:sp>
+    </p:spTree>
+    <p:extLst>
+      <p:ext uri="{BB962C8B-B14F-4D97-AF65-F5344CB8AC3E}">
+        <p14:creationId xmlns:p14="http://schemas.microsoft.com/office/powerpoint/2010/main" val="2720366961"/>
+      </p:ext>
+    </p:extLst>
+  </p:cSld>
+  <p:clrMapOvr>
+    <a:masterClrMapping/>
+  </p:clrMapOvr>
+  <mc:AlternateContent xmlns:mc="http://schemas.openxmlformats.org/markup-compatibility/2006">
+    <mc:Choice xmlns:p159="http://schemas.microsoft.com/office/powerpoint/2015/09/main" Requires="p159">
+      <p:transition xmlns:p14="http://schemas.microsoft.com/office/powerpoint/2010/main" spd="slow" p14:dur="2000">
+        <p159:morph option="byObject"/>
+      </p:transition>
+    </mc:Choice>
+    <mc:Fallback>
+      <p:transition spd="slow">
+        <p:fade/>
+      </p:transition>
+    </mc:Fallback>
+  </mc:AlternateContent>
+</p:sld>
+</file>
+
+<file path=ppt/slides/slide3.xml><?xml version="1.0" encoding="utf-8"?>
+<p:sld xmlns:a="http://schemas.openxmlformats.org/drawingml/2006/main" xmlns:r="http://schemas.openxmlformats.org/officeDocument/2006/relationships" xmlns:p="http://schemas.openxmlformats.org/presentationml/2006/main">
+  <p:cSld>
+    <p:spTree>
+      <p:nvGrpSpPr>
+        <p:cNvPr id="1" name=""/>
+        <p:cNvGrpSpPr/>
+        <p:nvPr/>
+      </p:nvGrpSpPr>
+      <p:grpSpPr>
+        <a:xfrm>
+          <a:off x="0" y="0"/>
+          <a:ext cx="0" cy="0"/>
+          <a:chOff x="0" y="0"/>
+          <a:chExt cx="0" cy="0"/>
+        </a:xfrm>
+      </p:grpSpPr>
+      <p:sp>
+        <p:nvSpPr>
+          <p:cNvPr id="2" name="Title 1">
+            <a:extLst>
+              <a:ext uri="{FF2B5EF4-FFF2-40B4-BE49-F238E27FC236}">
+                <a16:creationId xmlns:a16="http://schemas.microsoft.com/office/drawing/2014/main" id="{FD3A15C4-B192-4CE7-B774-68B7F880DEF5}"/>
+              </a:ext>
+            </a:extLst>
+          </p:cNvPr>
+          <p:cNvSpPr>
+            <a:spLocks noGrp="1"/>
+          </p:cNvSpPr>
+          <p:nvPr>
+            <p:ph type="title"/>
+          </p:nvPr>
+        </p:nvSpPr>
+        <p:spPr/>
+        <p:txBody>
+          <a:bodyPr/>
+          <a:lstStyle/>
+          <a:p>
+            <a:r>
+              <a:rPr lang="de-AT" dirty="0"/>
+              <a:t>Verwendungsbereiche</a:t>
+            </a:r>
+          </a:p>
+        </p:txBody>
+      </p:sp>
+      <p:sp>
+        <p:nvSpPr>
+          <p:cNvPr id="3" name="Content Placeholder 2">
+            <a:extLst>
+              <a:ext uri="{FF2B5EF4-FFF2-40B4-BE49-F238E27FC236}">
+                <a16:creationId xmlns:a16="http://schemas.microsoft.com/office/drawing/2014/main" id="{F0367DF6-6E73-42B8-B6FB-01CE28347AA8}"/>
+              </a:ext>
+            </a:extLst>
+          </p:cNvPr>
+          <p:cNvSpPr>
+            <a:spLocks noGrp="1"/>
+          </p:cNvSpPr>
+          <p:nvPr>
+            <p:ph idx="1"/>
+          </p:nvPr>
+        </p:nvSpPr>
+        <p:spPr/>
+        <p:txBody>
+          <a:bodyPr/>
+          <a:lstStyle/>
+          <a:p>
+            <a:r>
+              <a:rPr lang="de-AT" dirty="0"/>
+              <a:t>bei grafischen Benutzeroberflächen</a:t>
+            </a:r>
+          </a:p>
+          <a:p>
+            <a:r>
+              <a:rPr lang="de-AT" dirty="0"/>
+              <a:t>mehrere Ansichten</a:t>
+            </a:r>
+          </a:p>
+          <a:p>
+            <a:pPr lvl="1"/>
+            <a:r>
+              <a:rPr lang="de-AT" dirty="0"/>
+              <a:t>mehrere Benutzerrollen</a:t>
+            </a:r>
+          </a:p>
+        </p:txBody>
+      </p:sp>
+    </p:spTree>
+    <p:extLst>
+      <p:ext uri="{BB962C8B-B14F-4D97-AF65-F5344CB8AC3E}">
+        <p14:creationId xmlns:p14="http://schemas.microsoft.com/office/powerpoint/2010/main" val="1847756970"/>
+      </p:ext>
+    </p:extLst>
+  </p:cSld>
+  <p:clrMapOvr>
+    <a:masterClrMapping/>
+  </p:clrMapOvr>
+  <mc:AlternateContent xmlns:mc="http://schemas.openxmlformats.org/markup-compatibility/2006">
+    <mc:Choice xmlns:p159="http://schemas.microsoft.com/office/powerpoint/2015/09/main" Requires="p159">
+      <p:transition xmlns:p14="http://schemas.microsoft.com/office/powerpoint/2010/main" spd="slow" p14:dur="2000">
+        <p159:morph option="byObject"/>
+      </p:transition>
+    </mc:Choice>
+    <mc:Fallback>
+      <p:transition spd="slow">
+        <p:fade/>
+      </p:transition>
+    </mc:Fallback>
+  </mc:AlternateContent>
+</p:sld>
+</file>
+
+<file path=ppt/slides/slide4.xml><?xml version="1.0" encoding="utf-8"?>
+<p:sld xmlns:a="http://schemas.openxmlformats.org/drawingml/2006/main" xmlns:r="http://schemas.openxmlformats.org/officeDocument/2006/relationships" xmlns:p="http://schemas.openxmlformats.org/presentationml/2006/main">
+  <p:cSld>
+    <p:spTree>
+      <p:nvGrpSpPr>
+        <p:cNvPr id="1" name=""/>
+        <p:cNvGrpSpPr/>
+        <p:nvPr/>
+      </p:nvGrpSpPr>
+      <p:grpSpPr>
+        <a:xfrm>
+          <a:off x="0" y="0"/>
+          <a:ext cx="0" cy="0"/>
+          <a:chOff x="0" y="0"/>
+          <a:chExt cx="0" cy="0"/>
+        </a:xfrm>
+      </p:grpSpPr>
+      <p:sp>
+        <p:nvSpPr>
+          <p:cNvPr id="2" name="Title 1">
+            <a:extLst>
+              <a:ext uri="{FF2B5EF4-FFF2-40B4-BE49-F238E27FC236}">
+                <a16:creationId xmlns:a16="http://schemas.microsoft.com/office/drawing/2014/main" id="{28259606-599D-42FA-8830-5FF0AFB2883A}"/>
+              </a:ext>
+            </a:extLst>
+          </p:cNvPr>
+          <p:cNvSpPr>
+            <a:spLocks noGrp="1"/>
+          </p:cNvSpPr>
+          <p:nvPr>
+            <p:ph type="title"/>
+          </p:nvPr>
+        </p:nvSpPr>
+        <p:spPr/>
+        <p:txBody>
+          <a:bodyPr/>
+          <a:lstStyle/>
+          <a:p>
+            <a:r>
+              <a:rPr lang="de-AT" dirty="0"/>
+              <a:t>Ursprung von MVC</a:t>
+            </a:r>
+          </a:p>
+        </p:txBody>
+      </p:sp>
+      <p:sp>
+        <p:nvSpPr>
+          <p:cNvPr id="3" name="Content Placeholder 2">
+            <a:extLst>
+              <a:ext uri="{FF2B5EF4-FFF2-40B4-BE49-F238E27FC236}">
+                <a16:creationId xmlns:a16="http://schemas.microsoft.com/office/drawing/2014/main" id="{C8CE9B2D-21C1-45FF-9E4B-532139DFB5A0}"/>
+              </a:ext>
+            </a:extLst>
+          </p:cNvPr>
+          <p:cNvSpPr>
+            <a:spLocks noGrp="1"/>
+          </p:cNvSpPr>
+          <p:nvPr>
+            <p:ph idx="1"/>
+          </p:nvPr>
+        </p:nvSpPr>
+        <p:spPr/>
+        <p:txBody>
+          <a:bodyPr/>
+          <a:lstStyle/>
+          <a:p>
+            <a:r>
+              <a:rPr lang="de-AT" dirty="0"/>
+              <a:t>Spaghetti-Code</a:t>
+            </a:r>
+          </a:p>
+          <a:p>
+            <a:pPr lvl="1"/>
+            <a:r>
+              <a:rPr lang="de-AT" dirty="0"/>
+              <a:t>keine Methoden, nur Schleifen und Sprünge</a:t>
+            </a:r>
+          </a:p>
+          <a:p>
+            <a:pPr lvl="1"/>
+            <a:r>
+              <a:rPr lang="en-GB" dirty="0" err="1"/>
+              <a:t>Ausgabe</a:t>
+            </a:r>
+            <a:r>
+              <a:rPr lang="en-GB" dirty="0"/>
+              <a:t>, </a:t>
+            </a:r>
+            <a:r>
+              <a:rPr lang="en-GB" dirty="0" err="1"/>
+              <a:t>Eingabe</a:t>
+            </a:r>
+            <a:r>
+              <a:rPr lang="en-GB" dirty="0"/>
+              <a:t> und </a:t>
+            </a:r>
+            <a:r>
+              <a:rPr lang="en-GB" dirty="0" err="1"/>
+              <a:t>Verarbeitung</a:t>
+            </a:r>
+            <a:r>
+              <a:rPr lang="en-GB" dirty="0"/>
+              <a:t> </a:t>
+            </a:r>
+            <a:r>
+              <a:rPr lang="en-GB" dirty="0" err="1"/>
+              <a:t>waren</a:t>
+            </a:r>
+            <a:r>
+              <a:rPr lang="en-GB" dirty="0"/>
+              <a:t> </a:t>
+            </a:r>
+            <a:r>
+              <a:rPr lang="en-GB" dirty="0" err="1"/>
+              <a:t>verwoben</a:t>
+            </a:r>
+            <a:endParaRPr lang="en-GB" dirty="0"/>
+          </a:p>
+          <a:p>
+            <a:r>
+              <a:rPr lang="en-GB" dirty="0" err="1"/>
+              <a:t>Lösung</a:t>
+            </a:r>
+            <a:r>
+              <a:rPr lang="en-GB" dirty="0"/>
+              <a:t>: </a:t>
+            </a:r>
+            <a:r>
+              <a:rPr lang="de-AT" dirty="0"/>
+              <a:t>strukturierte bzw. objektorientierte Programmierung (ca. 1970-1980) </a:t>
+            </a:r>
+          </a:p>
+          <a:p>
+            <a:endParaRPr lang="de-AT" dirty="0"/>
+          </a:p>
+        </p:txBody>
+      </p:sp>
+    </p:spTree>
+    <p:extLst>
+      <p:ext uri="{BB962C8B-B14F-4D97-AF65-F5344CB8AC3E}">
+        <p14:creationId xmlns:p14="http://schemas.microsoft.com/office/powerpoint/2010/main" val="3620316223"/>
+      </p:ext>
+    </p:extLst>
+  </p:cSld>
+  <p:clrMapOvr>
+    <a:masterClrMapping/>
+  </p:clrMapOvr>
+  <mc:AlternateContent xmlns:mc="http://schemas.openxmlformats.org/markup-compatibility/2006">
+    <mc:Choice xmlns:p159="http://schemas.microsoft.com/office/powerpoint/2015/09/main" Requires="p159">
+      <p:transition xmlns:p14="http://schemas.microsoft.com/office/powerpoint/2010/main" spd="slow" p14:dur="2000">
+        <p159:morph option="byObject"/>
+      </p:transition>
+    </mc:Choice>
+    <mc:Fallback>
+      <p:transition spd="slow">
+        <p:fade/>
+      </p:transition>
+    </mc:Fallback>
+  </mc:AlternateContent>
+</p:sld>
+</file>
+
+<file path=ppt/slides/slide5.xml><?xml version="1.0" encoding="utf-8"?>
+<p:sld xmlns:a="http://schemas.openxmlformats.org/drawingml/2006/main" xmlns:r="http://schemas.openxmlformats.org/officeDocument/2006/relationships" xmlns:p="http://schemas.openxmlformats.org/presentationml/2006/main">
+  <p:cSld>
+    <p:spTree>
+      <p:nvGrpSpPr>
+        <p:cNvPr id="1" name=""/>
+        <p:cNvGrpSpPr/>
+        <p:nvPr/>
+      </p:nvGrpSpPr>
+      <p:grpSpPr>
+        <a:xfrm>
+          <a:off x="0" y="0"/>
+          <a:ext cx="0" cy="0"/>
+          <a:chOff x="0" y="0"/>
+          <a:chExt cx="0" cy="0"/>
+        </a:xfrm>
+      </p:grpSpPr>
+      <p:sp>
+        <p:nvSpPr>
+          <p:cNvPr id="2" name="Title 1">
+            <a:extLst>
+              <a:ext uri="{FF2B5EF4-FFF2-40B4-BE49-F238E27FC236}">
+                <a16:creationId xmlns:a16="http://schemas.microsoft.com/office/drawing/2014/main" id="{6C42455F-77CD-4EEB-86C7-84971AA70869}"/>
+              </a:ext>
+            </a:extLst>
+          </p:cNvPr>
+          <p:cNvSpPr>
+            <a:spLocks noGrp="1"/>
+          </p:cNvSpPr>
+          <p:nvPr>
+            <p:ph type="title"/>
+          </p:nvPr>
+        </p:nvSpPr>
+        <p:spPr/>
+        <p:txBody>
+          <a:bodyPr/>
+          <a:lstStyle/>
+          <a:p>
+            <a:r>
+              <a:rPr lang="de-AT" dirty="0"/>
+              <a:t>Vom Textorientierten Programm zum GUI</a:t>
+            </a:r>
+          </a:p>
+        </p:txBody>
+      </p:sp>
+      <p:sp>
+        <p:nvSpPr>
+          <p:cNvPr id="3" name="Content Placeholder 2">
+            <a:extLst>
+              <a:ext uri="{FF2B5EF4-FFF2-40B4-BE49-F238E27FC236}">
+                <a16:creationId xmlns:a16="http://schemas.microsoft.com/office/drawing/2014/main" id="{8D65A7EC-DD96-491F-8469-A4C491774546}"/>
+              </a:ext>
+            </a:extLst>
+          </p:cNvPr>
+          <p:cNvSpPr>
+            <a:spLocks noGrp="1"/>
+          </p:cNvSpPr>
+          <p:nvPr>
+            <p:ph idx="1"/>
+          </p:nvPr>
+        </p:nvSpPr>
+        <p:spPr/>
+        <p:txBody>
+          <a:bodyPr/>
+          <a:lstStyle/>
+          <a:p>
+            <a:r>
+              <a:rPr lang="en-GB" dirty="0" err="1"/>
+              <a:t>Textorientierte</a:t>
+            </a:r>
+            <a:r>
+              <a:rPr lang="en-GB" dirty="0"/>
+              <a:t> Prog.: </a:t>
+            </a:r>
+            <a:r>
+              <a:rPr lang="en-GB" dirty="0" err="1"/>
+              <a:t>Methode</a:t>
+            </a:r>
+            <a:r>
+              <a:rPr lang="en-GB" dirty="0"/>
+              <a:t> </a:t>
+            </a:r>
+            <a:r>
+              <a:rPr lang="en-GB" dirty="0" err="1"/>
+              <a:t>wartet</a:t>
+            </a:r>
+            <a:r>
+              <a:rPr lang="en-GB" dirty="0"/>
+              <a:t> auf </a:t>
+            </a:r>
+            <a:r>
+              <a:rPr lang="en-GB" dirty="0" err="1"/>
+              <a:t>Eingabe</a:t>
+            </a:r>
+            <a:endParaRPr lang="en-GB" dirty="0"/>
+          </a:p>
+          <a:p>
+            <a:r>
+              <a:rPr lang="de-DE" dirty="0"/>
+              <a:t>ereignisgesteuerte Programmierung</a:t>
+            </a:r>
+          </a:p>
+          <a:p>
+            <a:r>
+              <a:rPr lang="de-DE" dirty="0"/>
+              <a:t>Eingabe, Ausgabe und Verarbeitung trennen</a:t>
+            </a:r>
+          </a:p>
+          <a:p>
+            <a:pPr lvl="1"/>
+            <a:r>
+              <a:rPr lang="de-DE" dirty="0"/>
+              <a:t>Model, View, Controller </a:t>
+            </a:r>
+            <a:endParaRPr lang="de-AT" dirty="0"/>
+          </a:p>
+          <a:p>
+            <a:endParaRPr lang="de-AT" dirty="0"/>
+          </a:p>
+        </p:txBody>
+      </p:sp>
+    </p:spTree>
+    <p:extLst>
+      <p:ext uri="{BB962C8B-B14F-4D97-AF65-F5344CB8AC3E}">
+        <p14:creationId xmlns:p14="http://schemas.microsoft.com/office/powerpoint/2010/main" val="2159521743"/>
+      </p:ext>
+    </p:extLst>
+  </p:cSld>
+  <p:clrMapOvr>
+    <a:masterClrMapping/>
+  </p:clrMapOvr>
+  <mc:AlternateContent xmlns:mc="http://schemas.openxmlformats.org/markup-compatibility/2006">
+    <mc:Choice xmlns:p159="http://schemas.microsoft.com/office/powerpoint/2015/09/main" Requires="p159">
+      <p:transition xmlns:p14="http://schemas.microsoft.com/office/powerpoint/2010/main" spd="slow" p14:dur="2000">
+        <p159:morph option="byObject"/>
+      </p:transition>
+    </mc:Choice>
+    <mc:Fallback>
+      <p:transition spd="slow">
+        <p:fade/>
+      </p:transition>
+    </mc:Fallback>
+  </mc:AlternateContent>
+</p:sld>
+</file>
+
+<file path=ppt/slides/slide6.xml><?xml version="1.0" encoding="utf-8"?>
+<p:sld xmlns:a="http://schemas.openxmlformats.org/drawingml/2006/main" xmlns:r="http://schemas.openxmlformats.org/officeDocument/2006/relationships" xmlns:p="http://schemas.openxmlformats.org/presentationml/2006/main">
+  <p:cSld>
+    <p:spTree>
+      <p:nvGrpSpPr>
+        <p:cNvPr id="1" name=""/>
+        <p:cNvGrpSpPr/>
+        <p:nvPr/>
+      </p:nvGrpSpPr>
+      <p:grpSpPr>
+        <a:xfrm>
+          <a:off x="0" y="0"/>
+          <a:ext cx="0" cy="0"/>
+          <a:chOff x="0" y="0"/>
+          <a:chExt cx="0" cy="0"/>
+        </a:xfrm>
+      </p:grpSpPr>
+      <p:sp>
+        <p:nvSpPr>
+          <p:cNvPr id="2" name="Title 1">
+            <a:extLst>
+              <a:ext uri="{FF2B5EF4-FFF2-40B4-BE49-F238E27FC236}">
+                <a16:creationId xmlns:a16="http://schemas.microsoft.com/office/drawing/2014/main" id="{421F0A3F-C221-47ED-8067-EFC02E3E9560}"/>
+              </a:ext>
+            </a:extLst>
+          </p:cNvPr>
+          <p:cNvSpPr>
+            <a:spLocks noGrp="1"/>
+          </p:cNvSpPr>
+          <p:nvPr>
+            <p:ph type="title"/>
+          </p:nvPr>
+        </p:nvSpPr>
+        <p:spPr/>
+        <p:txBody>
+          <a:bodyPr/>
+          <a:lstStyle/>
+          <a:p>
+            <a:r>
+              <a:rPr lang="de-AT" dirty="0"/>
+              <a:t>MVC</a:t>
+            </a:r>
+          </a:p>
+        </p:txBody>
+      </p:sp>
+      <p:sp>
+        <p:nvSpPr>
+          <p:cNvPr id="3" name="Content Placeholder 2">
+            <a:extLst>
+              <a:ext uri="{FF2B5EF4-FFF2-40B4-BE49-F238E27FC236}">
+                <a16:creationId xmlns:a16="http://schemas.microsoft.com/office/drawing/2014/main" id="{2113E81B-AD11-4A5D-B3A6-7DB20EABF322}"/>
+              </a:ext>
+            </a:extLst>
+          </p:cNvPr>
+          <p:cNvSpPr>
+            <a:spLocks noGrp="1"/>
+          </p:cNvSpPr>
+          <p:nvPr>
+            <p:ph idx="1"/>
+          </p:nvPr>
+        </p:nvSpPr>
+        <p:spPr/>
+        <p:txBody>
+          <a:bodyPr/>
+          <a:lstStyle/>
+          <a:p>
+            <a:r>
+              <a:rPr lang="de-AT" dirty="0"/>
+              <a:t>Model, View, Controller</a:t>
+            </a:r>
+          </a:p>
+          <a:p>
+            <a:pPr lvl="1"/>
+            <a:r>
+              <a:rPr lang="de-AT" dirty="0"/>
+              <a:t>auch bekannt als MVVM, MVP</a:t>
+            </a:r>
+          </a:p>
+          <a:p>
+            <a:r>
+              <a:rPr lang="de-AT" dirty="0"/>
+              <a:t>trennt Business und </a:t>
+            </a:r>
+            <a:r>
+              <a:rPr lang="de-AT" dirty="0" err="1"/>
+              <a:t>Präsentations</a:t>
+            </a:r>
+            <a:r>
+              <a:rPr lang="de-AT" dirty="0"/>
+              <a:t> Logik voneinander</a:t>
+            </a:r>
+          </a:p>
+          <a:p>
+            <a:pPr lvl="1"/>
+            <a:r>
+              <a:rPr lang="de-AT" dirty="0"/>
+              <a:t>Teilung in drei Komponenten:</a:t>
+            </a:r>
+          </a:p>
+          <a:p>
+            <a:pPr lvl="2"/>
+            <a:r>
+              <a:rPr lang="de-AT" dirty="0"/>
+              <a:t>Model</a:t>
+            </a:r>
+          </a:p>
+          <a:p>
+            <a:pPr lvl="2"/>
+            <a:r>
+              <a:rPr lang="de-AT" dirty="0"/>
+              <a:t>View</a:t>
+            </a:r>
+          </a:p>
+          <a:p>
+            <a:pPr lvl="2"/>
+            <a:r>
+              <a:rPr lang="de-AT" dirty="0"/>
+              <a:t>Controller</a:t>
+            </a:r>
+          </a:p>
+          <a:p>
+            <a:pPr lvl="1"/>
+            <a:endParaRPr lang="de-AT" dirty="0"/>
+          </a:p>
+        </p:txBody>
+      </p:sp>
+    </p:spTree>
+    <p:extLst>
+      <p:ext uri="{BB962C8B-B14F-4D97-AF65-F5344CB8AC3E}">
+        <p14:creationId xmlns:p14="http://schemas.microsoft.com/office/powerpoint/2010/main" val="3168909579"/>
+      </p:ext>
+    </p:extLst>
+  </p:cSld>
+  <p:clrMapOvr>
+    <a:masterClrMapping/>
+  </p:clrMapOvr>
+  <mc:AlternateContent xmlns:mc="http://schemas.openxmlformats.org/markup-compatibility/2006">
+    <mc:Choice xmlns:p159="http://schemas.microsoft.com/office/powerpoint/2015/09/main" Requires="p159">
+      <p:transition xmlns:p14="http://schemas.microsoft.com/office/powerpoint/2010/main" spd="slow" p14:dur="2000">
+        <p159:morph option="byObject"/>
+      </p:transition>
+    </mc:Choice>
+    <mc:Fallback>
+      <p:transition spd="slow">
+        <p:fade/>
+      </p:transition>
+    </mc:Fallback>
+  </mc:AlternateContent>
+</p:sld>
+</file>
+
 <file path=ppt/slides/slide7.xml><?xml version="1.0" encoding="utf-8"?>
 <p:sld xmlns:a="http://schemas.openxmlformats.org/drawingml/2006/main" xmlns:r="http://schemas.openxmlformats.org/officeDocument/2006/relationships" xmlns:p="http://schemas.openxmlformats.org/presentationml/2006/main">
   <p:cSld>
@@ -5439,7 +7165,7 @@
           <p:cNvPr id="2" name="Title 1">
             <a:extLst>
               <a:ext uri="{FF2B5EF4-FFF2-40B4-BE49-F238E27FC236}">
-                <a16:creationId xmlns:a16="http://schemas.microsoft.com/office/drawing/2014/main" id="{551C2C9C-689F-44B0-9DBA-6B2526B6AA9F}"/>
+                <a16:creationId xmlns:a16="http://schemas.microsoft.com/office/drawing/2014/main" id="{317A6127-5EAB-40CD-A9E9-8E316D44F70E}"/>
               </a:ext>
             </a:extLst>
           </p:cNvPr>
@@ -5457,7 +7183,7 @@
           <a:p>
             <a:r>
               <a:rPr lang="de-AT" dirty="0"/>
-              <a:t>Model</a:t>
+              <a:t>Ziele von MVC</a:t>
             </a:r>
           </a:p>
         </p:txBody>
@@ -5467,7 +7193,7 @@
           <p:cNvPr id="3" name="Content Placeholder 2">
             <a:extLst>
               <a:ext uri="{FF2B5EF4-FFF2-40B4-BE49-F238E27FC236}">
-                <a16:creationId xmlns:a16="http://schemas.microsoft.com/office/drawing/2014/main" id="{253EE9E5-05EB-4031-850C-B401B49D91CE}"/>
+                <a16:creationId xmlns:a16="http://schemas.microsoft.com/office/drawing/2014/main" id="{2D8EDF36-5029-477B-AFB1-513356A2C37D}"/>
               </a:ext>
             </a:extLst>
           </p:cNvPr>
@@ -5484,121 +7210,51 @@
           <a:lstStyle/>
           <a:p>
             <a:r>
-              <a:rPr lang="de-AT" dirty="0"/>
-              <a:t>enthält Business Logik</a:t>
+              <a:rPr lang="de-DE" dirty="0"/>
+              <a:t>leichte Änderungen</a:t>
             </a:r>
           </a:p>
           <a:p>
             <a:pPr lvl="1"/>
             <a:r>
-              <a:rPr lang="de-AT" dirty="0"/>
-              <a:t>bestimmte Berechnungen</a:t>
-            </a:r>
-          </a:p>
-          <a:p>
-            <a:pPr lvl="1"/>
-            <a:r>
-              <a:rPr lang="de-AT" dirty="0"/>
-              <a:t>kann Data Access Layer enthalten</a:t>
-            </a:r>
-          </a:p>
-          <a:p>
-            <a:pPr lvl="2"/>
-            <a:r>
-              <a:rPr lang="de-AT" dirty="0"/>
-              <a:t>Database, REST API, ...</a:t>
-            </a:r>
-          </a:p>
-          <a:p>
-            <a:r>
-              <a:rPr lang="de-AT" dirty="0"/>
-              <a:t>kennt keinen Controller oder View</a:t>
-            </a:r>
-          </a:p>
-          <a:p>
-            <a:pPr lvl="1"/>
-            <a:r>
-              <a:rPr lang="de-AT" dirty="0"/>
-              <a:t>Benachrichtigungen mittels Events (z.B. </a:t>
-            </a:r>
-            <a:r>
-              <a:rPr lang="de-AT" dirty="0" err="1"/>
-              <a:t>INotifyPropertyChanged</a:t>
-            </a:r>
-            <a:r>
-              <a:rPr lang="de-AT" dirty="0"/>
-              <a:t>, </a:t>
-            </a:r>
-            <a:r>
-              <a:rPr lang="de-AT" dirty="0" err="1"/>
-              <a:t>ObservableCollection</a:t>
-            </a:r>
-            <a:r>
-              <a:rPr lang="de-AT" dirty="0"/>
-              <a:t>)</a:t>
+              <a:rPr lang="de-DE" dirty="0"/>
+              <a:t>z.B. bei der View</a:t>
+            </a:r>
+          </a:p>
+          <a:p>
+            <a:r>
+              <a:rPr lang="de-DE" dirty="0"/>
+              <a:t>Erweiterung </a:t>
+            </a:r>
+          </a:p>
+          <a:p>
+            <a:r>
+              <a:rPr lang="de-DE" dirty="0"/>
+              <a:t>Wiederverwendbarkeit der Komponenten </a:t>
             </a:r>
           </a:p>
           <a:p>
             <a:endParaRPr lang="de-AT" dirty="0"/>
-          </a:p>
-        </p:txBody>
-      </p:sp>
-      <p:sp>
-        <p:nvSpPr>
-          <p:cNvPr id="4" name="TextBox 3">
-            <a:extLst>
-              <a:ext uri="{FF2B5EF4-FFF2-40B4-BE49-F238E27FC236}">
-                <a16:creationId xmlns:a16="http://schemas.microsoft.com/office/drawing/2014/main" id="{4A7FB725-52D5-4C03-9E4E-565B80BA6555}"/>
-              </a:ext>
-            </a:extLst>
-          </p:cNvPr>
-          <p:cNvSpPr txBox="1"/>
-          <p:nvPr/>
-        </p:nvSpPr>
-        <p:spPr>
-          <a:xfrm>
-            <a:off x="837398" y="599761"/>
-            <a:ext cx="1653017" cy="769441"/>
-          </a:xfrm>
-          <a:prstGeom prst="rect">
-            <a:avLst/>
-          </a:prstGeom>
-          <a:noFill/>
-        </p:spPr>
-        <p:txBody>
-          <a:bodyPr wrap="none" rtlCol="0">
-            <a:spAutoFit/>
-          </a:bodyPr>
-          <a:lstStyle/>
-          <a:p>
-            <a:r>
-              <a:rPr lang="de-AT" sz="4400" dirty="0">
-                <a:latin typeface="+mj-lt"/>
-                <a:ea typeface="+mj-ea"/>
-                <a:cs typeface="+mj-cs"/>
-              </a:rPr>
-              <a:t>Model</a:t>
-            </a:r>
           </a:p>
         </p:txBody>
       </p:sp>
     </p:spTree>
     <p:extLst>
       <p:ext uri="{BB962C8B-B14F-4D97-AF65-F5344CB8AC3E}">
-        <p14:creationId xmlns:p14="http://schemas.microsoft.com/office/powerpoint/2010/main" val="2506933209"/>
+        <p14:creationId xmlns:p14="http://schemas.microsoft.com/office/powerpoint/2010/main" val="3637949213"/>
       </p:ext>
     </p:extLst>
   </p:cSld>
   <p:clrMapOvr>
     <a:masterClrMapping/>
   </p:clrMapOvr>
-  <mc:AlternateContent xmlns:mc="http://schemas.openxmlformats.org/markup-compatibility/2006" xmlns:p159="http://schemas.microsoft.com/office/powerpoint/2015/09/main">
-    <mc:Choice Requires="p159">
+  <mc:AlternateContent xmlns:mc="http://schemas.openxmlformats.org/markup-compatibility/2006">
+    <mc:Choice xmlns:p159="http://schemas.microsoft.com/office/powerpoint/2015/09/main" Requires="p159">
       <p:transition xmlns:p14="http://schemas.microsoft.com/office/powerpoint/2010/main" spd="slow" p14:dur="2000">
         <p159:morph option="byObject"/>
       </p:transition>
     </mc:Choice>
-    <mc:Fallback xmlns="">
+    <mc:Fallback>
       <p:transition spd="slow">
         <p:fade/>
       </p:transition>
@@ -5626,10 +7282,10 @@
       </p:grpSpPr>
       <p:sp>
         <p:nvSpPr>
-          <p:cNvPr id="2" name="Title 1">
-            <a:extLst>
-              <a:ext uri="{FF2B5EF4-FFF2-40B4-BE49-F238E27FC236}">
-                <a16:creationId xmlns:a16="http://schemas.microsoft.com/office/drawing/2014/main" id="{DC9146E8-1369-41A2-9AD3-703228FD1A38}"/>
+          <p:cNvPr id="4" name="Title 3">
+            <a:extLst>
+              <a:ext uri="{FF2B5EF4-FFF2-40B4-BE49-F238E27FC236}">
+                <a16:creationId xmlns:a16="http://schemas.microsoft.com/office/drawing/2014/main" id="{54C5AC15-9B82-4583-9C44-37355B54082F}"/>
               </a:ext>
             </a:extLst>
           </p:cNvPr>
@@ -5647,66 +7303,134 @@
           <a:p>
             <a:r>
               <a:rPr lang="de-AT" dirty="0"/>
-              <a:t>Ablauf</a:t>
-            </a:r>
-          </a:p>
-        </p:txBody>
-      </p:sp>
-      <p:pic>
-        <p:nvPicPr>
-          <p:cNvPr id="4" name="Content Placeholder 3" descr="A close up of a logo&#10;&#10;Description automatically generated">
-            <a:extLst>
-              <a:ext uri="{FF2B5EF4-FFF2-40B4-BE49-F238E27FC236}">
-                <a16:creationId xmlns:a16="http://schemas.microsoft.com/office/drawing/2014/main" id="{EA4B26CE-12B3-40CA-803D-B7BBB7F9C5C3}"/>
-              </a:ext>
-            </a:extLst>
-          </p:cNvPr>
-          <p:cNvPicPr>
-            <a:picLocks noGrp="1" noChangeAspect="1"/>
-          </p:cNvPicPr>
-          <p:nvPr>
-            <p:ph idx="1"/>
-          </p:nvPr>
-        </p:nvPicPr>
-        <p:blipFill>
-          <a:blip r:embed="rId2">
-            <a:extLst>
-              <a:ext uri="{28A0092B-C50C-407E-A947-70E740481C1C}">
-                <a14:useLocalDpi xmlns:a14="http://schemas.microsoft.com/office/drawing/2010/main" val="0"/>
-              </a:ext>
-            </a:extLst>
-          </a:blip>
-          <a:stretch>
-            <a:fillRect/>
-          </a:stretch>
-        </p:blipFill>
-        <p:spPr>
-          <a:xfrm>
-            <a:off x="1053565" y="2184602"/>
-            <a:ext cx="6575011" cy="1928670"/>
-          </a:xfrm>
-          <a:prstGeom prst="rect">
-            <a:avLst/>
-          </a:prstGeom>
-        </p:spPr>
-      </p:pic>
+              <a:t>	</a:t>
+            </a:r>
+            <a:r>
+              <a:rPr lang="de-AT" b="1" dirty="0">
+                <a:solidFill>
+                  <a:schemeClr val="accent6"/>
+                </a:solidFill>
+              </a:rPr>
+              <a:t>Vorteile</a:t>
+            </a:r>
+            <a:r>
+              <a:rPr lang="de-AT" dirty="0"/>
+              <a:t>					</a:t>
+            </a:r>
+            <a:r>
+              <a:rPr lang="de-AT" b="1" dirty="0">
+                <a:solidFill>
+                  <a:srgbClr val="FF0000"/>
+                </a:solidFill>
+              </a:rPr>
+              <a:t>Nachteile</a:t>
+            </a:r>
+          </a:p>
+        </p:txBody>
+      </p:sp>
+      <p:sp>
+        <p:nvSpPr>
+          <p:cNvPr id="5" name="Content Placeholder 4">
+            <a:extLst>
+              <a:ext uri="{FF2B5EF4-FFF2-40B4-BE49-F238E27FC236}">
+                <a16:creationId xmlns:a16="http://schemas.microsoft.com/office/drawing/2014/main" id="{41D083DE-051E-45E8-AC1E-F4CA0D1D7A73}"/>
+              </a:ext>
+            </a:extLst>
+          </p:cNvPr>
+          <p:cNvSpPr>
+            <a:spLocks noGrp="1"/>
+          </p:cNvSpPr>
+          <p:nvPr>
+            <p:ph sz="half" idx="1"/>
+          </p:nvPr>
+        </p:nvSpPr>
+        <p:spPr/>
+        <p:txBody>
+          <a:bodyPr/>
+          <a:lstStyle/>
+          <a:p>
+            <a:r>
+              <a:rPr lang="de-AT" dirty="0"/>
+              <a:t>gut strukturiertes Programm</a:t>
+            </a:r>
+          </a:p>
+          <a:p>
+            <a:r>
+              <a:rPr lang="de-AT" dirty="0"/>
+              <a:t>leichte Änderungen an einer Komponente vorzunehmen</a:t>
+            </a:r>
+          </a:p>
+          <a:p>
+            <a:r>
+              <a:rPr lang="de-AT" dirty="0"/>
+              <a:t>einzelne Testfälle für jede Komponente</a:t>
+            </a:r>
+          </a:p>
+          <a:p>
+            <a:r>
+              <a:rPr lang="de-AT" dirty="0"/>
+              <a:t>Parallelprogrammierung</a:t>
+            </a:r>
+          </a:p>
+          <a:p>
+            <a:pPr marL="0" indent="0">
+              <a:buNone/>
+            </a:pPr>
+            <a:endParaRPr lang="de-AT" dirty="0"/>
+          </a:p>
+        </p:txBody>
+      </p:sp>
+      <p:sp>
+        <p:nvSpPr>
+          <p:cNvPr id="6" name="Content Placeholder 5">
+            <a:extLst>
+              <a:ext uri="{FF2B5EF4-FFF2-40B4-BE49-F238E27FC236}">
+                <a16:creationId xmlns:a16="http://schemas.microsoft.com/office/drawing/2014/main" id="{4D9AE677-6924-4042-A347-421A0EFC86C3}"/>
+              </a:ext>
+            </a:extLst>
+          </p:cNvPr>
+          <p:cNvSpPr>
+            <a:spLocks noGrp="1"/>
+          </p:cNvSpPr>
+          <p:nvPr>
+            <p:ph sz="half" idx="2"/>
+          </p:nvPr>
+        </p:nvSpPr>
+        <p:spPr/>
+        <p:txBody>
+          <a:bodyPr/>
+          <a:lstStyle/>
+          <a:p>
+            <a:r>
+              <a:rPr lang="de-AT" dirty="0"/>
+              <a:t>mehr Aufwand bei der Planung und Implementierung</a:t>
+            </a:r>
+          </a:p>
+          <a:p>
+            <a:r>
+              <a:rPr lang="de-AT" dirty="0"/>
+              <a:t>bei kleineren Projekten ‚Overkill‘</a:t>
+            </a:r>
+          </a:p>
+        </p:txBody>
+      </p:sp>
     </p:spTree>
     <p:extLst>
       <p:ext uri="{BB962C8B-B14F-4D97-AF65-F5344CB8AC3E}">
-        <p14:creationId xmlns:p14="http://schemas.microsoft.com/office/powerpoint/2010/main" val="4082456557"/>
+        <p14:creationId xmlns:p14="http://schemas.microsoft.com/office/powerpoint/2010/main" val="2891718448"/>
       </p:ext>
     </p:extLst>
   </p:cSld>
   <p:clrMapOvr>
     <a:masterClrMapping/>
   </p:clrMapOvr>
-  <mc:AlternateContent xmlns:mc="http://schemas.openxmlformats.org/markup-compatibility/2006" xmlns:p159="http://schemas.microsoft.com/office/powerpoint/2015/09/main">
-    <mc:Choice Requires="p159">
+  <mc:AlternateContent xmlns:mc="http://schemas.openxmlformats.org/markup-compatibility/2006">
+    <mc:Choice xmlns:p159="http://schemas.microsoft.com/office/powerpoint/2015/09/main" Requires="p159">
       <p:transition xmlns:p14="http://schemas.microsoft.com/office/powerpoint/2010/main" spd="slow" p14:dur="2000">
         <p159:morph option="byObject"/>
       </p:transition>
     </mc:Choice>
-    <mc:Fallback xmlns="">
+    <mc:Fallback>
       <p:transition spd="slow">
         <p:fade/>
       </p:transition>
@@ -5718,6 +7442,14 @@
 <file path=ppt/slides/slide9.xml><?xml version="1.0" encoding="utf-8"?>
 <p:sld xmlns:a="http://schemas.openxmlformats.org/drawingml/2006/main" xmlns:r="http://schemas.openxmlformats.org/officeDocument/2006/relationships" xmlns:p="http://schemas.openxmlformats.org/presentationml/2006/main">
   <p:cSld>
+    <p:bg>
+      <p:bgPr>
+        <a:solidFill>
+          <a:schemeClr val="bg1"/>
+        </a:solidFill>
+        <a:effectLst/>
+      </p:bgPr>
+    </p:bg>
     <p:spTree>
       <p:nvGrpSpPr>
         <p:cNvPr id="1" name=""/>
@@ -5732,145 +7464,61 @@
           <a:chExt cx="0" cy="0"/>
         </a:xfrm>
       </p:grpSpPr>
-      <p:sp>
-        <p:nvSpPr>
-          <p:cNvPr id="4" name="Title 3">
-            <a:extLst>
-              <a:ext uri="{FF2B5EF4-FFF2-40B4-BE49-F238E27FC236}">
-                <a16:creationId xmlns:a16="http://schemas.microsoft.com/office/drawing/2014/main" id="{54C5AC15-9B82-4583-9C44-37355B54082F}"/>
-              </a:ext>
-            </a:extLst>
-          </p:cNvPr>
-          <p:cNvSpPr>
-            <a:spLocks noGrp="1"/>
-          </p:cNvSpPr>
-          <p:nvPr>
-            <p:ph type="title"/>
-          </p:nvPr>
-        </p:nvSpPr>
-        <p:spPr/>
-        <p:txBody>
-          <a:bodyPr/>
-          <a:lstStyle/>
-          <a:p>
-            <a:r>
-              <a:rPr lang="de-AT" dirty="0"/>
-              <a:t>	</a:t>
-            </a:r>
-            <a:r>
-              <a:rPr lang="de-AT" b="1" dirty="0">
-                <a:solidFill>
-                  <a:schemeClr val="accent6"/>
-                </a:solidFill>
-              </a:rPr>
-              <a:t>Vorteile</a:t>
-            </a:r>
-            <a:r>
-              <a:rPr lang="de-AT" dirty="0"/>
-              <a:t>					</a:t>
-            </a:r>
-            <a:r>
-              <a:rPr lang="de-AT" b="1" dirty="0">
-                <a:solidFill>
-                  <a:srgbClr val="FF0000"/>
-                </a:solidFill>
-              </a:rPr>
-              <a:t>Nachteile</a:t>
-            </a:r>
-          </a:p>
-        </p:txBody>
-      </p:sp>
-      <p:sp>
-        <p:nvSpPr>
-          <p:cNvPr id="5" name="Content Placeholder 4">
-            <a:extLst>
-              <a:ext uri="{FF2B5EF4-FFF2-40B4-BE49-F238E27FC236}">
-                <a16:creationId xmlns:a16="http://schemas.microsoft.com/office/drawing/2014/main" id="{41D083DE-051E-45E8-AC1E-F4CA0D1D7A73}"/>
-              </a:ext>
-            </a:extLst>
-          </p:cNvPr>
-          <p:cNvSpPr>
-            <a:spLocks noGrp="1"/>
-          </p:cNvSpPr>
-          <p:nvPr>
-            <p:ph sz="half" idx="1"/>
-          </p:nvPr>
-        </p:nvSpPr>
-        <p:spPr/>
-        <p:txBody>
-          <a:bodyPr/>
-          <a:lstStyle/>
-          <a:p>
-            <a:r>
-              <a:rPr lang="de-AT" dirty="0"/>
-              <a:t>gut strukturiertes Programm</a:t>
-            </a:r>
-          </a:p>
-          <a:p>
-            <a:r>
-              <a:rPr lang="de-AT" dirty="0"/>
-              <a:t>leichte Änderungen an einer Komponente vorzunehmen</a:t>
-            </a:r>
-          </a:p>
-          <a:p>
-            <a:r>
-              <a:rPr lang="de-AT" dirty="0"/>
-              <a:t>einzelne Testfälle für jede Komponente</a:t>
-            </a:r>
-          </a:p>
-        </p:txBody>
-      </p:sp>
-      <p:sp>
-        <p:nvSpPr>
-          <p:cNvPr id="6" name="Content Placeholder 5">
-            <a:extLst>
-              <a:ext uri="{FF2B5EF4-FFF2-40B4-BE49-F238E27FC236}">
-                <a16:creationId xmlns:a16="http://schemas.microsoft.com/office/drawing/2014/main" id="{4D9AE677-6924-4042-A347-421A0EFC86C3}"/>
-              </a:ext>
-            </a:extLst>
-          </p:cNvPr>
-          <p:cNvSpPr>
-            <a:spLocks noGrp="1"/>
-          </p:cNvSpPr>
-          <p:nvPr>
-            <p:ph sz="half" idx="2"/>
-          </p:nvPr>
-        </p:nvSpPr>
-        <p:spPr/>
-        <p:txBody>
-          <a:bodyPr/>
-          <a:lstStyle/>
-          <a:p>
-            <a:r>
-              <a:rPr lang="de-AT" dirty="0"/>
-              <a:t>mehr Aufwand bei der Planung und Implementierung</a:t>
-            </a:r>
-          </a:p>
-          <a:p>
-            <a:r>
-              <a:rPr lang="de-AT" dirty="0"/>
-              <a:t>bei kleineren Projekten ‚Overkill‘</a:t>
-            </a:r>
-          </a:p>
-        </p:txBody>
-      </p:sp>
+      <p:pic>
+        <p:nvPicPr>
+          <p:cNvPr id="6" name="Content Placeholder 5" descr="A close up of a logo&#10;&#10;Description automatically generated">
+            <a:extLst>
+              <a:ext uri="{FF2B5EF4-FFF2-40B4-BE49-F238E27FC236}">
+                <a16:creationId xmlns:a16="http://schemas.microsoft.com/office/drawing/2014/main" id="{9B135450-FD9B-44BC-BE79-D5685C0C7633}"/>
+              </a:ext>
+            </a:extLst>
+          </p:cNvPr>
+          <p:cNvPicPr>
+            <a:picLocks noGrp="1" noChangeAspect="1"/>
+          </p:cNvPicPr>
+          <p:nvPr>
+            <p:ph idx="1"/>
+          </p:nvPr>
+        </p:nvPicPr>
+        <p:blipFill>
+          <a:blip r:embed="rId2">
+            <a:extLst>
+              <a:ext uri="{28A0092B-C50C-407E-A947-70E740481C1C}">
+                <a14:useLocalDpi xmlns:a14="http://schemas.microsoft.com/office/drawing/2010/main" val="0"/>
+              </a:ext>
+            </a:extLst>
+          </a:blip>
+          <a:stretch>
+            <a:fillRect/>
+          </a:stretch>
+        </p:blipFill>
+        <p:spPr>
+          <a:xfrm>
+            <a:off x="643467" y="1070780"/>
+            <a:ext cx="10905066" cy="4716440"/>
+          </a:xfrm>
+          <a:prstGeom prst="rect">
+            <a:avLst/>
+          </a:prstGeom>
+        </p:spPr>
+      </p:pic>
     </p:spTree>
     <p:extLst>
       <p:ext uri="{BB962C8B-B14F-4D97-AF65-F5344CB8AC3E}">
-        <p14:creationId xmlns:p14="http://schemas.microsoft.com/office/powerpoint/2010/main" val="2891718448"/>
+        <p14:creationId xmlns:p14="http://schemas.microsoft.com/office/powerpoint/2010/main" val="1156671814"/>
       </p:ext>
     </p:extLst>
   </p:cSld>
   <p:clrMapOvr>
     <a:masterClrMapping/>
   </p:clrMapOvr>
-  <mc:AlternateContent xmlns:mc="http://schemas.openxmlformats.org/markup-compatibility/2006" xmlns:p159="http://schemas.microsoft.com/office/powerpoint/2015/09/main">
-    <mc:Choice Requires="p159">
+  <mc:AlternateContent xmlns:mc="http://schemas.openxmlformats.org/markup-compatibility/2006">
+    <mc:Choice xmlns:p159="http://schemas.microsoft.com/office/powerpoint/2015/09/main" Requires="p159">
       <p:transition xmlns:p14="http://schemas.microsoft.com/office/powerpoint/2010/main" spd="slow" p14:dur="2000">
         <p159:morph option="byObject"/>
       </p:transition>
     </mc:Choice>
-    <mc:Fallback xmlns="">
+    <mc:Fallback>
       <p:transition spd="slow">
         <p:fade/>
       </p:transition>
@@ -6467,4 +8115,299 @@
     </a:ext>
   </a:extLst>
 </a:theme>
+</file>
+
+<file path=ppt/theme/theme3.xml><?xml version="1.0" encoding="utf-8"?>
+<a:theme xmlns:a="http://schemas.openxmlformats.org/drawingml/2006/main" name="Office Theme">
+  <a:themeElements>
+    <a:clrScheme name="Office">
+      <a:dk1>
+        <a:sysClr val="windowText" lastClr="000000"/>
+      </a:dk1>
+      <a:lt1>
+        <a:sysClr val="window" lastClr="FFFFFF"/>
+      </a:lt1>
+      <a:dk2>
+        <a:srgbClr val="44546A"/>
+      </a:dk2>
+      <a:lt2>
+        <a:srgbClr val="E7E6E6"/>
+      </a:lt2>
+      <a:accent1>
+        <a:srgbClr val="4472C4"/>
+      </a:accent1>
+      <a:accent2>
+        <a:srgbClr val="ED7D31"/>
+      </a:accent2>
+      <a:accent3>
+        <a:srgbClr val="A5A5A5"/>
+      </a:accent3>
+      <a:accent4>
+        <a:srgbClr val="FFC000"/>
+      </a:accent4>
+      <a:accent5>
+        <a:srgbClr val="5B9BD5"/>
+      </a:accent5>
+      <a:accent6>
+        <a:srgbClr val="70AD47"/>
+      </a:accent6>
+      <a:hlink>
+        <a:srgbClr val="0563C1"/>
+      </a:hlink>
+      <a:folHlink>
+        <a:srgbClr val="954F72"/>
+      </a:folHlink>
+    </a:clrScheme>
+    <a:fontScheme name="Office">
+      <a:majorFont>
+        <a:latin typeface="Calibri Light" panose="020F0302020204030204"/>
+        <a:ea typeface=""/>
+        <a:cs typeface=""/>
+        <a:font script="Jpan" typeface="游ゴシック Light"/>
+        <a:font script="Hang" typeface="맑은 고딕"/>
+        <a:font script="Hans" typeface="等线 Light"/>
+        <a:font script="Hant" typeface="新細明體"/>
+        <a:font script="Arab" typeface="Times New Roman"/>
+        <a:font script="Hebr" typeface="Times New Roman"/>
+        <a:font script="Thai" typeface="Angsana New"/>
+        <a:font script="Ethi" typeface="Nyala"/>
+        <a:font script="Beng" typeface="Vrinda"/>
+        <a:font script="Gujr" typeface="Shruti"/>
+        <a:font script="Khmr" typeface="MoolBoran"/>
+        <a:font script="Knda" typeface="Tunga"/>
+        <a:font script="Guru" typeface="Raavi"/>
+        <a:font script="Cans" typeface="Euphemia"/>
+        <a:font script="Cher" typeface="Plantagenet Cherokee"/>
+        <a:font script="Yiii" typeface="Microsoft Yi Baiti"/>
+        <a:font script="Tibt" typeface="Microsoft Himalaya"/>
+        <a:font script="Thaa" typeface="MV Boli"/>
+        <a:font script="Deva" typeface="Mangal"/>
+        <a:font script="Telu" typeface="Gautami"/>
+        <a:font script="Taml" typeface="Latha"/>
+        <a:font script="Syrc" typeface="Estrangelo Edessa"/>
+        <a:font script="Orya" typeface="Kalinga"/>
+        <a:font script="Mlym" typeface="Kartika"/>
+        <a:font script="Laoo" typeface="DokChampa"/>
+        <a:font script="Sinh" typeface="Iskoola Pota"/>
+        <a:font script="Mong" typeface="Mongolian Baiti"/>
+        <a:font script="Viet" typeface="Times New Roman"/>
+        <a:font script="Uigh" typeface="Microsoft Uighur"/>
+        <a:font script="Geor" typeface="Sylfaen"/>
+        <a:font script="Armn" typeface="Arial"/>
+        <a:font script="Bugi" typeface="Leelawadee UI"/>
+        <a:font script="Bopo" typeface="Microsoft JhengHei"/>
+        <a:font script="Java" typeface="Javanese Text"/>
+        <a:font script="Lisu" typeface="Segoe UI"/>
+        <a:font script="Mymr" typeface="Myanmar Text"/>
+        <a:font script="Nkoo" typeface="Ebrima"/>
+        <a:font script="Olck" typeface="Nirmala UI"/>
+        <a:font script="Osma" typeface="Ebrima"/>
+        <a:font script="Phag" typeface="Phagspa"/>
+        <a:font script="Syrn" typeface="Estrangelo Edessa"/>
+        <a:font script="Syrj" typeface="Estrangelo Edessa"/>
+        <a:font script="Syre" typeface="Estrangelo Edessa"/>
+        <a:font script="Sora" typeface="Nirmala UI"/>
+        <a:font script="Tale" typeface="Microsoft Tai Le"/>
+        <a:font script="Talu" typeface="Microsoft New Tai Lue"/>
+        <a:font script="Tfng" typeface="Ebrima"/>
+      </a:majorFont>
+      <a:minorFont>
+        <a:latin typeface="Calibri" panose="020F0502020204030204"/>
+        <a:ea typeface=""/>
+        <a:cs typeface=""/>
+        <a:font script="Jpan" typeface="游ゴシック"/>
+        <a:font script="Hang" typeface="맑은 고딕"/>
+        <a:font script="Hans" typeface="等线"/>
+        <a:font script="Hant" typeface="新細明體"/>
+        <a:font script="Arab" typeface="Arial"/>
+        <a:font script="Hebr" typeface="Arial"/>
+        <a:font script="Thai" typeface="Cordia New"/>
+        <a:font script="Ethi" typeface="Nyala"/>
+        <a:font script="Beng" typeface="Vrinda"/>
+        <a:font script="Gujr" typeface="Shruti"/>
+        <a:font script="Khmr" typeface="DaunPenh"/>
+        <a:font script="Knda" typeface="Tunga"/>
+        <a:font script="Guru" typeface="Raavi"/>
+        <a:font script="Cans" typeface="Euphemia"/>
+        <a:font script="Cher" typeface="Plantagenet Cherokee"/>
+        <a:font script="Yiii" typeface="Microsoft Yi Baiti"/>
+        <a:font script="Tibt" typeface="Microsoft Himalaya"/>
+        <a:font script="Thaa" typeface="MV Boli"/>
+        <a:font script="Deva" typeface="Mangal"/>
+        <a:font script="Telu" typeface="Gautami"/>
+        <a:font script="Taml" typeface="Latha"/>
+        <a:font script="Syrc" typeface="Estrangelo Edessa"/>
+        <a:font script="Orya" typeface="Kalinga"/>
+        <a:font script="Mlym" typeface="Kartika"/>
+        <a:font script="Laoo" typeface="DokChampa"/>
+        <a:font script="Sinh" typeface="Iskoola Pota"/>
+        <a:font script="Mong" typeface="Mongolian Baiti"/>
+        <a:font script="Viet" typeface="Arial"/>
+        <a:font script="Uigh" typeface="Microsoft Uighur"/>
+        <a:font script="Geor" typeface="Sylfaen"/>
+        <a:font script="Armn" typeface="Arial"/>
+        <a:font script="Bugi" typeface="Leelawadee UI"/>
+        <a:font script="Bopo" typeface="Microsoft JhengHei"/>
+        <a:font script="Java" typeface="Javanese Text"/>
+        <a:font script="Lisu" typeface="Segoe UI"/>
+        <a:font script="Mymr" typeface="Myanmar Text"/>
+        <a:font script="Nkoo" typeface="Ebrima"/>
+        <a:font script="Olck" typeface="Nirmala UI"/>
+        <a:font script="Osma" typeface="Ebrima"/>
+        <a:font script="Phag" typeface="Phagspa"/>
+        <a:font script="Syrn" typeface="Estrangelo Edessa"/>
+        <a:font script="Syrj" typeface="Estrangelo Edessa"/>
+        <a:font script="Syre" typeface="Estrangelo Edessa"/>
+        <a:font script="Sora" typeface="Nirmala UI"/>
+        <a:font script="Tale" typeface="Microsoft Tai Le"/>
+        <a:font script="Talu" typeface="Microsoft New Tai Lue"/>
+        <a:font script="Tfng" typeface="Ebrima"/>
+      </a:minorFont>
+    </a:fontScheme>
+    <a:fmtScheme name="Office">
+      <a:fillStyleLst>
+        <a:solidFill>
+          <a:schemeClr val="phClr"/>
+        </a:solidFill>
+        <a:gradFill rotWithShape="1">
+          <a:gsLst>
+            <a:gs pos="0">
+              <a:schemeClr val="phClr">
+                <a:lumMod val="110000"/>
+                <a:satMod val="105000"/>
+                <a:tint val="67000"/>
+              </a:schemeClr>
+            </a:gs>
+            <a:gs pos="50000">
+              <a:schemeClr val="phClr">
+                <a:lumMod val="105000"/>
+                <a:satMod val="103000"/>
+                <a:tint val="73000"/>
+              </a:schemeClr>
+            </a:gs>
+            <a:gs pos="100000">
+              <a:schemeClr val="phClr">
+                <a:lumMod val="105000"/>
+                <a:satMod val="109000"/>
+                <a:tint val="81000"/>
+              </a:schemeClr>
+            </a:gs>
+          </a:gsLst>
+          <a:lin ang="5400000" scaled="0"/>
+        </a:gradFill>
+        <a:gradFill rotWithShape="1">
+          <a:gsLst>
+            <a:gs pos="0">
+              <a:schemeClr val="phClr">
+                <a:satMod val="103000"/>
+                <a:lumMod val="102000"/>
+                <a:tint val="94000"/>
+              </a:schemeClr>
+            </a:gs>
+            <a:gs pos="50000">
+              <a:schemeClr val="phClr">
+                <a:satMod val="110000"/>
+                <a:lumMod val="100000"/>
+                <a:shade val="100000"/>
+              </a:schemeClr>
+            </a:gs>
+            <a:gs pos="100000">
+              <a:schemeClr val="phClr">
+                <a:lumMod val="99000"/>
+                <a:satMod val="120000"/>
+                <a:shade val="78000"/>
+              </a:schemeClr>
+            </a:gs>
+          </a:gsLst>
+          <a:lin ang="5400000" scaled="0"/>
+        </a:gradFill>
+      </a:fillStyleLst>
+      <a:lnStyleLst>
+        <a:ln w="6350" cap="flat" cmpd="sng" algn="ctr">
+          <a:solidFill>
+            <a:schemeClr val="phClr"/>
+          </a:solidFill>
+          <a:prstDash val="solid"/>
+          <a:miter lim="800000"/>
+        </a:ln>
+        <a:ln w="12700" cap="flat" cmpd="sng" algn="ctr">
+          <a:solidFill>
+            <a:schemeClr val="phClr"/>
+          </a:solidFill>
+          <a:prstDash val="solid"/>
+          <a:miter lim="800000"/>
+        </a:ln>
+        <a:ln w="19050" cap="flat" cmpd="sng" algn="ctr">
+          <a:solidFill>
+            <a:schemeClr val="phClr"/>
+          </a:solidFill>
+          <a:prstDash val="solid"/>
+          <a:miter lim="800000"/>
+        </a:ln>
+      </a:lnStyleLst>
+      <a:effectStyleLst>
+        <a:effectStyle>
+          <a:effectLst/>
+        </a:effectStyle>
+        <a:effectStyle>
+          <a:effectLst/>
+        </a:effectStyle>
+        <a:effectStyle>
+          <a:effectLst>
+            <a:outerShdw blurRad="57150" dist="19050" dir="5400000" algn="ctr" rotWithShape="0">
+              <a:srgbClr val="000000">
+                <a:alpha val="63000"/>
+              </a:srgbClr>
+            </a:outerShdw>
+          </a:effectLst>
+        </a:effectStyle>
+      </a:effectStyleLst>
+      <a:bgFillStyleLst>
+        <a:solidFill>
+          <a:schemeClr val="phClr"/>
+        </a:solidFill>
+        <a:solidFill>
+          <a:schemeClr val="phClr">
+            <a:tint val="95000"/>
+            <a:satMod val="170000"/>
+          </a:schemeClr>
+        </a:solidFill>
+        <a:gradFill rotWithShape="1">
+          <a:gsLst>
+            <a:gs pos="0">
+              <a:schemeClr val="phClr">
+                <a:tint val="93000"/>
+                <a:satMod val="150000"/>
+                <a:shade val="98000"/>
+                <a:lumMod val="102000"/>
+              </a:schemeClr>
+            </a:gs>
+            <a:gs pos="50000">
+              <a:schemeClr val="phClr">
+                <a:tint val="98000"/>
+                <a:satMod val="130000"/>
+                <a:shade val="90000"/>
+                <a:lumMod val="103000"/>
+              </a:schemeClr>
+            </a:gs>
+            <a:gs pos="100000">
+              <a:schemeClr val="phClr">
+                <a:shade val="63000"/>
+                <a:satMod val="120000"/>
+              </a:schemeClr>
+            </a:gs>
+          </a:gsLst>
+          <a:lin ang="5400000" scaled="0"/>
+        </a:gradFill>
+      </a:bgFillStyleLst>
+    </a:fmtScheme>
+  </a:themeElements>
+  <a:objectDefaults/>
+  <a:extraClrSchemeLst/>
+  <a:extLst>
+    <a:ext uri="{05A4C25C-085E-4340-85A3-A5531E510DB2}">
+      <thm15:themeFamily xmlns:thm15="http://schemas.microsoft.com/office/thememl/2012/main" name="Office Theme" id="{62F939B6-93AF-4DB8-9C6B-D6C7DFDC589F}" vid="{4A3C46E8-61CC-4603-A589-7422A47A8E4A}"/>
+    </a:ext>
+  </a:extLst>
+</a:theme>
 </file>